--- a/SOWMYA.YALAVARTHI MINIPROJECT.pptx
+++ b/SOWMYA.YALAVARTHI MINIPROJECT.pptx
@@ -2,13 +2,13 @@
 <file path=ppt/presentation.xml><?xml version="1.0" encoding="utf-8"?>
 <p:presentation xmlns:a="http://schemas.openxmlformats.org/drawingml/2006/main" xmlns:r="http://schemas.openxmlformats.org/officeDocument/2006/relationships" xmlns:p="http://schemas.openxmlformats.org/presentationml/2006/main" saveSubsetFonts="1">
   <p:sldMasterIdLst>
-    <p:sldMasterId id="2147484080" r:id="rId1"/>
+    <p:sldMasterId id="2147484093" r:id="rId1"/>
   </p:sldMasterIdLst>
   <p:sldIdLst>
-    <p:sldId id="256" r:id="rId2"/>
-    <p:sldId id="258" r:id="rId3"/>
-    <p:sldId id="259" r:id="rId4"/>
-    <p:sldId id="261" r:id="rId5"/>
+    <p:sldId id="258" r:id="rId2"/>
+    <p:sldId id="259" r:id="rId3"/>
+    <p:sldId id="261" r:id="rId4"/>
+    <p:sldId id="285" r:id="rId5"/>
     <p:sldId id="262" r:id="rId6"/>
     <p:sldId id="263" r:id="rId7"/>
     <p:sldId id="264" r:id="rId8"/>
@@ -20,14 +20,13 @@
     <p:sldId id="267" r:id="rId14"/>
     <p:sldId id="268" r:id="rId15"/>
     <p:sldId id="278" r:id="rId16"/>
-    <p:sldId id="269" r:id="rId17"/>
-    <p:sldId id="270" r:id="rId18"/>
-    <p:sldId id="271" r:id="rId19"/>
-    <p:sldId id="272" r:id="rId20"/>
-    <p:sldId id="273" r:id="rId21"/>
-    <p:sldId id="274" r:id="rId22"/>
-    <p:sldId id="276" r:id="rId23"/>
-    <p:sldId id="283" r:id="rId24"/>
+    <p:sldId id="271" r:id="rId17"/>
+    <p:sldId id="272" r:id="rId18"/>
+    <p:sldId id="273" r:id="rId19"/>
+    <p:sldId id="274" r:id="rId20"/>
+    <p:sldId id="284" r:id="rId21"/>
+    <p:sldId id="276" r:id="rId22"/>
+    <p:sldId id="283" r:id="rId23"/>
   </p:sldIdLst>
   <p:sldSz cx="12192000" cy="6858000"/>
   <p:notesSz cx="6858000" cy="9144000"/>
@@ -137,6 +136,11 @@
 <file path=ppt/slideLayouts/slideLayout1.xml><?xml version="1.0" encoding="utf-8"?>
 <p:sldLayout xmlns:a="http://schemas.openxmlformats.org/drawingml/2006/main" xmlns:r="http://schemas.openxmlformats.org/officeDocument/2006/relationships" xmlns:p="http://schemas.openxmlformats.org/presentationml/2006/main" showMasterSp="0" type="title" preserve="1">
   <p:cSld name="Title Slide">
+    <p:bg>
+      <p:bgRef idx="1002">
+        <a:schemeClr val="bg2"/>
+      </p:bgRef>
+    </p:bg>
     <p:spTree>
       <p:nvGrpSpPr>
         <p:cNvPr id="1" name=""/>
@@ -153,39 +157,31 @@
       </p:grpSpPr>
       <p:sp>
         <p:nvSpPr>
-          <p:cNvPr id="7" name="Rectangle 6"/>
+          <p:cNvPr id="16" name="Rectangle 15"/>
           <p:cNvSpPr/>
           <p:nvPr/>
         </p:nvSpPr>
         <p:spPr>
           <a:xfrm>
-            <a:off x="920834" y="1346946"/>
-            <a:ext cx="10222992" cy="80683"/>
+            <a:off x="0" y="0"/>
+            <a:ext cx="12192000" cy="6858000"/>
           </a:xfrm>
           <a:prstGeom prst="rect">
             <a:avLst/>
           </a:prstGeom>
           <a:blipFill dpi="0" rotWithShape="1">
             <a:blip r:embed="rId2">
-              <a:alphaModFix amt="85000"/>
-              <a:lum bright="70000" contrast="-70000"/>
-              <a:extLst>
-                <a:ext uri="{BEBA8EAE-BF5A-486C-A8C5-ECC9F3942E4B}">
-                  <a14:imgProps xmlns:a14="http://schemas.microsoft.com/office/drawing/2010/main">
-                    <a14:imgLayer r:embed="rId3">
-                      <a14:imgEffect>
-                        <a14:sharpenSoften amount="61000"/>
-                      </a14:imgEffect>
-                    </a14:imgLayer>
-                  </a14:imgProps>
-                </a:ext>
-                <a:ext uri="{28A0092B-C50C-407E-A947-70E740481C1C}">
-                  <a14:useLocalDpi xmlns:a14="http://schemas.microsoft.com/office/drawing/2010/main" val="0"/>
-                </a:ext>
-              </a:extLst>
+              <a:alphaModFix amt="45000"/>
+              <a:duotone>
+                <a:schemeClr val="accent1">
+                  <a:shade val="45000"/>
+                  <a:satMod val="135000"/>
+                </a:schemeClr>
+                <a:prstClr val="white"/>
+              </a:duotone>
             </a:blip>
             <a:srcRect/>
-            <a:tile tx="0" ty="-762000" sx="92000" sy="89000" flip="xy" algn="ctr"/>
+            <a:tile tx="-44450" ty="38100" sx="85000" sy="85000" flip="none" algn="tl"/>
           </a:blipFill>
           <a:ln>
             <a:noFill/>
@@ -210,40 +206,80 @@
       </p:sp>
       <p:sp>
         <p:nvSpPr>
-          <p:cNvPr id="8" name="Rectangle 7"/>
+          <p:cNvPr id="10" name="Rectangle 9"/>
           <p:cNvSpPr/>
           <p:nvPr/>
         </p:nvSpPr>
         <p:spPr>
           <a:xfrm>
-            <a:off x="920834" y="4299696"/>
-            <a:ext cx="10222992" cy="80683"/>
+            <a:off x="1307870" y="1267730"/>
+            <a:ext cx="9576262" cy="4307950"/>
           </a:xfrm>
           <a:prstGeom prst="rect">
             <a:avLst/>
           </a:prstGeom>
-          <a:blipFill dpi="0" rotWithShape="1">
-            <a:blip r:embed="rId2">
-              <a:alphaModFix amt="85000"/>
-              <a:lum bright="70000" contrast="-70000"/>
-              <a:extLst>
-                <a:ext uri="{BEBA8EAE-BF5A-486C-A8C5-ECC9F3942E4B}">
-                  <a14:imgProps xmlns:a14="http://schemas.microsoft.com/office/drawing/2010/main">
-                    <a14:imgLayer r:embed="rId3">
-                      <a14:imgEffect>
-                        <a14:sharpenSoften amount="61000"/>
-                      </a14:imgEffect>
-                    </a14:imgLayer>
-                  </a14:imgProps>
-                </a:ext>
-                <a:ext uri="{28A0092B-C50C-407E-A947-70E740481C1C}">
-                  <a14:useLocalDpi xmlns:a14="http://schemas.microsoft.com/office/drawing/2010/main" val="0"/>
-                </a:ext>
-              </a:extLst>
-            </a:blip>
-            <a:srcRect/>
-            <a:tile tx="0" ty="-717550" sx="92000" sy="89000" flip="xy" algn="ctr"/>
-          </a:blipFill>
+          <a:solidFill>
+            <a:schemeClr val="bg1"/>
+          </a:solidFill>
+          <a:ln w="6350" cap="flat" cmpd="sng" algn="ctr">
+            <a:noFill/>
+            <a:prstDash val="solid"/>
+          </a:ln>
+          <a:effectLst>
+            <a:outerShdw blurRad="50800" algn="ctr" rotWithShape="0">
+              <a:prstClr val="black">
+                <a:alpha val="66000"/>
+              </a:prstClr>
+            </a:outerShdw>
+            <a:softEdge rad="0"/>
+          </a:effectLst>
+        </p:spPr>
+      </p:sp>
+      <p:sp>
+        <p:nvSpPr>
+          <p:cNvPr id="11" name="Rectangle 10"/>
+          <p:cNvSpPr/>
+          <p:nvPr/>
+        </p:nvSpPr>
+        <p:spPr>
+          <a:xfrm>
+            <a:off x="1447801" y="1411615"/>
+            <a:ext cx="9296400" cy="4034770"/>
+          </a:xfrm>
+          <a:prstGeom prst="rect">
+            <a:avLst/>
+          </a:prstGeom>
+          <a:noFill/>
+          <a:ln w="6350" cap="sq" cmpd="sng" algn="ctr">
+            <a:solidFill>
+              <a:schemeClr val="tx1">
+                <a:lumMod val="75000"/>
+                <a:lumOff val="25000"/>
+              </a:schemeClr>
+            </a:solidFill>
+            <a:prstDash val="solid"/>
+            <a:miter lim="800000"/>
+          </a:ln>
+          <a:effectLst/>
+        </p:spPr>
+      </p:sp>
+      <p:sp>
+        <p:nvSpPr>
+          <p:cNvPr id="15" name="Rectangle 14"/>
+          <p:cNvSpPr/>
+          <p:nvPr/>
+        </p:nvSpPr>
+        <p:spPr>
+          <a:xfrm>
+            <a:off x="5135880" y="1267730"/>
+            <a:ext cx="1920240" cy="731520"/>
+          </a:xfrm>
+          <a:prstGeom prst="rect">
+            <a:avLst/>
+          </a:prstGeom>
+          <a:solidFill>
+            <a:schemeClr val="bg2"/>
+          </a:solidFill>
           <a:ln>
             <a:noFill/>
           </a:ln>
@@ -265,146 +301,146 @@
           </a:fontRef>
         </p:style>
       </p:sp>
-      <p:sp>
-        <p:nvSpPr>
-          <p:cNvPr id="9" name="Rectangle 8"/>
-          <p:cNvSpPr/>
-          <p:nvPr/>
-        </p:nvSpPr>
-        <p:spPr>
-          <a:xfrm>
-            <a:off x="920834" y="1484779"/>
-            <a:ext cx="10222992" cy="2743200"/>
-          </a:xfrm>
-          <a:prstGeom prst="rect">
-            <a:avLst/>
-          </a:prstGeom>
-          <a:blipFill dpi="0" rotWithShape="1">
-            <a:blip r:embed="rId2">
-              <a:alphaModFix amt="85000"/>
-              <a:lum bright="70000" contrast="-70000"/>
-              <a:extLst>
-                <a:ext uri="{BEBA8EAE-BF5A-486C-A8C5-ECC9F3942E4B}">
-                  <a14:imgProps xmlns:a14="http://schemas.microsoft.com/office/drawing/2010/main">
-                    <a14:imgLayer r:embed="rId3">
-                      <a14:imgEffect>
-                        <a14:sharpenSoften amount="61000"/>
-                      </a14:imgEffect>
-                    </a14:imgLayer>
-                  </a14:imgProps>
-                </a:ext>
-                <a:ext uri="{28A0092B-C50C-407E-A947-70E740481C1C}">
-                  <a14:useLocalDpi xmlns:a14="http://schemas.microsoft.com/office/drawing/2010/main" val="0"/>
-                </a:ext>
-              </a:extLst>
-            </a:blip>
-            <a:srcRect/>
-            <a:tile tx="0" ty="-704850" sx="92000" sy="89000" flip="xy" algn="ctr"/>
-          </a:blipFill>
-          <a:ln>
-            <a:noFill/>
-          </a:ln>
-        </p:spPr>
-        <p:style>
-          <a:lnRef idx="2">
-            <a:schemeClr val="accent1">
-              <a:shade val="50000"/>
-            </a:schemeClr>
-          </a:lnRef>
-          <a:fillRef idx="1">
-            <a:schemeClr val="accent1"/>
-          </a:fillRef>
-          <a:effectRef idx="0">
-            <a:schemeClr val="accent1"/>
-          </a:effectRef>
-          <a:fontRef idx="minor">
-            <a:schemeClr val="lt1"/>
-          </a:fontRef>
-        </p:style>
-      </p:sp>
       <p:grpSp>
         <p:nvGrpSpPr>
-          <p:cNvPr id="10" name="Group 9"/>
+          <p:cNvPr id="4" name="Group 3"/>
           <p:cNvGrpSpPr/>
           <p:nvPr/>
         </p:nvGrpSpPr>
         <p:grpSpPr>
           <a:xfrm>
-            <a:off x="9649215" y="4068923"/>
-            <a:ext cx="1080904" cy="1080902"/>
-            <a:chOff x="9685338" y="4460675"/>
-            <a:chExt cx="1080904" cy="1080902"/>
+            <a:off x="5250180" y="1267730"/>
+            <a:ext cx="1691640" cy="645295"/>
+            <a:chOff x="5318306" y="1386268"/>
+            <a:chExt cx="1567331" cy="645295"/>
           </a:xfrm>
         </p:grpSpPr>
-        <p:sp>
-          <p:nvSpPr>
-            <p:cNvPr id="11" name="Oval 10"/>
-            <p:cNvSpPr/>
+        <p:cxnSp>
+          <p:nvCxnSpPr>
+            <p:cNvPr id="17" name="Straight Connector 16"/>
+            <p:cNvCxnSpPr/>
             <p:nvPr/>
-          </p:nvSpPr>
+          </p:nvCxnSpPr>
           <p:spPr>
             <a:xfrm>
-              <a:off x="9685338" y="4460675"/>
-              <a:ext cx="1080904" cy="1080902"/>
+              <a:off x="5318306" y="1386268"/>
+              <a:ext cx="0" cy="640080"/>
             </a:xfrm>
-            <a:prstGeom prst="ellipse">
+            <a:prstGeom prst="line">
               <a:avLst/>
             </a:prstGeom>
-            <a:blipFill dpi="0" rotWithShape="1">
-              <a:blip r:embed="rId4">
-                <a:duotone>
-                  <a:schemeClr val="accent1">
-                    <a:shade val="45000"/>
-                    <a:satMod val="135000"/>
-                  </a:schemeClr>
-                  <a:prstClr val="white"/>
-                </a:duotone>
-                <a:extLst>
-                  <a:ext uri="{BEBA8EAE-BF5A-486C-A8C5-ECC9F3942E4B}">
-                    <a14:imgProps xmlns:a14="http://schemas.microsoft.com/office/drawing/2010/main">
-                      <a14:imgLayer r:embed="rId5">
-                        <a14:imgEffect>
-                          <a14:saturation sat="95000"/>
-                        </a14:imgEffect>
-                      </a14:imgLayer>
-                    </a14:imgProps>
-                  </a:ext>
-                </a:extLst>
-              </a:blip>
-              <a:srcRect/>
-              <a:tile tx="0" ty="0" sx="85000" sy="85000" flip="none" algn="tl"/>
-            </a:blipFill>
-            <a:ln w="25400" cap="flat" cmpd="sng" algn="ctr">
-              <a:noFill/>
-              <a:prstDash val="solid"/>
+            <a:solidFill>
+              <a:schemeClr val="tx1">
+                <a:lumMod val="85000"/>
+                <a:lumOff val="15000"/>
+              </a:schemeClr>
+            </a:solidFill>
+            <a:ln>
+              <a:solidFill>
+                <a:schemeClr val="tx1"/>
+              </a:solidFill>
+              <a:miter lim="800000"/>
             </a:ln>
-            <a:effectLst/>
           </p:spPr>
-        </p:sp>
-        <p:sp>
-          <p:nvSpPr>
-            <p:cNvPr id="12" name="Oval 11"/>
-            <p:cNvSpPr/>
+          <p:style>
+            <a:lnRef idx="1">
+              <a:schemeClr val="accent1"/>
+            </a:lnRef>
+            <a:fillRef idx="0">
+              <a:schemeClr val="accent1"/>
+            </a:fillRef>
+            <a:effectRef idx="0">
+              <a:schemeClr val="accent1"/>
+            </a:effectRef>
+            <a:fontRef idx="minor">
+              <a:schemeClr val="tx1"/>
+            </a:fontRef>
+          </p:style>
+        </p:cxnSp>
+        <p:cxnSp>
+          <p:nvCxnSpPr>
+            <p:cNvPr id="18" name="Straight Connector 17"/>
+            <p:cNvCxnSpPr/>
             <p:nvPr/>
-          </p:nvSpPr>
+          </p:nvCxnSpPr>
           <p:spPr>
             <a:xfrm>
-              <a:off x="9793429" y="4568765"/>
-              <a:ext cx="864723" cy="864722"/>
+              <a:off x="6885637" y="1386268"/>
+              <a:ext cx="0" cy="640080"/>
             </a:xfrm>
-            <a:prstGeom prst="ellipse">
+            <a:prstGeom prst="line">
               <a:avLst/>
             </a:prstGeom>
-            <a:noFill/>
-            <a:ln w="25400" cap="flat" cmpd="sng" algn="ctr">
+            <a:solidFill>
+              <a:schemeClr val="tx1">
+                <a:lumMod val="85000"/>
+                <a:lumOff val="15000"/>
+              </a:schemeClr>
+            </a:solidFill>
+            <a:ln>
               <a:solidFill>
-                <a:sysClr val="window" lastClr="FFFFFF"/>
+                <a:schemeClr val="tx1"/>
               </a:solidFill>
-              <a:prstDash val="solid"/>
+              <a:miter lim="800000"/>
             </a:ln>
-            <a:effectLst/>
           </p:spPr>
-        </p:sp>
+          <p:style>
+            <a:lnRef idx="1">
+              <a:schemeClr val="accent1"/>
+            </a:lnRef>
+            <a:fillRef idx="0">
+              <a:schemeClr val="accent1"/>
+            </a:fillRef>
+            <a:effectRef idx="0">
+              <a:schemeClr val="accent1"/>
+            </a:effectRef>
+            <a:fontRef idx="minor">
+              <a:schemeClr val="tx1"/>
+            </a:fontRef>
+          </p:style>
+        </p:cxnSp>
+        <p:cxnSp>
+          <p:nvCxnSpPr>
+            <p:cNvPr id="19" name="Straight Connector 18"/>
+            <p:cNvCxnSpPr/>
+            <p:nvPr/>
+          </p:nvCxnSpPr>
+          <p:spPr>
+            <a:xfrm>
+              <a:off x="5318306" y="2031563"/>
+              <a:ext cx="1567331" cy="0"/>
+            </a:xfrm>
+            <a:prstGeom prst="line">
+              <a:avLst/>
+            </a:prstGeom>
+            <a:solidFill>
+              <a:schemeClr val="tx1">
+                <a:lumMod val="85000"/>
+                <a:lumOff val="15000"/>
+              </a:schemeClr>
+            </a:solidFill>
+            <a:ln>
+              <a:solidFill>
+                <a:schemeClr val="tx1"/>
+              </a:solidFill>
+              <a:miter lim="800000"/>
+            </a:ln>
+          </p:spPr>
+          <p:style>
+            <a:lnRef idx="1">
+              <a:schemeClr val="accent1"/>
+            </a:lnRef>
+            <a:fillRef idx="0">
+              <a:schemeClr val="accent1"/>
+            </a:fillRef>
+            <a:effectRef idx="0">
+              <a:schemeClr val="accent1"/>
+            </a:effectRef>
+            <a:fontRef idx="minor">
+              <a:schemeClr val="tx1"/>
+            </a:fontRef>
+          </p:style>
+        </p:cxnSp>
       </p:grpSp>
       <p:sp>
         <p:nvSpPr>
@@ -418,25 +454,30 @@
         </p:nvSpPr>
         <p:spPr>
           <a:xfrm>
-            <a:off x="1051560" y="1432223"/>
-            <a:ext cx="9966960" cy="3035808"/>
-          </a:xfrm>
-        </p:spPr>
-        <p:txBody>
-          <a:bodyPr anchor="ctr">
+            <a:off x="1561708" y="2091263"/>
+            <a:ext cx="9068586" cy="2590800"/>
+          </a:xfrm>
+        </p:spPr>
+        <p:txBody>
+          <a:bodyPr tIns="45720" bIns="45720" anchor="ctr">
             <a:noAutofit/>
           </a:bodyPr>
           <a:lstStyle>
-            <a:lvl1pPr algn="l">
+            <a:lvl1pPr algn="ctr">
               <a:lnSpc>
-                <a:spcPct val="80000"/>
+                <a:spcPct val="83000"/>
               </a:lnSpc>
-              <a:defRPr sz="9600" cap="all" baseline="0">
-                <a:blipFill dpi="0" rotWithShape="1">
-                  <a:blip r:embed="rId4"/>
-                  <a:srcRect/>
-                  <a:tile tx="6350" ty="-127000" sx="65000" sy="64000" flip="none" algn="tl"/>
-                </a:blipFill>
+              <a:defRPr lang="en-US" sz="7200" b="0" kern="1200" cap="all" spc="-100" baseline="0" dirty="0">
+                <a:solidFill>
+                  <a:schemeClr val="tx1">
+                    <a:lumMod val="85000"/>
+                    <a:lumOff val="15000"/>
+                  </a:schemeClr>
+                </a:solidFill>
+                <a:effectLst/>
+                <a:latin typeface="+mj-lt"/>
+                <a:ea typeface="+mn-ea"/>
+                <a:cs typeface="+mn-cs"/>
               </a:defRPr>
             </a:lvl1pPr>
           </a:lstStyle>
@@ -461,8 +502,8 @@
         </p:nvSpPr>
         <p:spPr>
           <a:xfrm>
-            <a:off x="1069848" y="4389120"/>
-            <a:ext cx="7891272" cy="1069848"/>
+            <a:off x="1562100" y="4682062"/>
+            <a:ext cx="9070848" cy="457201"/>
           </a:xfrm>
         </p:spPr>
         <p:txBody>
@@ -470,9 +511,12 @@
             <a:normAutofit/>
           </a:bodyPr>
           <a:lstStyle>
-            <a:lvl1pPr marL="0" indent="0" algn="l">
-              <a:buNone/>
-              <a:defRPr sz="2200">
+            <a:lvl1pPr marL="0" indent="0" algn="ctr">
+              <a:spcBef>
+                <a:spcPts val="0"/>
+              </a:spcBef>
+              <a:buNone/>
+              <a:defRPr sz="1600" spc="80" baseline="0">
                 <a:solidFill>
                   <a:schemeClr val="tx1"/>
                 </a:solidFill>
@@ -480,35 +524,35 @@
             </a:lvl1pPr>
             <a:lvl2pPr marL="457200" indent="0" algn="ctr">
               <a:buNone/>
-              <a:defRPr sz="2200"/>
+              <a:defRPr sz="1600"/>
             </a:lvl2pPr>
             <a:lvl3pPr marL="914400" indent="0" algn="ctr">
               <a:buNone/>
-              <a:defRPr sz="2200"/>
+              <a:defRPr sz="1600"/>
             </a:lvl3pPr>
             <a:lvl4pPr marL="1371600" indent="0" algn="ctr">
               <a:buNone/>
-              <a:defRPr sz="2000"/>
+              <a:defRPr sz="1600"/>
             </a:lvl4pPr>
             <a:lvl5pPr marL="1828800" indent="0" algn="ctr">
               <a:buNone/>
-              <a:defRPr sz="2000"/>
+              <a:defRPr sz="1600"/>
             </a:lvl5pPr>
             <a:lvl6pPr marL="2286000" indent="0" algn="ctr">
               <a:buNone/>
-              <a:defRPr sz="2000"/>
+              <a:defRPr sz="1600"/>
             </a:lvl6pPr>
             <a:lvl7pPr marL="2743200" indent="0" algn="ctr">
               <a:buNone/>
-              <a:defRPr sz="2000"/>
+              <a:defRPr sz="1600"/>
             </a:lvl7pPr>
             <a:lvl8pPr marL="3200400" indent="0" algn="ctr">
               <a:buNone/>
-              <a:defRPr sz="2000"/>
+              <a:defRPr sz="1600"/>
             </a:lvl8pPr>
             <a:lvl9pPr marL="3657600" indent="0" algn="ctr">
               <a:buNone/>
-              <a:defRPr sz="2000"/>
+              <a:defRPr sz="1600"/>
             </a:lvl9pPr>
           </a:lstStyle>
           <a:p>
@@ -522,7 +566,7 @@
       </p:sp>
       <p:sp>
         <p:nvSpPr>
-          <p:cNvPr id="4" name="Date Placeholder 3"/>
+          <p:cNvPr id="20" name="Date Placeholder 19"/>
           <p:cNvSpPr>
             <a:spLocks noGrp="1"/>
           </p:cNvSpPr>
@@ -530,14 +574,28 @@
             <p:ph type="dt" sz="half" idx="10"/>
           </p:nvPr>
         </p:nvSpPr>
-        <p:spPr/>
+        <p:spPr>
+          <a:xfrm>
+            <a:off x="5318760" y="1341255"/>
+            <a:ext cx="1554480" cy="527213"/>
+          </a:xfrm>
+        </p:spPr>
         <p:txBody>
           <a:bodyPr/>
-          <a:lstStyle/>
+          <a:lstStyle>
+            <a:lvl1pPr algn="ctr">
+              <a:defRPr sz="1300" spc="0" baseline="0">
+                <a:solidFill>
+                  <a:schemeClr val="tx1"/>
+                </a:solidFill>
+                <a:latin typeface="+mn-lt"/>
+              </a:defRPr>
+            </a:lvl1pPr>
+          </a:lstStyle>
           <a:p>
             <a:fld id="{253671CB-CD2B-418D-8A03-723FF33015E4}" type="datetimeFigureOut">
               <a:rPr lang="en-US" smtClean="0"/>
-              <a:t>3/4/2020</a:t>
+              <a:t>3/7/2020</a:t>
             </a:fld>
             <a:endParaRPr lang="en-US"/>
           </a:p>
@@ -545,7 +603,7 @@
       </p:sp>
       <p:sp>
         <p:nvSpPr>
-          <p:cNvPr id="5" name="Footer Placeholder 4"/>
+          <p:cNvPr id="21" name="Footer Placeholder 20"/>
           <p:cNvSpPr>
             <a:spLocks noGrp="1"/>
           </p:cNvSpPr>
@@ -553,10 +611,26 @@
             <p:ph type="ftr" sz="quarter" idx="11"/>
           </p:nvPr>
         </p:nvSpPr>
-        <p:spPr/>
+        <p:spPr>
+          <a:xfrm>
+            <a:off x="1453896" y="5211060"/>
+            <a:ext cx="5905500" cy="228600"/>
+          </a:xfrm>
+        </p:spPr>
         <p:txBody>
           <a:bodyPr/>
-          <a:lstStyle/>
+          <a:lstStyle>
+            <a:lvl1pPr algn="l">
+              <a:defRPr>
+                <a:solidFill>
+                  <a:schemeClr val="tx1">
+                    <a:lumMod val="75000"/>
+                    <a:lumOff val="25000"/>
+                  </a:schemeClr>
+                </a:solidFill>
+              </a:defRPr>
+            </a:lvl1pPr>
+          </a:lstStyle>
           <a:p>
             <a:endParaRPr lang="en-US"/>
           </a:p>
@@ -564,7 +638,7 @@
       </p:sp>
       <p:sp>
         <p:nvSpPr>
-          <p:cNvPr id="6" name="Slide Number Placeholder 5"/>
+          <p:cNvPr id="22" name="Slide Number Placeholder 21"/>
           <p:cNvSpPr>
             <a:spLocks noGrp="1"/>
           </p:cNvSpPr>
@@ -574,15 +648,22 @@
         </p:nvSpPr>
         <p:spPr>
           <a:xfrm>
-            <a:off x="9592733" y="4289334"/>
-            <a:ext cx="1193868" cy="640080"/>
+            <a:off x="8606919" y="5212080"/>
+            <a:ext cx="2111881" cy="228600"/>
           </a:xfrm>
         </p:spPr>
         <p:txBody>
           <a:bodyPr/>
           <a:lstStyle>
             <a:lvl1pPr>
-              <a:defRPr sz="2800"/>
+              <a:defRPr>
+                <a:solidFill>
+                  <a:schemeClr val="tx1">
+                    <a:lumMod val="75000"/>
+                    <a:lumOff val="25000"/>
+                  </a:schemeClr>
+                </a:solidFill>
+              </a:defRPr>
             </a:lvl1pPr>
           </a:lstStyle>
           <a:p>
@@ -597,12 +678,12 @@
     </p:spTree>
     <p:extLst>
       <p:ext uri="{BB962C8B-B14F-4D97-AF65-F5344CB8AC3E}">
-        <p14:creationId xmlns:p14="http://schemas.microsoft.com/office/powerpoint/2010/main" val="2855731715"/>
+        <p14:creationId xmlns:p14="http://schemas.microsoft.com/office/powerpoint/2010/main" val="1888102392"/>
       </p:ext>
     </p:extLst>
   </p:cSld>
   <p:clrMapOvr>
-    <a:masterClrMapping/>
+    <a:overrideClrMapping bg1="lt1" tx1="dk1" bg2="lt2" tx2="dk2" accent1="accent1" accent2="accent2" accent3="accent3" accent4="accent4" accent5="accent5" accent6="accent6" hlink="hlink" folHlink="folHlink"/>
   </p:clrMapOvr>
   <p:extLst>
     <p:ext uri="{DCECCB84-F9BA-43D5-87BE-67443E8EF086}">
@@ -721,7 +802,7 @@
           <a:p>
             <a:fld id="{253671CB-CD2B-418D-8A03-723FF33015E4}" type="datetimeFigureOut">
               <a:rPr lang="en-US" smtClean="0"/>
-              <a:t>3/4/2020</a:t>
+              <a:t>3/7/2020</a:t>
             </a:fld>
             <a:endParaRPr lang="en-US"/>
           </a:p>
@@ -772,7 +853,7 @@
     </p:spTree>
     <p:extLst>
       <p:ext uri="{BB962C8B-B14F-4D97-AF65-F5344CB8AC3E}">
-        <p14:creationId xmlns:p14="http://schemas.microsoft.com/office/powerpoint/2010/main" val="726099754"/>
+        <p14:creationId xmlns:p14="http://schemas.microsoft.com/office/powerpoint/2010/main" val="2351572354"/>
       </p:ext>
     </p:extLst>
   </p:cSld>
@@ -811,8 +892,8 @@
         </p:nvSpPr>
         <p:spPr>
           <a:xfrm>
-            <a:off x="8724900" y="533400"/>
-            <a:ext cx="2552700" cy="5638800"/>
+            <a:off x="8991600" y="762000"/>
+            <a:ext cx="2362200" cy="5257800"/>
           </a:xfrm>
         </p:spPr>
         <p:txBody>
@@ -839,8 +920,8 @@
         </p:nvSpPr>
         <p:spPr>
           <a:xfrm>
-            <a:off x="1066800" y="533400"/>
-            <a:ext cx="7505700" cy="5638800"/>
+            <a:off x="838200" y="762000"/>
+            <a:ext cx="8077200" cy="5257800"/>
           </a:xfrm>
         </p:spPr>
         <p:txBody>
@@ -901,7 +982,7 @@
           <a:p>
             <a:fld id="{253671CB-CD2B-418D-8A03-723FF33015E4}" type="datetimeFigureOut">
               <a:rPr lang="en-US" smtClean="0"/>
-              <a:t>3/4/2020</a:t>
+              <a:t>3/7/2020</a:t>
             </a:fld>
             <a:endParaRPr lang="en-US"/>
           </a:p>
@@ -952,7 +1033,7 @@
     </p:spTree>
     <p:extLst>
       <p:ext uri="{BB962C8B-B14F-4D97-AF65-F5344CB8AC3E}">
-        <p14:creationId xmlns:p14="http://schemas.microsoft.com/office/powerpoint/2010/main" val="2299512961"/>
+        <p14:creationId xmlns:p14="http://schemas.microsoft.com/office/powerpoint/2010/main" val="2524885785"/>
       </p:ext>
     </p:extLst>
   </p:cSld>
@@ -1061,7 +1142,7 @@
       </p:sp>
       <p:sp>
         <p:nvSpPr>
-          <p:cNvPr id="4" name="Date Placeholder 3"/>
+          <p:cNvPr id="7" name="Date Placeholder 6"/>
           <p:cNvSpPr>
             <a:spLocks noGrp="1"/>
           </p:cNvSpPr>
@@ -1076,7 +1157,7 @@
           <a:p>
             <a:fld id="{253671CB-CD2B-418D-8A03-723FF33015E4}" type="datetimeFigureOut">
               <a:rPr lang="en-US" smtClean="0"/>
-              <a:t>3/4/2020</a:t>
+              <a:t>3/7/2020</a:t>
             </a:fld>
             <a:endParaRPr lang="en-US"/>
           </a:p>
@@ -1084,7 +1165,7 @@
       </p:sp>
       <p:sp>
         <p:nvSpPr>
-          <p:cNvPr id="5" name="Footer Placeholder 4"/>
+          <p:cNvPr id="8" name="Footer Placeholder 7"/>
           <p:cNvSpPr>
             <a:spLocks noGrp="1"/>
           </p:cNvSpPr>
@@ -1103,7 +1184,7 @@
       </p:sp>
       <p:sp>
         <p:nvSpPr>
-          <p:cNvPr id="6" name="Slide Number Placeholder 5"/>
+          <p:cNvPr id="9" name="Slide Number Placeholder 8"/>
           <p:cNvSpPr>
             <a:spLocks noGrp="1"/>
           </p:cNvSpPr>
@@ -1127,7 +1208,7 @@
     </p:spTree>
     <p:extLst>
       <p:ext uri="{BB962C8B-B14F-4D97-AF65-F5344CB8AC3E}">
-        <p14:creationId xmlns:p14="http://schemas.microsoft.com/office/powerpoint/2010/main" val="30248653"/>
+        <p14:creationId xmlns:p14="http://schemas.microsoft.com/office/powerpoint/2010/main" val="253165219"/>
       </p:ext>
     </p:extLst>
   </p:cSld>
@@ -1140,6 +1221,11 @@
 <file path=ppt/slideLayouts/slideLayout3.xml><?xml version="1.0" encoding="utf-8"?>
 <p:sldLayout xmlns:a="http://schemas.openxmlformats.org/drawingml/2006/main" xmlns:r="http://schemas.openxmlformats.org/officeDocument/2006/relationships" xmlns:p="http://schemas.openxmlformats.org/presentationml/2006/main" showMasterSp="0" type="secHead" preserve="1">
   <p:cSld name="Section Header">
+    <p:bg>
+      <p:bgRef idx="1002">
+        <a:schemeClr val="bg2"/>
+      </p:bgRef>
+    </p:bg>
     <p:spTree>
       <p:nvGrpSpPr>
         <p:cNvPr id="1" name=""/>
@@ -1156,39 +1242,31 @@
       </p:grpSpPr>
       <p:sp>
         <p:nvSpPr>
-          <p:cNvPr id="7" name="Rectangle 6"/>
+          <p:cNvPr id="22" name="Rectangle 21"/>
           <p:cNvSpPr/>
           <p:nvPr/>
         </p:nvSpPr>
         <p:spPr>
           <a:xfrm>
-            <a:off x="0" y="4917989"/>
-            <a:ext cx="12192000" cy="1940010"/>
+            <a:off x="0" y="0"/>
+            <a:ext cx="12192000" cy="6858000"/>
           </a:xfrm>
           <a:prstGeom prst="rect">
             <a:avLst/>
           </a:prstGeom>
           <a:blipFill dpi="0" rotWithShape="1">
             <a:blip r:embed="rId2">
-              <a:alphaModFix amt="85000"/>
-              <a:lum bright="70000" contrast="-70000"/>
-              <a:extLst>
-                <a:ext uri="{BEBA8EAE-BF5A-486C-A8C5-ECC9F3942E4B}">
-                  <a14:imgProps xmlns:a14="http://schemas.microsoft.com/office/drawing/2010/main">
-                    <a14:imgLayer r:embed="rId3">
-                      <a14:imgEffect>
-                        <a14:sharpenSoften amount="61000"/>
-                      </a14:imgEffect>
-                    </a14:imgLayer>
-                  </a14:imgProps>
-                </a:ext>
-                <a:ext uri="{28A0092B-C50C-407E-A947-70E740481C1C}">
-                  <a14:useLocalDpi xmlns:a14="http://schemas.microsoft.com/office/drawing/2010/main" val="0"/>
-                </a:ext>
-              </a:extLst>
+              <a:alphaModFix amt="45000"/>
+              <a:duotone>
+                <a:schemeClr val="accent2">
+                  <a:shade val="45000"/>
+                  <a:satMod val="135000"/>
+                </a:schemeClr>
+                <a:prstClr val="white"/>
+              </a:duotone>
             </a:blip>
             <a:srcRect/>
-            <a:tile tx="0" ty="-704850" sx="92000" sy="89000" flip="xy" algn="ctr"/>
+            <a:tile tx="-44450" ty="38100" sx="85000" sy="85000" flip="none" algn="tl"/>
           </a:blipFill>
           <a:ln>
             <a:noFill/>
@@ -1213,6 +1291,244 @@
       </p:sp>
       <p:sp>
         <p:nvSpPr>
+          <p:cNvPr id="23" name="Rectangle 22"/>
+          <p:cNvSpPr/>
+          <p:nvPr/>
+        </p:nvSpPr>
+        <p:spPr>
+          <a:xfrm>
+            <a:off x="1307870" y="1267730"/>
+            <a:ext cx="9576262" cy="4307950"/>
+          </a:xfrm>
+          <a:prstGeom prst="rect">
+            <a:avLst/>
+          </a:prstGeom>
+          <a:solidFill>
+            <a:schemeClr val="bg1"/>
+          </a:solidFill>
+          <a:ln w="6350" cap="flat" cmpd="sng" algn="ctr">
+            <a:noFill/>
+            <a:prstDash val="solid"/>
+          </a:ln>
+          <a:effectLst>
+            <a:outerShdw blurRad="50800" algn="ctr" rotWithShape="0">
+              <a:prstClr val="black">
+                <a:alpha val="66000"/>
+              </a:prstClr>
+            </a:outerShdw>
+            <a:softEdge rad="0"/>
+          </a:effectLst>
+        </p:spPr>
+      </p:sp>
+      <p:sp>
+        <p:nvSpPr>
+          <p:cNvPr id="24" name="Rectangle 23"/>
+          <p:cNvSpPr/>
+          <p:nvPr/>
+        </p:nvSpPr>
+        <p:spPr>
+          <a:xfrm>
+            <a:off x="1447800" y="1411615"/>
+            <a:ext cx="9296400" cy="4034770"/>
+          </a:xfrm>
+          <a:prstGeom prst="rect">
+            <a:avLst/>
+          </a:prstGeom>
+          <a:noFill/>
+          <a:ln w="6350" cap="sq" cmpd="sng" algn="ctr">
+            <a:solidFill>
+              <a:schemeClr val="tx1">
+                <a:lumMod val="75000"/>
+                <a:lumOff val="25000"/>
+              </a:schemeClr>
+            </a:solidFill>
+            <a:prstDash val="solid"/>
+            <a:miter lim="800000"/>
+          </a:ln>
+          <a:effectLst/>
+        </p:spPr>
+      </p:sp>
+      <p:sp>
+        <p:nvSpPr>
+          <p:cNvPr id="30" name="Rectangle 29"/>
+          <p:cNvSpPr/>
+          <p:nvPr/>
+        </p:nvSpPr>
+        <p:spPr>
+          <a:xfrm>
+            <a:off x="5135880" y="1267730"/>
+            <a:ext cx="1920240" cy="731520"/>
+          </a:xfrm>
+          <a:prstGeom prst="rect">
+            <a:avLst/>
+          </a:prstGeom>
+          <a:solidFill>
+            <a:schemeClr val="bg2"/>
+          </a:solidFill>
+          <a:ln>
+            <a:noFill/>
+          </a:ln>
+        </p:spPr>
+        <p:style>
+          <a:lnRef idx="2">
+            <a:schemeClr val="accent1">
+              <a:shade val="50000"/>
+            </a:schemeClr>
+          </a:lnRef>
+          <a:fillRef idx="1">
+            <a:schemeClr val="accent1"/>
+          </a:fillRef>
+          <a:effectRef idx="0">
+            <a:schemeClr val="accent1"/>
+          </a:effectRef>
+          <a:fontRef idx="minor">
+            <a:schemeClr val="lt1"/>
+          </a:fontRef>
+        </p:style>
+      </p:sp>
+      <p:grpSp>
+        <p:nvGrpSpPr>
+          <p:cNvPr id="31" name="Group 30"/>
+          <p:cNvGrpSpPr/>
+          <p:nvPr/>
+        </p:nvGrpSpPr>
+        <p:grpSpPr>
+          <a:xfrm>
+            <a:off x="5250180" y="1267730"/>
+            <a:ext cx="1691640" cy="645295"/>
+            <a:chOff x="5318306" y="1386268"/>
+            <a:chExt cx="1567331" cy="645295"/>
+          </a:xfrm>
+        </p:grpSpPr>
+        <p:cxnSp>
+          <p:nvCxnSpPr>
+            <p:cNvPr id="32" name="Straight Connector 31"/>
+            <p:cNvCxnSpPr/>
+            <p:nvPr/>
+          </p:nvCxnSpPr>
+          <p:spPr>
+            <a:xfrm>
+              <a:off x="5318306" y="1386268"/>
+              <a:ext cx="0" cy="640080"/>
+            </a:xfrm>
+            <a:prstGeom prst="line">
+              <a:avLst/>
+            </a:prstGeom>
+            <a:solidFill>
+              <a:schemeClr val="tx1">
+                <a:lumMod val="85000"/>
+                <a:lumOff val="15000"/>
+              </a:schemeClr>
+            </a:solidFill>
+            <a:ln>
+              <a:solidFill>
+                <a:schemeClr val="tx1"/>
+              </a:solidFill>
+              <a:miter lim="800000"/>
+            </a:ln>
+          </p:spPr>
+          <p:style>
+            <a:lnRef idx="1">
+              <a:schemeClr val="accent1"/>
+            </a:lnRef>
+            <a:fillRef idx="0">
+              <a:schemeClr val="accent1"/>
+            </a:fillRef>
+            <a:effectRef idx="0">
+              <a:schemeClr val="accent1"/>
+            </a:effectRef>
+            <a:fontRef idx="minor">
+              <a:schemeClr val="tx1"/>
+            </a:fontRef>
+          </p:style>
+        </p:cxnSp>
+        <p:cxnSp>
+          <p:nvCxnSpPr>
+            <p:cNvPr id="33" name="Straight Connector 32"/>
+            <p:cNvCxnSpPr/>
+            <p:nvPr/>
+          </p:nvCxnSpPr>
+          <p:spPr>
+            <a:xfrm>
+              <a:off x="6885637" y="1386268"/>
+              <a:ext cx="0" cy="640080"/>
+            </a:xfrm>
+            <a:prstGeom prst="line">
+              <a:avLst/>
+            </a:prstGeom>
+            <a:solidFill>
+              <a:schemeClr val="tx1">
+                <a:lumMod val="85000"/>
+                <a:lumOff val="15000"/>
+              </a:schemeClr>
+            </a:solidFill>
+            <a:ln>
+              <a:solidFill>
+                <a:schemeClr val="tx1"/>
+              </a:solidFill>
+              <a:miter lim="800000"/>
+            </a:ln>
+          </p:spPr>
+          <p:style>
+            <a:lnRef idx="1">
+              <a:schemeClr val="accent1"/>
+            </a:lnRef>
+            <a:fillRef idx="0">
+              <a:schemeClr val="accent1"/>
+            </a:fillRef>
+            <a:effectRef idx="0">
+              <a:schemeClr val="accent1"/>
+            </a:effectRef>
+            <a:fontRef idx="minor">
+              <a:schemeClr val="tx1"/>
+            </a:fontRef>
+          </p:style>
+        </p:cxnSp>
+        <p:cxnSp>
+          <p:nvCxnSpPr>
+            <p:cNvPr id="34" name="Straight Connector 33"/>
+            <p:cNvCxnSpPr/>
+            <p:nvPr/>
+          </p:nvCxnSpPr>
+          <p:spPr>
+            <a:xfrm>
+              <a:off x="5318306" y="2031563"/>
+              <a:ext cx="1567331" cy="0"/>
+            </a:xfrm>
+            <a:prstGeom prst="line">
+              <a:avLst/>
+            </a:prstGeom>
+            <a:solidFill>
+              <a:schemeClr val="tx1">
+                <a:lumMod val="85000"/>
+                <a:lumOff val="15000"/>
+              </a:schemeClr>
+            </a:solidFill>
+            <a:ln>
+              <a:solidFill>
+                <a:schemeClr val="tx1"/>
+              </a:solidFill>
+              <a:miter lim="800000"/>
+            </a:ln>
+          </p:spPr>
+          <p:style>
+            <a:lnRef idx="1">
+              <a:schemeClr val="accent1"/>
+            </a:lnRef>
+            <a:fillRef idx="0">
+              <a:schemeClr val="accent1"/>
+            </a:fillRef>
+            <a:effectRef idx="0">
+              <a:schemeClr val="accent1"/>
+            </a:effectRef>
+            <a:fontRef idx="minor">
+              <a:schemeClr val="tx1"/>
+            </a:fontRef>
+          </p:style>
+        </p:cxnSp>
+      </p:grpSp>
+      <p:sp>
+        <p:nvSpPr>
           <p:cNvPr id="2" name="Title 1"/>
           <p:cNvSpPr>
             <a:spLocks noGrp="1"/>
@@ -1223,20 +1539,31 @@
         </p:nvSpPr>
         <p:spPr>
           <a:xfrm>
-            <a:off x="2167128" y="1225296"/>
-            <a:ext cx="9281160" cy="3520440"/>
+            <a:off x="1563623" y="2094309"/>
+            <a:ext cx="9070848" cy="2587752"/>
           </a:xfrm>
         </p:spPr>
         <p:txBody>
           <a:bodyPr anchor="ctr">
-            <a:normAutofit/>
+            <a:noAutofit/>
           </a:bodyPr>
           <a:lstStyle>
-            <a:lvl1pPr>
+            <a:lvl1pPr algn="ctr">
               <a:lnSpc>
-                <a:spcPct val="80000"/>
+                <a:spcPct val="83000"/>
               </a:lnSpc>
-              <a:defRPr sz="8000" b="0"/>
+              <a:defRPr lang="en-US" sz="7200" kern="1200" cap="all" spc="-100" baseline="0" dirty="0">
+                <a:solidFill>
+                  <a:schemeClr val="tx1">
+                    <a:lumMod val="85000"/>
+                    <a:lumOff val="15000"/>
+                  </a:schemeClr>
+                </a:solidFill>
+                <a:effectLst/>
+                <a:latin typeface="+mj-lt"/>
+                <a:ea typeface="+mn-ea"/>
+                <a:cs typeface="+mn-cs"/>
+              </a:defRPr>
             </a:lvl1pPr>
           </a:lstStyle>
           <a:p>
@@ -1260,8 +1587,8 @@
         </p:nvSpPr>
         <p:spPr>
           <a:xfrm>
-            <a:off x="2165774" y="5020056"/>
-            <a:ext cx="9052560" cy="1066800"/>
+            <a:off x="1563624" y="4682062"/>
+            <a:ext cx="9070848" cy="457200"/>
           </a:xfrm>
         </p:spPr>
         <p:txBody>
@@ -1269,17 +1596,18 @@
             <a:normAutofit/>
           </a:bodyPr>
           <a:lstStyle>
-            <a:lvl1pPr marL="0" indent="0">
-              <a:buNone/>
-              <a:defRPr sz="2000">
+            <a:lvl1pPr marL="0" indent="0" algn="ctr">
+              <a:buNone/>
+              <a:defRPr sz="1600">
                 <a:solidFill>
                   <a:schemeClr val="tx1"/>
                 </a:solidFill>
+                <a:effectLst/>
               </a:defRPr>
             </a:lvl1pPr>
             <a:lvl2pPr marL="457200" indent="0">
               <a:buNone/>
-              <a:defRPr sz="1800">
+              <a:defRPr sz="1600">
                 <a:solidFill>
                   <a:schemeClr val="tx1">
                     <a:tint val="75000"/>
@@ -1379,153 +1707,80 @@
         </p:nvSpPr>
         <p:spPr>
           <a:xfrm>
-            <a:off x="8593667" y="6272784"/>
-            <a:ext cx="2644309" cy="365125"/>
+            <a:off x="5321808" y="1344502"/>
+            <a:ext cx="1554480" cy="530352"/>
+          </a:xfrm>
+        </p:spPr>
+        <p:txBody>
+          <a:bodyPr/>
+          <a:lstStyle>
+            <a:lvl1pPr algn="ctr">
+              <a:defRPr lang="en-US" sz="1300" kern="1200" spc="0" baseline="0">
+                <a:solidFill>
+                  <a:schemeClr val="tx1"/>
+                </a:solidFill>
+                <a:latin typeface="+mn-lt"/>
+                <a:ea typeface="+mn-ea"/>
+                <a:cs typeface="+mn-cs"/>
+              </a:defRPr>
+            </a:lvl1pPr>
+          </a:lstStyle>
+          <a:p>
+            <a:fld id="{253671CB-CD2B-418D-8A03-723FF33015E4}" type="datetimeFigureOut">
+              <a:rPr lang="en-US" smtClean="0"/>
+              <a:t>3/7/2020</a:t>
+            </a:fld>
+            <a:endParaRPr lang="en-US"/>
+          </a:p>
+        </p:txBody>
+      </p:sp>
+      <p:sp>
+        <p:nvSpPr>
+          <p:cNvPr id="5" name="Footer Placeholder 4"/>
+          <p:cNvSpPr>
+            <a:spLocks noGrp="1"/>
+          </p:cNvSpPr>
+          <p:nvPr>
+            <p:ph type="ftr" sz="quarter" idx="11"/>
+          </p:nvPr>
+        </p:nvSpPr>
+        <p:spPr>
+          <a:xfrm>
+            <a:off x="1453553" y="5211060"/>
+            <a:ext cx="5907024" cy="228600"/>
+          </a:xfrm>
+        </p:spPr>
+        <p:txBody>
+          <a:bodyPr/>
+          <a:lstStyle>
+            <a:lvl1pPr algn="l">
+              <a:defRPr/>
+            </a:lvl1pPr>
+          </a:lstStyle>
+          <a:p>
+            <a:endParaRPr lang="en-US"/>
+          </a:p>
+        </p:txBody>
+      </p:sp>
+      <p:sp>
+        <p:nvSpPr>
+          <p:cNvPr id="6" name="Slide Number Placeholder 5"/>
+          <p:cNvSpPr>
+            <a:spLocks noGrp="1"/>
+          </p:cNvSpPr>
+          <p:nvPr>
+            <p:ph type="sldNum" sz="quarter" idx="12"/>
+          </p:nvPr>
+        </p:nvSpPr>
+        <p:spPr>
+          <a:xfrm>
+            <a:off x="8604504" y="5211060"/>
+            <a:ext cx="2112264" cy="228600"/>
           </a:xfrm>
         </p:spPr>
         <p:txBody>
           <a:bodyPr/>
           <a:lstStyle/>
-          <a:p>
-            <a:fld id="{253671CB-CD2B-418D-8A03-723FF33015E4}" type="datetimeFigureOut">
-              <a:rPr lang="en-US" smtClean="0"/>
-              <a:t>3/4/2020</a:t>
-            </a:fld>
-            <a:endParaRPr lang="en-US"/>
-          </a:p>
-        </p:txBody>
-      </p:sp>
-      <p:sp>
-        <p:nvSpPr>
-          <p:cNvPr id="5" name="Footer Placeholder 4"/>
-          <p:cNvSpPr>
-            <a:spLocks noGrp="1"/>
-          </p:cNvSpPr>
-          <p:nvPr>
-            <p:ph type="ftr" sz="quarter" idx="11"/>
-          </p:nvPr>
-        </p:nvSpPr>
-        <p:spPr>
-          <a:xfrm>
-            <a:off x="2182708" y="6272784"/>
-            <a:ext cx="6327648" cy="365125"/>
-          </a:xfrm>
-        </p:spPr>
-        <p:txBody>
-          <a:bodyPr/>
-          <a:lstStyle/>
-          <a:p>
-            <a:endParaRPr lang="en-US"/>
-          </a:p>
-        </p:txBody>
-      </p:sp>
-      <p:grpSp>
-        <p:nvGrpSpPr>
-          <p:cNvPr id="8" name="Group 7"/>
-          <p:cNvGrpSpPr/>
-          <p:nvPr/>
-        </p:nvGrpSpPr>
-        <p:grpSpPr>
-          <a:xfrm>
-            <a:off x="897399" y="2325848"/>
-            <a:ext cx="1080904" cy="1080902"/>
-            <a:chOff x="9685338" y="4460675"/>
-            <a:chExt cx="1080904" cy="1080902"/>
-          </a:xfrm>
-        </p:grpSpPr>
-        <p:sp>
-          <p:nvSpPr>
-            <p:cNvPr id="9" name="Oval 8"/>
-            <p:cNvSpPr/>
-            <p:nvPr/>
-          </p:nvSpPr>
-          <p:spPr>
-            <a:xfrm>
-              <a:off x="9685338" y="4460675"/>
-              <a:ext cx="1080904" cy="1080902"/>
-            </a:xfrm>
-            <a:prstGeom prst="ellipse">
-              <a:avLst/>
-            </a:prstGeom>
-            <a:blipFill dpi="0" rotWithShape="1">
-              <a:blip r:embed="rId4">
-                <a:duotone>
-                  <a:schemeClr val="accent1">
-                    <a:shade val="45000"/>
-                    <a:satMod val="135000"/>
-                  </a:schemeClr>
-                  <a:prstClr val="white"/>
-                </a:duotone>
-                <a:extLst>
-                  <a:ext uri="{BEBA8EAE-BF5A-486C-A8C5-ECC9F3942E4B}">
-                    <a14:imgProps xmlns:a14="http://schemas.microsoft.com/office/drawing/2010/main">
-                      <a14:imgLayer r:embed="rId5">
-                        <a14:imgEffect>
-                          <a14:saturation sat="95000"/>
-                        </a14:imgEffect>
-                      </a14:imgLayer>
-                    </a14:imgProps>
-                  </a:ext>
-                </a:extLst>
-              </a:blip>
-              <a:srcRect/>
-              <a:tile tx="0" ty="0" sx="85000" sy="85000" flip="none" algn="tl"/>
-            </a:blipFill>
-            <a:ln w="25400" cap="flat" cmpd="sng" algn="ctr">
-              <a:noFill/>
-              <a:prstDash val="solid"/>
-            </a:ln>
-            <a:effectLst/>
-          </p:spPr>
-        </p:sp>
-        <p:sp>
-          <p:nvSpPr>
-            <p:cNvPr id="10" name="Oval 9"/>
-            <p:cNvSpPr/>
-            <p:nvPr/>
-          </p:nvSpPr>
-          <p:spPr>
-            <a:xfrm>
-              <a:off x="9793429" y="4568765"/>
-              <a:ext cx="864723" cy="864722"/>
-            </a:xfrm>
-            <a:prstGeom prst="ellipse">
-              <a:avLst/>
-            </a:prstGeom>
-            <a:noFill/>
-            <a:ln w="25400" cap="flat" cmpd="sng" algn="ctr">
-              <a:solidFill>
-                <a:sysClr val="window" lastClr="FFFFFF"/>
-              </a:solidFill>
-              <a:prstDash val="solid"/>
-            </a:ln>
-            <a:effectLst/>
-          </p:spPr>
-        </p:sp>
-      </p:grpSp>
-      <p:sp>
-        <p:nvSpPr>
-          <p:cNvPr id="6" name="Slide Number Placeholder 5"/>
-          <p:cNvSpPr>
-            <a:spLocks noGrp="1"/>
-          </p:cNvSpPr>
-          <p:nvPr>
-            <p:ph type="sldNum" sz="quarter" idx="12"/>
-          </p:nvPr>
-        </p:nvSpPr>
-        <p:spPr>
-          <a:xfrm>
-            <a:off x="843702" y="2506133"/>
-            <a:ext cx="1188298" cy="720332"/>
-          </a:xfrm>
-        </p:spPr>
-        <p:txBody>
-          <a:bodyPr/>
-          <a:lstStyle>
-            <a:lvl1pPr>
-              <a:defRPr sz="2800"/>
-            </a:lvl1pPr>
-          </a:lstStyle>
           <a:p>
             <a:fld id="{64AB448C-341B-4459-AB0D-A81D864CCE24}" type="slidenum">
               <a:rPr lang="en-US" smtClean="0"/>
@@ -1538,12 +1793,12 @@
     </p:spTree>
     <p:extLst>
       <p:ext uri="{BB962C8B-B14F-4D97-AF65-F5344CB8AC3E}">
-        <p14:creationId xmlns:p14="http://schemas.microsoft.com/office/powerpoint/2010/main" val="2870282158"/>
+        <p14:creationId xmlns:p14="http://schemas.microsoft.com/office/powerpoint/2010/main" val="159824202"/>
       </p:ext>
     </p:extLst>
   </p:cSld>
   <p:clrMapOvr>
-    <a:masterClrMapping/>
+    <a:overrideClrMapping bg1="lt1" tx1="dk1" bg2="lt2" tx2="dk2" accent1="accent1" accent2="accent2" accent3="accent3" accent4="accent4" accent5="accent5" accent6="accent6" hlink="hlink" folHlink="folHlink"/>
   </p:clrMapOvr>
   <p:extLst>
     <p:ext uri="{DCECCB84-F9BA-43D5-87BE-67443E8EF086}">
@@ -1572,7 +1827,7 @@
       </p:grpSpPr>
       <p:sp>
         <p:nvSpPr>
-          <p:cNvPr id="2" name="Title 1"/>
+          <p:cNvPr id="8" name="Title 7"/>
           <p:cNvSpPr>
             <a:spLocks noGrp="1"/>
           </p:cNvSpPr>
@@ -1605,39 +1860,39 @@
         </p:nvSpPr>
         <p:spPr>
           <a:xfrm>
-            <a:off x="1069848" y="2194560"/>
-            <a:ext cx="4754880" cy="3977640"/>
+            <a:off x="1066800" y="2103120"/>
+            <a:ext cx="4754880" cy="3749040"/>
           </a:xfrm>
         </p:spPr>
         <p:txBody>
           <a:bodyPr/>
           <a:lstStyle>
             <a:lvl1pPr>
-              <a:defRPr sz="2000"/>
+              <a:defRPr sz="1800"/>
             </a:lvl1pPr>
             <a:lvl2pPr>
-              <a:defRPr sz="1800"/>
+              <a:defRPr sz="1600"/>
             </a:lvl2pPr>
             <a:lvl3pPr>
-              <a:defRPr sz="1600"/>
+              <a:defRPr sz="1400"/>
             </a:lvl3pPr>
             <a:lvl4pPr>
-              <a:defRPr sz="1600"/>
+              <a:defRPr sz="1400"/>
             </a:lvl4pPr>
             <a:lvl5pPr>
-              <a:defRPr sz="1600"/>
+              <a:defRPr sz="1400"/>
             </a:lvl5pPr>
             <a:lvl6pPr>
-              <a:defRPr sz="1600"/>
+              <a:defRPr sz="1400"/>
             </a:lvl6pPr>
             <a:lvl7pPr>
-              <a:defRPr sz="1600"/>
+              <a:defRPr sz="1400"/>
             </a:lvl7pPr>
             <a:lvl8pPr>
-              <a:defRPr sz="1600"/>
+              <a:defRPr sz="1400"/>
             </a:lvl8pPr>
             <a:lvl9pPr>
-              <a:defRPr sz="1600"/>
+              <a:defRPr sz="1400"/>
             </a:lvl9pPr>
           </a:lstStyle>
           <a:p>
@@ -1690,39 +1945,39 @@
         </p:nvSpPr>
         <p:spPr>
           <a:xfrm>
-            <a:off x="6364224" y="2194560"/>
-            <a:ext cx="4754880" cy="3977640"/>
+            <a:off x="6370320" y="2103120"/>
+            <a:ext cx="4754880" cy="3749040"/>
           </a:xfrm>
         </p:spPr>
         <p:txBody>
           <a:bodyPr/>
           <a:lstStyle>
             <a:lvl1pPr>
-              <a:defRPr sz="2000"/>
+              <a:defRPr sz="1800"/>
             </a:lvl1pPr>
             <a:lvl2pPr>
-              <a:defRPr sz="1800"/>
+              <a:defRPr sz="1600"/>
             </a:lvl2pPr>
             <a:lvl3pPr>
-              <a:defRPr sz="1600"/>
+              <a:defRPr sz="1400"/>
             </a:lvl3pPr>
             <a:lvl4pPr>
-              <a:defRPr sz="1600"/>
+              <a:defRPr sz="1400"/>
             </a:lvl4pPr>
             <a:lvl5pPr>
-              <a:defRPr sz="1600"/>
+              <a:defRPr sz="1400"/>
             </a:lvl5pPr>
             <a:lvl6pPr>
-              <a:defRPr sz="1600"/>
+              <a:defRPr sz="1400"/>
             </a:lvl6pPr>
             <a:lvl7pPr>
-              <a:defRPr sz="1600"/>
+              <a:defRPr sz="1400"/>
             </a:lvl7pPr>
             <a:lvl8pPr>
-              <a:defRPr sz="1600"/>
+              <a:defRPr sz="1400"/>
             </a:lvl8pPr>
             <a:lvl9pPr>
-              <a:defRPr sz="1600"/>
+              <a:defRPr sz="1400"/>
             </a:lvl9pPr>
           </a:lstStyle>
           <a:p>
@@ -1780,7 +2035,7 @@
           <a:p>
             <a:fld id="{253671CB-CD2B-418D-8A03-723FF33015E4}" type="datetimeFigureOut">
               <a:rPr lang="en-US" smtClean="0"/>
-              <a:t>3/4/2020</a:t>
+              <a:t>3/7/2020</a:t>
             </a:fld>
             <a:endParaRPr lang="en-US"/>
           </a:p>
@@ -1831,7 +2086,7 @@
     </p:spTree>
     <p:extLst>
       <p:ext uri="{BB962C8B-B14F-4D97-AF65-F5344CB8AC3E}">
-        <p14:creationId xmlns:p14="http://schemas.microsoft.com/office/powerpoint/2010/main" val="1139892395"/>
+        <p14:creationId xmlns:p14="http://schemas.microsoft.com/office/powerpoint/2010/main" val="3331722022"/>
       </p:ext>
     </p:extLst>
   </p:cSld>
@@ -1860,7 +2115,7 @@
       </p:grpSpPr>
       <p:sp>
         <p:nvSpPr>
-          <p:cNvPr id="10" name="Title 9"/>
+          <p:cNvPr id="2" name="Title 1"/>
           <p:cNvSpPr>
             <a:spLocks noGrp="1"/>
           </p:cNvSpPr>
@@ -1893,7 +2148,7 @@
         </p:nvSpPr>
         <p:spPr>
           <a:xfrm>
-            <a:off x="1066800" y="2048256"/>
+            <a:off x="1069848" y="2074334"/>
             <a:ext cx="4754880" cy="640080"/>
           </a:xfrm>
         </p:spPr>
@@ -1902,19 +2157,180 @@
             <a:normAutofit/>
           </a:bodyPr>
           <a:lstStyle>
-            <a:lvl1pPr marL="0" indent="0">
-              <a:buNone/>
-              <a:defRPr sz="2000" b="1">
+            <a:lvl1pPr marL="0" indent="0" algn="ctr">
+              <a:spcBef>
+                <a:spcPts val="0"/>
+              </a:spcBef>
+              <a:buNone/>
+              <a:defRPr sz="1900" b="0">
                 <a:solidFill>
-                  <a:schemeClr val="accent1">
-                    <a:lumMod val="75000"/>
-                  </a:schemeClr>
+                  <a:schemeClr val="tx2"/>
+                </a:solidFill>
+                <a:latin typeface="+mn-lt"/>
+              </a:defRPr>
+            </a:lvl1pPr>
+            <a:lvl2pPr marL="457200" indent="0">
+              <a:buNone/>
+              <a:defRPr sz="1900" b="1"/>
+            </a:lvl2pPr>
+            <a:lvl3pPr marL="914400" indent="0">
+              <a:buNone/>
+              <a:defRPr sz="1800" b="1"/>
+            </a:lvl3pPr>
+            <a:lvl4pPr marL="1371600" indent="0">
+              <a:buNone/>
+              <a:defRPr sz="1600" b="1"/>
+            </a:lvl4pPr>
+            <a:lvl5pPr marL="1828800" indent="0">
+              <a:buNone/>
+              <a:defRPr sz="1600" b="1"/>
+            </a:lvl5pPr>
+            <a:lvl6pPr marL="2286000" indent="0">
+              <a:buNone/>
+              <a:defRPr sz="1600" b="1"/>
+            </a:lvl6pPr>
+            <a:lvl7pPr marL="2743200" indent="0">
+              <a:buNone/>
+              <a:defRPr sz="1600" b="1"/>
+            </a:lvl7pPr>
+            <a:lvl8pPr marL="3200400" indent="0">
+              <a:buNone/>
+              <a:defRPr sz="1600" b="1"/>
+            </a:lvl8pPr>
+            <a:lvl9pPr marL="3657600" indent="0">
+              <a:buNone/>
+              <a:defRPr sz="1600" b="1"/>
+            </a:lvl9pPr>
+          </a:lstStyle>
+          <a:p>
+            <a:pPr lvl="0"/>
+            <a:r>
+              <a:rPr lang="en-US" smtClean="0"/>
+              <a:t>Click to edit Master text styles</a:t>
+            </a:r>
+          </a:p>
+        </p:txBody>
+      </p:sp>
+      <p:sp>
+        <p:nvSpPr>
+          <p:cNvPr id="4" name="Content Placeholder 3"/>
+          <p:cNvSpPr>
+            <a:spLocks noGrp="1"/>
+          </p:cNvSpPr>
+          <p:nvPr>
+            <p:ph sz="half" idx="2"/>
+          </p:nvPr>
+        </p:nvSpPr>
+        <p:spPr>
+          <a:xfrm>
+            <a:off x="1069848" y="2755898"/>
+            <a:ext cx="4754880" cy="3200400"/>
+          </a:xfrm>
+        </p:spPr>
+        <p:txBody>
+          <a:bodyPr/>
+          <a:lstStyle>
+            <a:lvl1pPr>
+              <a:defRPr sz="1800"/>
+            </a:lvl1pPr>
+            <a:lvl2pPr>
+              <a:defRPr sz="1600"/>
+            </a:lvl2pPr>
+            <a:lvl3pPr>
+              <a:defRPr sz="1400"/>
+            </a:lvl3pPr>
+            <a:lvl4pPr>
+              <a:defRPr sz="1400"/>
+            </a:lvl4pPr>
+            <a:lvl5pPr>
+              <a:defRPr sz="1400"/>
+            </a:lvl5pPr>
+            <a:lvl6pPr>
+              <a:defRPr sz="1400"/>
+            </a:lvl6pPr>
+            <a:lvl7pPr>
+              <a:defRPr sz="1400"/>
+            </a:lvl7pPr>
+            <a:lvl8pPr>
+              <a:defRPr sz="1400"/>
+            </a:lvl8pPr>
+            <a:lvl9pPr>
+              <a:defRPr sz="1400"/>
+            </a:lvl9pPr>
+          </a:lstStyle>
+          <a:p>
+            <a:pPr lvl="0"/>
+            <a:r>
+              <a:rPr lang="en-US" smtClean="0"/>
+              <a:t>Click to edit Master text styles</a:t>
+            </a:r>
+          </a:p>
+          <a:p>
+            <a:pPr lvl="1"/>
+            <a:r>
+              <a:rPr lang="en-US" smtClean="0"/>
+              <a:t>Second level</a:t>
+            </a:r>
+          </a:p>
+          <a:p>
+            <a:pPr lvl="2"/>
+            <a:r>
+              <a:rPr lang="en-US" smtClean="0"/>
+              <a:t>Third level</a:t>
+            </a:r>
+          </a:p>
+          <a:p>
+            <a:pPr lvl="3"/>
+            <a:r>
+              <a:rPr lang="en-US" smtClean="0"/>
+              <a:t>Fourth level</a:t>
+            </a:r>
+          </a:p>
+          <a:p>
+            <a:pPr lvl="4"/>
+            <a:r>
+              <a:rPr lang="en-US" smtClean="0"/>
+              <a:t>Fifth level</a:t>
+            </a:r>
+            <a:endParaRPr lang="en-US" dirty="0"/>
+          </a:p>
+        </p:txBody>
+      </p:sp>
+      <p:sp>
+        <p:nvSpPr>
+          <p:cNvPr id="5" name="Text Placeholder 4"/>
+          <p:cNvSpPr>
+            <a:spLocks noGrp="1"/>
+          </p:cNvSpPr>
+          <p:nvPr>
+            <p:ph type="body" sz="quarter" idx="3"/>
+          </p:nvPr>
+        </p:nvSpPr>
+        <p:spPr>
+          <a:xfrm>
+            <a:off x="6373368" y="2074334"/>
+            <a:ext cx="4754880" cy="640080"/>
+          </a:xfrm>
+        </p:spPr>
+        <p:txBody>
+          <a:bodyPr anchor="ctr">
+            <a:normAutofit/>
+          </a:bodyPr>
+          <a:lstStyle>
+            <a:lvl1pPr marL="0" indent="0" algn="ctr">
+              <a:spcBef>
+                <a:spcPts val="0"/>
+              </a:spcBef>
+              <a:buNone/>
+              <a:defRPr sz="1900" b="0">
+                <a:solidFill>
+                  <a:schemeClr val="tx2"/>
                 </a:solidFill>
               </a:defRPr>
             </a:lvl1pPr>
             <a:lvl2pPr marL="457200" indent="0">
               <a:buNone/>
-              <a:defRPr sz="2000" b="1"/>
+              <a:defRPr sz="1900" b="1"/>
             </a:lvl2pPr>
             <a:lvl3pPr marL="914400" indent="0">
               <a:buNone/>
@@ -1956,49 +2372,49 @@
       </p:sp>
       <p:sp>
         <p:nvSpPr>
-          <p:cNvPr id="4" name="Content Placeholder 3"/>
-          <p:cNvSpPr>
-            <a:spLocks noGrp="1"/>
-          </p:cNvSpPr>
-          <p:nvPr>
-            <p:ph sz="half" idx="2"/>
-          </p:nvPr>
-        </p:nvSpPr>
-        <p:spPr>
-          <a:xfrm>
-            <a:off x="1069848" y="2743200"/>
-            <a:ext cx="4754880" cy="3291840"/>
+          <p:cNvPr id="6" name="Content Placeholder 5"/>
+          <p:cNvSpPr>
+            <a:spLocks noGrp="1"/>
+          </p:cNvSpPr>
+          <p:nvPr>
+            <p:ph sz="quarter" idx="4"/>
+          </p:nvPr>
+        </p:nvSpPr>
+        <p:spPr>
+          <a:xfrm>
+            <a:off x="6373368" y="2756581"/>
+            <a:ext cx="4754880" cy="3200400"/>
           </a:xfrm>
         </p:spPr>
         <p:txBody>
           <a:bodyPr/>
           <a:lstStyle>
             <a:lvl1pPr>
-              <a:defRPr sz="2000"/>
+              <a:defRPr sz="1800"/>
             </a:lvl1pPr>
             <a:lvl2pPr>
-              <a:defRPr sz="1800"/>
+              <a:defRPr sz="1600"/>
             </a:lvl2pPr>
             <a:lvl3pPr>
-              <a:defRPr sz="1600"/>
+              <a:defRPr sz="1400"/>
             </a:lvl3pPr>
             <a:lvl4pPr>
-              <a:defRPr sz="1600"/>
+              <a:defRPr sz="1400"/>
             </a:lvl4pPr>
             <a:lvl5pPr>
-              <a:defRPr sz="1600"/>
+              <a:defRPr sz="1400"/>
             </a:lvl5pPr>
             <a:lvl6pPr>
-              <a:defRPr sz="1600"/>
+              <a:defRPr sz="1400"/>
             </a:lvl6pPr>
             <a:lvl7pPr>
-              <a:defRPr sz="1600"/>
+              <a:defRPr sz="1400"/>
             </a:lvl7pPr>
             <a:lvl8pPr>
-              <a:defRPr sz="1600"/>
+              <a:defRPr sz="1400"/>
             </a:lvl8pPr>
             <a:lvl9pPr>
-              <a:defRPr sz="1600"/>
+              <a:defRPr sz="1400"/>
             </a:lvl9pPr>
           </a:lstStyle>
           <a:p>
@@ -2041,164 +2457,6 @@
       </p:sp>
       <p:sp>
         <p:nvSpPr>
-          <p:cNvPr id="5" name="Text Placeholder 4"/>
-          <p:cNvSpPr>
-            <a:spLocks noGrp="1"/>
-          </p:cNvSpPr>
-          <p:nvPr>
-            <p:ph type="body" sz="quarter" idx="3"/>
-          </p:nvPr>
-        </p:nvSpPr>
-        <p:spPr>
-          <a:xfrm>
-            <a:off x="6364224" y="2048256"/>
-            <a:ext cx="4754880" cy="640080"/>
-          </a:xfrm>
-        </p:spPr>
-        <p:txBody>
-          <a:bodyPr anchor="ctr">
-            <a:normAutofit/>
-          </a:bodyPr>
-          <a:lstStyle>
-            <a:lvl1pPr marL="0" indent="0">
-              <a:buNone/>
-              <a:defRPr sz="2000" b="1">
-                <a:solidFill>
-                  <a:schemeClr val="accent1">
-                    <a:lumMod val="75000"/>
-                  </a:schemeClr>
-                </a:solidFill>
-              </a:defRPr>
-            </a:lvl1pPr>
-            <a:lvl2pPr marL="457200" indent="0">
-              <a:buNone/>
-              <a:defRPr sz="2000" b="1"/>
-            </a:lvl2pPr>
-            <a:lvl3pPr marL="914400" indent="0">
-              <a:buNone/>
-              <a:defRPr sz="1800" b="1"/>
-            </a:lvl3pPr>
-            <a:lvl4pPr marL="1371600" indent="0">
-              <a:buNone/>
-              <a:defRPr sz="1600" b="1"/>
-            </a:lvl4pPr>
-            <a:lvl5pPr marL="1828800" indent="0">
-              <a:buNone/>
-              <a:defRPr sz="1600" b="1"/>
-            </a:lvl5pPr>
-            <a:lvl6pPr marL="2286000" indent="0">
-              <a:buNone/>
-              <a:defRPr sz="1600" b="1"/>
-            </a:lvl6pPr>
-            <a:lvl7pPr marL="2743200" indent="0">
-              <a:buNone/>
-              <a:defRPr sz="1600" b="1"/>
-            </a:lvl7pPr>
-            <a:lvl8pPr marL="3200400" indent="0">
-              <a:buNone/>
-              <a:defRPr sz="1600" b="1"/>
-            </a:lvl8pPr>
-            <a:lvl9pPr marL="3657600" indent="0">
-              <a:buNone/>
-              <a:defRPr sz="1600" b="1"/>
-            </a:lvl9pPr>
-          </a:lstStyle>
-          <a:p>
-            <a:pPr lvl="0"/>
-            <a:r>
-              <a:rPr lang="en-US" smtClean="0"/>
-              <a:t>Click to edit Master text styles</a:t>
-            </a:r>
-          </a:p>
-        </p:txBody>
-      </p:sp>
-      <p:sp>
-        <p:nvSpPr>
-          <p:cNvPr id="6" name="Content Placeholder 5"/>
-          <p:cNvSpPr>
-            <a:spLocks noGrp="1"/>
-          </p:cNvSpPr>
-          <p:nvPr>
-            <p:ph sz="quarter" idx="4"/>
-          </p:nvPr>
-        </p:nvSpPr>
-        <p:spPr>
-          <a:xfrm>
-            <a:off x="6364224" y="2743200"/>
-            <a:ext cx="4754880" cy="3291840"/>
-          </a:xfrm>
-        </p:spPr>
-        <p:txBody>
-          <a:bodyPr/>
-          <a:lstStyle>
-            <a:lvl1pPr>
-              <a:defRPr sz="2000"/>
-            </a:lvl1pPr>
-            <a:lvl2pPr>
-              <a:defRPr sz="1800"/>
-            </a:lvl2pPr>
-            <a:lvl3pPr>
-              <a:defRPr sz="1600"/>
-            </a:lvl3pPr>
-            <a:lvl4pPr>
-              <a:defRPr sz="1600"/>
-            </a:lvl4pPr>
-            <a:lvl5pPr>
-              <a:defRPr sz="1600"/>
-            </a:lvl5pPr>
-            <a:lvl6pPr>
-              <a:defRPr sz="1600"/>
-            </a:lvl6pPr>
-            <a:lvl7pPr>
-              <a:defRPr sz="1600"/>
-            </a:lvl7pPr>
-            <a:lvl8pPr>
-              <a:defRPr sz="1600"/>
-            </a:lvl8pPr>
-            <a:lvl9pPr>
-              <a:defRPr sz="1600"/>
-            </a:lvl9pPr>
-          </a:lstStyle>
-          <a:p>
-            <a:pPr lvl="0"/>
-            <a:r>
-              <a:rPr lang="en-US" smtClean="0"/>
-              <a:t>Click to edit Master text styles</a:t>
-            </a:r>
-          </a:p>
-          <a:p>
-            <a:pPr lvl="1"/>
-            <a:r>
-              <a:rPr lang="en-US" smtClean="0"/>
-              <a:t>Second level</a:t>
-            </a:r>
-          </a:p>
-          <a:p>
-            <a:pPr lvl="2"/>
-            <a:r>
-              <a:rPr lang="en-US" smtClean="0"/>
-              <a:t>Third level</a:t>
-            </a:r>
-          </a:p>
-          <a:p>
-            <a:pPr lvl="3"/>
-            <a:r>
-              <a:rPr lang="en-US" smtClean="0"/>
-              <a:t>Fourth level</a:t>
-            </a:r>
-          </a:p>
-          <a:p>
-            <a:pPr lvl="4"/>
-            <a:r>
-              <a:rPr lang="en-US" smtClean="0"/>
-              <a:t>Fifth level</a:t>
-            </a:r>
-            <a:endParaRPr lang="en-US" dirty="0"/>
-          </a:p>
-        </p:txBody>
-      </p:sp>
-      <p:sp>
-        <p:nvSpPr>
           <p:cNvPr id="7" name="Date Placeholder 6"/>
           <p:cNvSpPr>
             <a:spLocks noGrp="1"/>
@@ -2214,7 +2472,7 @@
           <a:p>
             <a:fld id="{253671CB-CD2B-418D-8A03-723FF33015E4}" type="datetimeFigureOut">
               <a:rPr lang="en-US" smtClean="0"/>
-              <a:t>3/4/2020</a:t>
+              <a:t>3/7/2020</a:t>
             </a:fld>
             <a:endParaRPr lang="en-US"/>
           </a:p>
@@ -2265,7 +2523,7 @@
     </p:spTree>
     <p:extLst>
       <p:ext uri="{BB962C8B-B14F-4D97-AF65-F5344CB8AC3E}">
-        <p14:creationId xmlns:p14="http://schemas.microsoft.com/office/powerpoint/2010/main" val="24604682"/>
+        <p14:creationId xmlns:p14="http://schemas.microsoft.com/office/powerpoint/2010/main" val="3412693600"/>
       </p:ext>
     </p:extLst>
   </p:cSld>
@@ -2294,7 +2552,7 @@
       </p:grpSpPr>
       <p:sp>
         <p:nvSpPr>
-          <p:cNvPr id="6" name="Title 5"/>
+          <p:cNvPr id="2" name="Title 1"/>
           <p:cNvSpPr>
             <a:spLocks noGrp="1"/>
           </p:cNvSpPr>
@@ -2332,7 +2590,7 @@
           <a:p>
             <a:fld id="{253671CB-CD2B-418D-8A03-723FF33015E4}" type="datetimeFigureOut">
               <a:rPr lang="en-US" smtClean="0"/>
-              <a:t>3/4/2020</a:t>
+              <a:t>3/7/2020</a:t>
             </a:fld>
             <a:endParaRPr lang="en-US"/>
           </a:p>
@@ -2383,7 +2641,7 @@
     </p:spTree>
     <p:extLst>
       <p:ext uri="{BB962C8B-B14F-4D97-AF65-F5344CB8AC3E}">
-        <p14:creationId xmlns:p14="http://schemas.microsoft.com/office/powerpoint/2010/main" val="3637571346"/>
+        <p14:creationId xmlns:p14="http://schemas.microsoft.com/office/powerpoint/2010/main" val="2300420509"/>
       </p:ext>
     </p:extLst>
   </p:cSld>
@@ -2427,7 +2685,7 @@
           <a:p>
             <a:fld id="{253671CB-CD2B-418D-8A03-723FF33015E4}" type="datetimeFigureOut">
               <a:rPr lang="en-US" smtClean="0"/>
-              <a:t>3/4/2020</a:t>
+              <a:t>3/7/2020</a:t>
             </a:fld>
             <a:endParaRPr lang="en-US"/>
           </a:p>
@@ -2478,7 +2736,7 @@
     </p:spTree>
     <p:extLst>
       <p:ext uri="{BB962C8B-B14F-4D97-AF65-F5344CB8AC3E}">
-        <p14:creationId xmlns:p14="http://schemas.microsoft.com/office/powerpoint/2010/main" val="3415095105"/>
+        <p14:creationId xmlns:p14="http://schemas.microsoft.com/office/powerpoint/2010/main" val="3226033545"/>
       </p:ext>
     </p:extLst>
   </p:cSld>
@@ -2512,40 +2770,21 @@
       </p:grpSpPr>
       <p:sp>
         <p:nvSpPr>
-          <p:cNvPr id="8" name="Rectangle 7"/>
+          <p:cNvPr id="16" name="Rectangle 15"/>
           <p:cNvSpPr/>
           <p:nvPr/>
         </p:nvSpPr>
         <p:spPr>
           <a:xfrm>
-            <a:off x="8303740" y="0"/>
-            <a:ext cx="3888259" cy="6857999"/>
+            <a:off x="245529" y="237744"/>
+            <a:ext cx="8531352" cy="6382512"/>
           </a:xfrm>
           <a:prstGeom prst="rect">
             <a:avLst/>
           </a:prstGeom>
-          <a:blipFill dpi="0" rotWithShape="1">
-            <a:blip r:embed="rId2">
-              <a:alphaModFix amt="60000"/>
-              <a:lum bright="70000" contrast="-70000"/>
-              <a:extLst>
-                <a:ext uri="{BEBA8EAE-BF5A-486C-A8C5-ECC9F3942E4B}">
-                  <a14:imgProps xmlns:a14="http://schemas.microsoft.com/office/drawing/2010/main">
-                    <a14:imgLayer r:embed="rId3">
-                      <a14:imgEffect>
-                        <a14:sharpenSoften amount="61000"/>
-                      </a14:imgEffect>
-                    </a14:imgLayer>
-                  </a14:imgProps>
-                </a:ext>
-                <a:ext uri="{28A0092B-C50C-407E-A947-70E740481C1C}">
-                  <a14:useLocalDpi xmlns:a14="http://schemas.microsoft.com/office/drawing/2010/main" val="0"/>
-                </a:ext>
-              </a:extLst>
-            </a:blip>
-            <a:srcRect/>
-            <a:tile tx="0" ty="-704850" sx="92000" sy="89000" flip="xy" algn="ctr"/>
-          </a:blipFill>
+          <a:solidFill>
+            <a:schemeClr val="bg2"/>
+          </a:solidFill>
           <a:ln>
             <a:noFill/>
           </a:ln>
@@ -2569,6 +2808,44 @@
       </p:sp>
       <p:sp>
         <p:nvSpPr>
+          <p:cNvPr id="15" name="Rectangle 14"/>
+          <p:cNvSpPr/>
+          <p:nvPr/>
+        </p:nvSpPr>
+        <p:spPr>
+          <a:xfrm>
+            <a:off x="9020386" y="237744"/>
+            <a:ext cx="2926080" cy="6382512"/>
+          </a:xfrm>
+          <a:prstGeom prst="rect">
+            <a:avLst/>
+          </a:prstGeom>
+          <a:solidFill>
+            <a:schemeClr val="accent1"/>
+          </a:solidFill>
+          <a:ln>
+            <a:noFill/>
+          </a:ln>
+        </p:spPr>
+        <p:style>
+          <a:lnRef idx="2">
+            <a:schemeClr val="accent1">
+              <a:shade val="50000"/>
+            </a:schemeClr>
+          </a:lnRef>
+          <a:fillRef idx="1">
+            <a:schemeClr val="accent1"/>
+          </a:fillRef>
+          <a:effectRef idx="0">
+            <a:schemeClr val="accent1"/>
+          </a:effectRef>
+          <a:fontRef idx="minor">
+            <a:schemeClr val="lt1"/>
+          </a:fontRef>
+        </p:style>
+      </p:sp>
+      <p:sp>
+        <p:nvSpPr>
           <p:cNvPr id="2" name="Title 1"/>
           <p:cNvSpPr>
             <a:spLocks noGrp="1"/>
@@ -2579,8 +2856,8 @@
         </p:nvSpPr>
         <p:spPr>
           <a:xfrm>
-            <a:off x="8549640" y="685800"/>
-            <a:ext cx="3200400" cy="1737360"/>
+            <a:off x="9296400" y="607392"/>
+            <a:ext cx="2430780" cy="1645920"/>
           </a:xfrm>
         </p:spPr>
         <p:txBody>
@@ -2588,8 +2865,23 @@
             <a:normAutofit/>
           </a:bodyPr>
           <a:lstStyle>
-            <a:lvl1pPr>
-              <a:defRPr sz="3200" b="1"/>
+            <a:lvl1pPr algn="l" defTabSz="914400" rtl="0" eaLnBrk="1" latinLnBrk="0" hangingPunct="1">
+              <a:lnSpc>
+                <a:spcPct val="90000"/>
+              </a:lnSpc>
+              <a:spcBef>
+                <a:spcPct val="0"/>
+              </a:spcBef>
+              <a:buNone/>
+              <a:defRPr lang="en-US" sz="2800" b="0" kern="1200" cap="none" spc="0" baseline="0" dirty="0">
+                <a:solidFill>
+                  <a:srgbClr val="FFFFFF"/>
+                </a:solidFill>
+                <a:effectLst/>
+                <a:latin typeface="+mj-lt"/>
+                <a:ea typeface="+mn-ea"/>
+                <a:cs typeface="+mn-cs"/>
+              </a:defRPr>
             </a:lvl1pPr>
           </a:lstStyle>
           <a:p>
@@ -2613,39 +2905,39 @@
         </p:nvSpPr>
         <p:spPr>
           <a:xfrm>
-            <a:off x="838200" y="685800"/>
-            <a:ext cx="6711696" cy="5020056"/>
+            <a:off x="685800" y="609600"/>
+            <a:ext cx="7772400" cy="5334000"/>
           </a:xfrm>
         </p:spPr>
         <p:txBody>
           <a:bodyPr/>
           <a:lstStyle>
             <a:lvl1pPr>
-              <a:defRPr sz="2000"/>
+              <a:defRPr sz="1800"/>
             </a:lvl1pPr>
             <a:lvl2pPr>
-              <a:defRPr sz="1800"/>
+              <a:defRPr sz="1600"/>
             </a:lvl2pPr>
             <a:lvl3pPr>
-              <a:defRPr sz="1600"/>
+              <a:defRPr sz="1400"/>
             </a:lvl3pPr>
             <a:lvl4pPr>
-              <a:defRPr sz="1600"/>
+              <a:defRPr sz="1400"/>
             </a:lvl4pPr>
             <a:lvl5pPr>
-              <a:defRPr sz="1600"/>
+              <a:defRPr sz="1400"/>
             </a:lvl5pPr>
             <a:lvl6pPr>
-              <a:defRPr sz="1600"/>
+              <a:defRPr sz="1400"/>
             </a:lvl6pPr>
             <a:lvl7pPr>
-              <a:defRPr sz="1600"/>
+              <a:defRPr sz="1400"/>
             </a:lvl7pPr>
             <a:lvl8pPr>
-              <a:defRPr sz="1600"/>
+              <a:defRPr sz="1400"/>
             </a:lvl8pPr>
             <a:lvl9pPr>
-              <a:defRPr sz="1600"/>
+              <a:defRPr sz="1400"/>
             </a:lvl9pPr>
           </a:lstStyle>
           <a:p>
@@ -2698,8 +2990,8 @@
         </p:nvSpPr>
         <p:spPr>
           <a:xfrm>
-            <a:off x="8549640" y="2423160"/>
-            <a:ext cx="3200400" cy="3291840"/>
+            <a:off x="9296400" y="2286000"/>
+            <a:ext cx="2430780" cy="3505200"/>
           </a:xfrm>
         </p:spPr>
         <p:txBody>
@@ -2709,17 +3001,15 @@
           <a:lstStyle>
             <a:lvl1pPr marL="0" indent="0">
               <a:lnSpc>
-                <a:spcPct val="100000"/>
+                <a:spcPct val="110000"/>
               </a:lnSpc>
               <a:spcBef>
-                <a:spcPts val="1000"/>
+                <a:spcPts val="800"/>
               </a:spcBef>
               <a:buNone/>
               <a:defRPr sz="1400">
                 <a:solidFill>
-                  <a:schemeClr val="accent1">
-                    <a:lumMod val="75000"/>
-                  </a:schemeClr>
+                  <a:srgbClr val="FFFFFF"/>
                 </a:solidFill>
               </a:defRPr>
             </a:lvl1pPr>
@@ -2767,7 +3057,7 @@
       </p:sp>
       <p:sp>
         <p:nvSpPr>
-          <p:cNvPr id="5" name="Date Placeholder 4"/>
+          <p:cNvPr id="8" name="Date Placeholder 7"/>
           <p:cNvSpPr>
             <a:spLocks noGrp="1"/>
           </p:cNvSpPr>
@@ -2782,7 +3072,7 @@
           <a:p>
             <a:fld id="{253671CB-CD2B-418D-8A03-723FF33015E4}" type="datetimeFigureOut">
               <a:rPr lang="en-US" smtClean="0"/>
-              <a:t>3/4/2020</a:t>
+              <a:t>3/7/2020</a:t>
             </a:fld>
             <a:endParaRPr lang="en-US"/>
           </a:p>
@@ -2790,7 +3080,7 @@
       </p:sp>
       <p:sp>
         <p:nvSpPr>
-          <p:cNvPr id="6" name="Footer Placeholder 5"/>
+          <p:cNvPr id="9" name="Footer Placeholder 8"/>
           <p:cNvSpPr>
             <a:spLocks noGrp="1"/>
           </p:cNvSpPr>
@@ -2801,104 +3091,19 @@
         <p:spPr/>
         <p:txBody>
           <a:bodyPr/>
-          <a:lstStyle/>
+          <a:lstStyle>
+            <a:lvl1pPr algn="r">
+              <a:defRPr/>
+            </a:lvl1pPr>
+          </a:lstStyle>
           <a:p>
             <a:endParaRPr lang="en-US"/>
           </a:p>
         </p:txBody>
       </p:sp>
-      <p:grpSp>
-        <p:nvGrpSpPr>
-          <p:cNvPr id="9" name="Group 8"/>
-          <p:cNvGrpSpPr>
-            <a:grpSpLocks noChangeAspect="1"/>
-          </p:cNvGrpSpPr>
-          <p:nvPr/>
-        </p:nvGrpSpPr>
-        <p:grpSpPr>
-          <a:xfrm>
-            <a:off x="11401725" y="6229681"/>
-            <a:ext cx="457200" cy="457200"/>
-            <a:chOff x="11361456" y="6195813"/>
-            <a:chExt cx="548640" cy="548640"/>
-          </a:xfrm>
-        </p:grpSpPr>
-        <p:sp>
-          <p:nvSpPr>
-            <p:cNvPr id="10" name="Oval 9"/>
-            <p:cNvSpPr/>
-            <p:nvPr/>
-          </p:nvSpPr>
-          <p:spPr>
-            <a:xfrm>
-              <a:off x="11361456" y="6195813"/>
-              <a:ext cx="548640" cy="548640"/>
-            </a:xfrm>
-            <a:prstGeom prst="ellipse">
-              <a:avLst/>
-            </a:prstGeom>
-            <a:blipFill dpi="0" rotWithShape="1">
-              <a:blip r:embed="rId4">
-                <a:duotone>
-                  <a:schemeClr val="accent1">
-                    <a:shade val="45000"/>
-                    <a:satMod val="135000"/>
-                  </a:schemeClr>
-                  <a:prstClr val="white"/>
-                </a:duotone>
-                <a:extLst>
-                  <a:ext uri="{BEBA8EAE-BF5A-486C-A8C5-ECC9F3942E4B}">
-                    <a14:imgProps xmlns:a14="http://schemas.microsoft.com/office/drawing/2010/main">
-                      <a14:imgLayer r:embed="rId5">
-                        <a14:imgEffect>
-                          <a14:saturation sat="95000"/>
-                        </a14:imgEffect>
-                        <a14:imgEffect>
-                          <a14:brightnessContrast bright="-40000" contrast="20000"/>
-                        </a14:imgEffect>
-                      </a14:imgLayer>
-                    </a14:imgProps>
-                  </a:ext>
-                </a:extLst>
-              </a:blip>
-              <a:srcRect/>
-              <a:tile tx="50800" ty="0" sx="85000" sy="85000" flip="none" algn="tl"/>
-            </a:blipFill>
-            <a:ln w="25400" cap="flat" cmpd="sng" algn="ctr">
-              <a:noFill/>
-              <a:prstDash val="solid"/>
-            </a:ln>
-            <a:effectLst/>
-          </p:spPr>
-        </p:sp>
-        <p:sp>
-          <p:nvSpPr>
-            <p:cNvPr id="11" name="Oval 10"/>
-            <p:cNvSpPr/>
-            <p:nvPr/>
-          </p:nvSpPr>
-          <p:spPr>
-            <a:xfrm>
-              <a:off x="11396488" y="6230844"/>
-              <a:ext cx="478576" cy="478578"/>
-            </a:xfrm>
-            <a:prstGeom prst="ellipse">
-              <a:avLst/>
-            </a:prstGeom>
-            <a:noFill/>
-            <a:ln w="12700" cap="flat" cmpd="sng" algn="ctr">
-              <a:solidFill>
-                <a:sysClr val="window" lastClr="FFFFFF"/>
-              </a:solidFill>
-              <a:prstDash val="solid"/>
-            </a:ln>
-            <a:effectLst/>
-          </p:spPr>
-        </p:sp>
-      </p:grpSp>
-      <p:sp>
-        <p:nvSpPr>
-          <p:cNvPr id="7" name="Slide Number Placeholder 6"/>
+      <p:sp>
+        <p:nvSpPr>
+          <p:cNvPr id="11" name="Slide Number Placeholder 10"/>
           <p:cNvSpPr>
             <a:spLocks noGrp="1"/>
           </p:cNvSpPr>
@@ -2906,10 +3111,23 @@
             <p:ph type="sldNum" sz="quarter" idx="12"/>
           </p:nvPr>
         </p:nvSpPr>
-        <p:spPr/>
+        <p:spPr>
+          <a:xfrm>
+            <a:off x="10393677" y="6223002"/>
+            <a:ext cx="1463040" cy="274320"/>
+          </a:xfrm>
+        </p:spPr>
         <p:txBody>
           <a:bodyPr/>
-          <a:lstStyle/>
+          <a:lstStyle>
+            <a:lvl1pPr>
+              <a:defRPr>
+                <a:solidFill>
+                  <a:srgbClr val="FFFFFF"/>
+                </a:solidFill>
+              </a:defRPr>
+            </a:lvl1pPr>
+          </a:lstStyle>
           <a:p>
             <a:fld id="{64AB448C-341B-4459-AB0D-A81D864CCE24}" type="slidenum">
               <a:rPr lang="en-US" smtClean="0"/>
@@ -2919,10 +3137,49 @@
           </a:p>
         </p:txBody>
       </p:sp>
+      <p:sp>
+        <p:nvSpPr>
+          <p:cNvPr id="12" name="Rectangle 11"/>
+          <p:cNvSpPr/>
+          <p:nvPr/>
+        </p:nvSpPr>
+        <p:spPr>
+          <a:xfrm>
+            <a:off x="9157546" y="374904"/>
+            <a:ext cx="2651760" cy="6108192"/>
+          </a:xfrm>
+          <a:prstGeom prst="rect">
+            <a:avLst/>
+          </a:prstGeom>
+          <a:noFill/>
+          <a:ln w="6350" cap="sq">
+            <a:solidFill>
+              <a:srgbClr val="FFFFFF"/>
+            </a:solidFill>
+            <a:miter lim="800000"/>
+          </a:ln>
+        </p:spPr>
+        <p:style>
+          <a:lnRef idx="2">
+            <a:schemeClr val="accent1">
+              <a:shade val="50000"/>
+            </a:schemeClr>
+          </a:lnRef>
+          <a:fillRef idx="1">
+            <a:schemeClr val="accent1"/>
+          </a:fillRef>
+          <a:effectRef idx="0">
+            <a:schemeClr val="accent1"/>
+          </a:effectRef>
+          <a:fontRef idx="minor">
+            <a:schemeClr val="lt1"/>
+          </a:fontRef>
+        </p:style>
+      </p:sp>
     </p:spTree>
     <p:extLst>
       <p:ext uri="{BB962C8B-B14F-4D97-AF65-F5344CB8AC3E}">
-        <p14:creationId xmlns:p14="http://schemas.microsoft.com/office/powerpoint/2010/main" val="4273193828"/>
+        <p14:creationId xmlns:p14="http://schemas.microsoft.com/office/powerpoint/2010/main" val="2840151884"/>
       </p:ext>
     </p:extLst>
   </p:cSld>
@@ -2956,40 +3213,21 @@
       </p:grpSpPr>
       <p:sp>
         <p:nvSpPr>
-          <p:cNvPr id="11" name="Rectangle 10"/>
+          <p:cNvPr id="14" name="Rectangle 13"/>
           <p:cNvSpPr/>
           <p:nvPr/>
         </p:nvSpPr>
         <p:spPr>
           <a:xfrm>
-            <a:off x="8303740" y="0"/>
-            <a:ext cx="3888259" cy="6857999"/>
+            <a:off x="9020386" y="237744"/>
+            <a:ext cx="2926080" cy="6382512"/>
           </a:xfrm>
           <a:prstGeom prst="rect">
             <a:avLst/>
           </a:prstGeom>
-          <a:blipFill dpi="0" rotWithShape="1">
-            <a:blip r:embed="rId2">
-              <a:alphaModFix amt="60000"/>
-              <a:lum bright="70000" contrast="-70000"/>
-              <a:extLst>
-                <a:ext uri="{BEBA8EAE-BF5A-486C-A8C5-ECC9F3942E4B}">
-                  <a14:imgProps xmlns:a14="http://schemas.microsoft.com/office/drawing/2010/main">
-                    <a14:imgLayer r:embed="rId3">
-                      <a14:imgEffect>
-                        <a14:sharpenSoften amount="61000"/>
-                      </a14:imgEffect>
-                    </a14:imgLayer>
-                  </a14:imgProps>
-                </a:ext>
-                <a:ext uri="{28A0092B-C50C-407E-A947-70E740481C1C}">
-                  <a14:useLocalDpi xmlns:a14="http://schemas.microsoft.com/office/drawing/2010/main" val="0"/>
-                </a:ext>
-              </a:extLst>
-            </a:blip>
-            <a:srcRect/>
-            <a:tile tx="0" ty="-704850" sx="92000" sy="89000" flip="xy" algn="ctr"/>
-          </a:blipFill>
+          <a:solidFill>
+            <a:schemeClr val="accent1"/>
+          </a:solidFill>
           <a:ln>
             <a:noFill/>
           </a:ln>
@@ -3023,17 +3261,22 @@
         </p:nvSpPr>
         <p:spPr>
           <a:xfrm>
-            <a:off x="8549640" y="685800"/>
-            <a:ext cx="3200400" cy="1737360"/>
+            <a:off x="9296400" y="603504"/>
+            <a:ext cx="2432304" cy="1645920"/>
           </a:xfrm>
         </p:spPr>
         <p:txBody>
           <a:bodyPr anchor="b">
-            <a:normAutofit/>
+            <a:noAutofit/>
           </a:bodyPr>
           <a:lstStyle>
-            <a:lvl1pPr>
-              <a:defRPr sz="3200" b="1"/>
+            <a:lvl1pPr algn="l">
+              <a:defRPr sz="2800" b="0">
+                <a:solidFill>
+                  <a:srgbClr val="FFFFFF"/>
+                </a:solidFill>
+                <a:latin typeface="+mj-lt"/>
+              </a:defRPr>
             </a:lvl1pPr>
           </a:lstStyle>
           <a:p>
@@ -3057,15 +3300,18 @@
         </p:nvSpPr>
         <p:spPr>
           <a:xfrm>
-            <a:off x="0" y="0"/>
-            <a:ext cx="8303740" cy="6858000"/>
+            <a:off x="228599" y="237744"/>
+            <a:ext cx="8531352" cy="6382512"/>
           </a:xfrm>
           <a:solidFill>
-            <a:schemeClr val="tx2">
-              <a:lumMod val="20000"/>
-              <a:lumOff val="80000"/>
+            <a:schemeClr val="accent1">
+              <a:lumMod val="60000"/>
+              <a:lumOff val="40000"/>
             </a:schemeClr>
           </a:solidFill>
+          <a:ln>
+            <a:noFill/>
+          </a:ln>
         </p:spPr>
         <p:txBody>
           <a:bodyPr anchor="t"/>
@@ -3128,8 +3374,8 @@
         </p:nvSpPr>
         <p:spPr>
           <a:xfrm>
-            <a:off x="8549640" y="2423160"/>
-            <a:ext cx="3200400" cy="3291840"/>
+            <a:off x="9296400" y="2286000"/>
+            <a:ext cx="2432304" cy="3502152"/>
           </a:xfrm>
         </p:spPr>
         <p:txBody>
@@ -3137,19 +3383,17 @@
             <a:normAutofit/>
           </a:bodyPr>
           <a:lstStyle>
-            <a:lvl1pPr marL="0" indent="0">
+            <a:lvl1pPr marL="0" indent="0" algn="l">
               <a:lnSpc>
-                <a:spcPct val="100000"/>
+                <a:spcPct val="110000"/>
               </a:lnSpc>
               <a:spcBef>
-                <a:spcPts val="1000"/>
+                <a:spcPts val="800"/>
               </a:spcBef>
               <a:buNone/>
               <a:defRPr sz="1400">
                 <a:solidFill>
-                  <a:schemeClr val="accent1">
-                    <a:lumMod val="75000"/>
-                  </a:schemeClr>
+                  <a:srgbClr val="FFFFFF"/>
                 </a:solidFill>
               </a:defRPr>
             </a:lvl1pPr>
@@ -3208,105 +3452,68 @@
         <p:spPr/>
         <p:txBody>
           <a:bodyPr/>
-          <a:lstStyle/>
+          <a:lstStyle>
+            <a:lvl1pPr>
+              <a:defRPr>
+                <a:solidFill>
+                  <a:srgbClr val="FFFFFF"/>
+                </a:solidFill>
+                <a:effectLst>
+                  <a:outerShdw blurRad="12700" dist="6350" dir="2700000" algn="tl" rotWithShape="0">
+                    <a:prstClr val="black">
+                      <a:alpha val="40000"/>
+                    </a:prstClr>
+                  </a:outerShdw>
+                </a:effectLst>
+              </a:defRPr>
+            </a:lvl1pPr>
+          </a:lstStyle>
           <a:p>
             <a:fld id="{253671CB-CD2B-418D-8A03-723FF33015E4}" type="datetimeFigureOut">
               <a:rPr lang="en-US" smtClean="0"/>
-              <a:t>3/4/2020</a:t>
+              <a:t>3/7/2020</a:t>
             </a:fld>
             <a:endParaRPr lang="en-US"/>
           </a:p>
         </p:txBody>
       </p:sp>
-      <p:grpSp>
-        <p:nvGrpSpPr>
-          <p:cNvPr id="8" name="Group 7"/>
-          <p:cNvGrpSpPr>
-            <a:grpSpLocks noChangeAspect="1"/>
-          </p:cNvGrpSpPr>
-          <p:nvPr/>
-        </p:nvGrpSpPr>
-        <p:grpSpPr>
-          <a:xfrm>
-            <a:off x="11401725" y="6229681"/>
-            <a:ext cx="457200" cy="457200"/>
-            <a:chOff x="11361456" y="6195813"/>
-            <a:chExt cx="548640" cy="548640"/>
-          </a:xfrm>
-        </p:grpSpPr>
-        <p:sp>
-          <p:nvSpPr>
-            <p:cNvPr id="9" name="Oval 8"/>
-            <p:cNvSpPr/>
-            <p:nvPr/>
-          </p:nvSpPr>
-          <p:spPr>
-            <a:xfrm>
-              <a:off x="11361456" y="6195813"/>
-              <a:ext cx="548640" cy="548640"/>
-            </a:xfrm>
-            <a:prstGeom prst="ellipse">
-              <a:avLst/>
-            </a:prstGeom>
-            <a:blipFill dpi="0" rotWithShape="1">
-              <a:blip r:embed="rId4">
-                <a:duotone>
-                  <a:schemeClr val="accent1">
-                    <a:shade val="45000"/>
-                    <a:satMod val="135000"/>
-                  </a:schemeClr>
-                  <a:prstClr val="white"/>
-                </a:duotone>
-                <a:extLst>
-                  <a:ext uri="{BEBA8EAE-BF5A-486C-A8C5-ECC9F3942E4B}">
-                    <a14:imgProps xmlns:a14="http://schemas.microsoft.com/office/drawing/2010/main">
-                      <a14:imgLayer r:embed="rId5">
-                        <a14:imgEffect>
-                          <a14:saturation sat="95000"/>
-                        </a14:imgEffect>
-                        <a14:imgEffect>
-                          <a14:brightnessContrast bright="-40000" contrast="20000"/>
-                        </a14:imgEffect>
-                      </a14:imgLayer>
-                    </a14:imgProps>
-                  </a:ext>
-                </a:extLst>
-              </a:blip>
-              <a:srcRect/>
-              <a:tile tx="50800" ty="0" sx="85000" sy="85000" flip="none" algn="tl"/>
-            </a:blipFill>
-            <a:ln w="25400" cap="flat" cmpd="sng" algn="ctr">
-              <a:noFill/>
-              <a:prstDash val="solid"/>
-            </a:ln>
-            <a:effectLst/>
-          </p:spPr>
-        </p:sp>
-        <p:sp>
-          <p:nvSpPr>
-            <p:cNvPr id="10" name="Oval 9"/>
-            <p:cNvSpPr/>
-            <p:nvPr/>
-          </p:nvSpPr>
-          <p:spPr>
-            <a:xfrm>
-              <a:off x="11396488" y="6230844"/>
-              <a:ext cx="478576" cy="478578"/>
-            </a:xfrm>
-            <a:prstGeom prst="ellipse">
-              <a:avLst/>
-            </a:prstGeom>
-            <a:noFill/>
-            <a:ln w="12700" cap="flat" cmpd="sng" algn="ctr">
-              <a:solidFill>
-                <a:sysClr val="window" lastClr="FFFFFF"/>
-              </a:solidFill>
-              <a:prstDash val="solid"/>
-            </a:ln>
-            <a:effectLst/>
-          </p:spPr>
-        </p:sp>
-      </p:grpSp>
+      <p:sp>
+        <p:nvSpPr>
+          <p:cNvPr id="6" name="Footer Placeholder 5"/>
+          <p:cNvSpPr>
+            <a:spLocks noGrp="1"/>
+          </p:cNvSpPr>
+          <p:nvPr>
+            <p:ph type="ftr" sz="quarter" idx="11"/>
+          </p:nvPr>
+        </p:nvSpPr>
+        <p:spPr/>
+        <p:txBody>
+          <a:bodyPr/>
+          <a:lstStyle>
+            <a:lvl1pPr marL="0" algn="r" defTabSz="914400" rtl="0" eaLnBrk="1" latinLnBrk="0" hangingPunct="1">
+              <a:defRPr lang="en-US" sz="1000" kern="1200" dirty="0">
+                <a:solidFill>
+                  <a:srgbClr val="FFFFFF"/>
+                </a:solidFill>
+                <a:effectLst>
+                  <a:outerShdw blurRad="12700" dist="6350" dir="2700000" algn="tl" rotWithShape="0">
+                    <a:prstClr val="black">
+                      <a:alpha val="40000"/>
+                    </a:prstClr>
+                  </a:outerShdw>
+                </a:effectLst>
+                <a:latin typeface="+mn-lt"/>
+                <a:ea typeface="+mn-ea"/>
+                <a:cs typeface="+mn-cs"/>
+              </a:defRPr>
+            </a:lvl1pPr>
+          </a:lstStyle>
+          <a:p>
+            <a:endParaRPr lang="en-US" dirty="0"/>
+          </a:p>
+        </p:txBody>
+      </p:sp>
       <p:sp>
         <p:nvSpPr>
           <p:cNvPr id="7" name="Slide Number Placeholder 6"/>
@@ -3317,10 +3524,23 @@
             <p:ph type="sldNum" sz="quarter" idx="12"/>
           </p:nvPr>
         </p:nvSpPr>
-        <p:spPr/>
+        <p:spPr>
+          <a:xfrm>
+            <a:off x="10396728" y="6227064"/>
+            <a:ext cx="1463040" cy="274320"/>
+          </a:xfrm>
+        </p:spPr>
         <p:txBody>
           <a:bodyPr/>
-          <a:lstStyle/>
+          <a:lstStyle>
+            <a:lvl1pPr>
+              <a:defRPr>
+                <a:solidFill>
+                  <a:srgbClr val="FFFFFF"/>
+                </a:solidFill>
+              </a:defRPr>
+            </a:lvl1pPr>
+          </a:lstStyle>
           <a:p>
             <a:fld id="{64AB448C-341B-4459-AB0D-A81D864CCE24}" type="slidenum">
               <a:rPr lang="en-US" smtClean="0"/>
@@ -3330,10 +3550,49 @@
           </a:p>
         </p:txBody>
       </p:sp>
+      <p:sp>
+        <p:nvSpPr>
+          <p:cNvPr id="10" name="Rectangle 9"/>
+          <p:cNvSpPr/>
+          <p:nvPr/>
+        </p:nvSpPr>
+        <p:spPr>
+          <a:xfrm>
+            <a:off x="9157546" y="374904"/>
+            <a:ext cx="2651760" cy="6108192"/>
+          </a:xfrm>
+          <a:prstGeom prst="rect">
+            <a:avLst/>
+          </a:prstGeom>
+          <a:noFill/>
+          <a:ln w="6350" cap="sq">
+            <a:solidFill>
+              <a:srgbClr val="FFFFFF"/>
+            </a:solidFill>
+            <a:miter lim="800000"/>
+          </a:ln>
+        </p:spPr>
+        <p:style>
+          <a:lnRef idx="2">
+            <a:schemeClr val="accent1">
+              <a:shade val="50000"/>
+            </a:schemeClr>
+          </a:lnRef>
+          <a:fillRef idx="1">
+            <a:schemeClr val="accent1"/>
+          </a:fillRef>
+          <a:effectRef idx="0">
+            <a:schemeClr val="accent1"/>
+          </a:effectRef>
+          <a:fontRef idx="minor">
+            <a:schemeClr val="lt1"/>
+          </a:fontRef>
+        </p:style>
+      </p:sp>
     </p:spTree>
     <p:extLst>
       <p:ext uri="{BB962C8B-B14F-4D97-AF65-F5344CB8AC3E}">
-        <p14:creationId xmlns:p14="http://schemas.microsoft.com/office/powerpoint/2010/main" val="932704315"/>
+        <p14:creationId xmlns:p14="http://schemas.microsoft.com/office/powerpoint/2010/main" val="2292639500"/>
       </p:ext>
     </p:extLst>
   </p:cSld>
@@ -3347,9 +3606,12 @@
 <p:sldMaster xmlns:a="http://schemas.openxmlformats.org/drawingml/2006/main" xmlns:r="http://schemas.openxmlformats.org/officeDocument/2006/relationships" xmlns:p="http://schemas.openxmlformats.org/presentationml/2006/main">
   <p:cSld>
     <p:bg>
-      <p:bgRef idx="1001">
-        <a:schemeClr val="bg1"/>
-      </p:bgRef>
+      <p:bgPr>
+        <a:solidFill>
+          <a:schemeClr val="bg1"/>
+        </a:solidFill>
+        <a:effectLst/>
+      </p:bgPr>
     </p:bg>
     <p:spTree>
       <p:nvGrpSpPr>
@@ -3367,6 +3629,32 @@
       </p:grpSpPr>
       <p:sp>
         <p:nvSpPr>
+          <p:cNvPr id="7" name="Rectangle 6"/>
+          <p:cNvSpPr/>
+          <p:nvPr/>
+        </p:nvSpPr>
+        <p:spPr>
+          <a:xfrm>
+            <a:off x="234696" y="237744"/>
+            <a:ext cx="11722608" cy="6382512"/>
+          </a:xfrm>
+          <a:prstGeom prst="rect">
+            <a:avLst/>
+          </a:prstGeom>
+          <a:solidFill>
+            <a:schemeClr val="bg2"/>
+          </a:solidFill>
+          <a:ln w="6350" cap="flat" cmpd="sng" algn="ctr">
+            <a:noFill/>
+            <a:prstDash val="solid"/>
+          </a:ln>
+          <a:effectLst>
+            <a:softEdge rad="0"/>
+          </a:effectLst>
+        </p:spPr>
+      </p:sp>
+      <p:sp>
+        <p:nvSpPr>
           <p:cNvPr id="2" name="Title Placeholder 1"/>
           <p:cNvSpPr>
             <a:spLocks noGrp="1"/>
@@ -3377,8 +3665,8 @@
         </p:nvSpPr>
         <p:spPr>
           <a:xfrm>
-            <a:off x="1069848" y="484632"/>
-            <a:ext cx="10058400" cy="1609344"/>
+            <a:off x="1066800" y="642594"/>
+            <a:ext cx="10058400" cy="1371600"/>
           </a:xfrm>
           <a:prstGeom prst="rect">
             <a:avLst/>
@@ -3410,8 +3698,8 @@
         </p:nvSpPr>
         <p:spPr>
           <a:xfrm>
-            <a:off x="1069848" y="2121408"/>
-            <a:ext cx="10058400" cy="4050792"/>
+            <a:off x="1066800" y="2103120"/>
+            <a:ext cx="10058400" cy="3931920"/>
           </a:xfrm>
           <a:prstGeom prst="rect">
             <a:avLst/>
@@ -3472,20 +3760,23 @@
         </p:nvSpPr>
         <p:spPr>
           <a:xfrm>
-            <a:off x="7964424" y="6272784"/>
-            <a:ext cx="3273552" cy="365125"/>
+            <a:off x="274320" y="6307672"/>
+            <a:ext cx="2743200" cy="274320"/>
           </a:xfrm>
           <a:prstGeom prst="rect">
             <a:avLst/>
           </a:prstGeom>
         </p:spPr>
         <p:txBody>
-          <a:bodyPr vert="horz" lIns="91440" tIns="45720" rIns="91440" bIns="45720" rtlCol="0" anchor="ctr"/>
+          <a:bodyPr vert="horz" lIns="91440" tIns="45720" rIns="91440" bIns="45720" rtlCol="0" anchor="b"/>
           <a:lstStyle>
-            <a:lvl1pPr algn="r">
-              <a:defRPr sz="1100">
+            <a:lvl1pPr algn="l">
+              <a:defRPr sz="1000">
                 <a:solidFill>
-                  <a:schemeClr val="tx2"/>
+                  <a:schemeClr val="tx1">
+                    <a:lumMod val="75000"/>
+                    <a:lumOff val="25000"/>
+                  </a:schemeClr>
                 </a:solidFill>
               </a:defRPr>
             </a:lvl1pPr>
@@ -3493,7 +3784,7 @@
           <a:p>
             <a:fld id="{253671CB-CD2B-418D-8A03-723FF33015E4}" type="datetimeFigureOut">
               <a:rPr lang="en-US" smtClean="0"/>
-              <a:t>3/4/2020</a:t>
+              <a:t>3/7/2020</a:t>
             </a:fld>
             <a:endParaRPr lang="en-US"/>
           </a:p>
@@ -3511,20 +3802,23 @@
         </p:nvSpPr>
         <p:spPr>
           <a:xfrm>
-            <a:off x="1088136" y="6272784"/>
-            <a:ext cx="6327648" cy="365125"/>
+            <a:off x="3489960" y="6307672"/>
+            <a:ext cx="5212080" cy="274320"/>
           </a:xfrm>
           <a:prstGeom prst="rect">
             <a:avLst/>
           </a:prstGeom>
         </p:spPr>
         <p:txBody>
-          <a:bodyPr vert="horz" lIns="91440" tIns="45720" rIns="91440" bIns="45720" rtlCol="0" anchor="ctr"/>
+          <a:bodyPr vert="horz" lIns="91440" tIns="45720" rIns="91440" bIns="45720" rtlCol="0" anchor="b"/>
           <a:lstStyle>
-            <a:lvl1pPr algn="l">
-              <a:defRPr sz="1100">
+            <a:lvl1pPr algn="ctr">
+              <a:defRPr sz="1000">
                 <a:solidFill>
-                  <a:schemeClr val="tx2"/>
+                  <a:schemeClr val="tx1">
+                    <a:lumMod val="75000"/>
+                    <a:lumOff val="25000"/>
+                  </a:schemeClr>
                 </a:solidFill>
               </a:defRPr>
             </a:lvl1pPr>
@@ -3534,95 +3828,6 @@
           </a:p>
         </p:txBody>
       </p:sp>
-      <p:grpSp>
-        <p:nvGrpSpPr>
-          <p:cNvPr id="7" name="Group 6"/>
-          <p:cNvGrpSpPr>
-            <a:grpSpLocks noChangeAspect="1"/>
-          </p:cNvGrpSpPr>
-          <p:nvPr/>
-        </p:nvGrpSpPr>
-        <p:grpSpPr>
-          <a:xfrm>
-            <a:off x="11401725" y="6229681"/>
-            <a:ext cx="457200" cy="457200"/>
-            <a:chOff x="11361456" y="6195813"/>
-            <a:chExt cx="548640" cy="548640"/>
-          </a:xfrm>
-        </p:grpSpPr>
-        <p:sp>
-          <p:nvSpPr>
-            <p:cNvPr id="8" name="Oval 7"/>
-            <p:cNvSpPr/>
-            <p:nvPr/>
-          </p:nvSpPr>
-          <p:spPr>
-            <a:xfrm>
-              <a:off x="11361456" y="6195813"/>
-              <a:ext cx="548640" cy="548640"/>
-            </a:xfrm>
-            <a:prstGeom prst="ellipse">
-              <a:avLst/>
-            </a:prstGeom>
-            <a:blipFill dpi="0" rotWithShape="1">
-              <a:blip r:embed="rId13">
-                <a:duotone>
-                  <a:schemeClr val="accent1">
-                    <a:shade val="45000"/>
-                    <a:satMod val="135000"/>
-                  </a:schemeClr>
-                  <a:prstClr val="white"/>
-                </a:duotone>
-                <a:extLst>
-                  <a:ext uri="{BEBA8EAE-BF5A-486C-A8C5-ECC9F3942E4B}">
-                    <a14:imgProps xmlns:a14="http://schemas.microsoft.com/office/drawing/2010/main">
-                      <a14:imgLayer r:embed="rId14">
-                        <a14:imgEffect>
-                          <a14:saturation sat="95000"/>
-                        </a14:imgEffect>
-                        <a14:imgEffect>
-                          <a14:brightnessContrast bright="-40000" contrast="20000"/>
-                        </a14:imgEffect>
-                      </a14:imgLayer>
-                    </a14:imgProps>
-                  </a:ext>
-                </a:extLst>
-              </a:blip>
-              <a:srcRect/>
-              <a:tile tx="50800" ty="0" sx="85000" sy="85000" flip="none" algn="tl"/>
-            </a:blipFill>
-            <a:ln w="25400" cap="flat" cmpd="sng" algn="ctr">
-              <a:noFill/>
-              <a:prstDash val="solid"/>
-            </a:ln>
-            <a:effectLst/>
-          </p:spPr>
-        </p:sp>
-        <p:sp>
-          <p:nvSpPr>
-            <p:cNvPr id="9" name="Oval 8"/>
-            <p:cNvSpPr/>
-            <p:nvPr/>
-          </p:nvSpPr>
-          <p:spPr>
-            <a:xfrm>
-              <a:off x="11396488" y="6230844"/>
-              <a:ext cx="478576" cy="478578"/>
-            </a:xfrm>
-            <a:prstGeom prst="ellipse">
-              <a:avLst/>
-            </a:prstGeom>
-            <a:noFill/>
-            <a:ln w="12700" cap="flat" cmpd="sng" algn="ctr">
-              <a:solidFill>
-                <a:srgbClr val="FFFFFF"/>
-              </a:solidFill>
-              <a:prstDash val="solid"/>
-            </a:ln>
-            <a:effectLst/>
-          </p:spPr>
-        </p:sp>
-      </p:grpSp>
       <p:sp>
         <p:nvSpPr>
           <p:cNvPr id="6" name="Slide Number Placeholder 5"/>
@@ -3635,22 +3840,24 @@
         </p:nvSpPr>
         <p:spPr>
           <a:xfrm>
-            <a:off x="11311128" y="6272784"/>
-            <a:ext cx="640080" cy="365125"/>
+            <a:off x="10469880" y="6307672"/>
+            <a:ext cx="1463040" cy="274320"/>
           </a:xfrm>
           <a:prstGeom prst="rect">
             <a:avLst/>
           </a:prstGeom>
         </p:spPr>
         <p:txBody>
-          <a:bodyPr vert="horz" lIns="91440" tIns="45720" rIns="91440" bIns="45720" rtlCol="0" anchor="ctr"/>
+          <a:bodyPr vert="horz" lIns="91440" tIns="45720" rIns="91440" bIns="45720" rtlCol="0" anchor="b"/>
           <a:lstStyle>
-            <a:lvl1pPr algn="ctr">
-              <a:defRPr sz="1400" b="1">
+            <a:lvl1pPr algn="r">
+              <a:defRPr sz="1000">
                 <a:solidFill>
-                  <a:srgbClr val="FFFFFF"/>
+                  <a:schemeClr val="tx1">
+                    <a:lumMod val="75000"/>
+                    <a:lumOff val="25000"/>
+                  </a:schemeClr>
                 </a:solidFill>
-                <a:latin typeface="+mj-lt"/>
               </a:defRPr>
             </a:lvl1pPr>
           </a:lstStyle>
@@ -3666,23 +3873,23 @@
     </p:spTree>
     <p:extLst>
       <p:ext uri="{BB962C8B-B14F-4D97-AF65-F5344CB8AC3E}">
-        <p14:creationId xmlns:p14="http://schemas.microsoft.com/office/powerpoint/2010/main" val="1711085719"/>
+        <p14:creationId xmlns:p14="http://schemas.microsoft.com/office/powerpoint/2010/main" val="3631956445"/>
       </p:ext>
     </p:extLst>
   </p:cSld>
   <p:clrMap bg1="lt1" tx1="dk1" bg2="lt2" tx2="dk2" accent1="accent1" accent2="accent2" accent3="accent3" accent4="accent4" accent5="accent5" accent6="accent6" hlink="hlink" folHlink="folHlink"/>
   <p:sldLayoutIdLst>
-    <p:sldLayoutId id="2147484081" r:id="rId1"/>
-    <p:sldLayoutId id="2147484082" r:id="rId2"/>
-    <p:sldLayoutId id="2147484083" r:id="rId3"/>
-    <p:sldLayoutId id="2147484084" r:id="rId4"/>
-    <p:sldLayoutId id="2147484085" r:id="rId5"/>
-    <p:sldLayoutId id="2147484086" r:id="rId6"/>
-    <p:sldLayoutId id="2147484087" r:id="rId7"/>
-    <p:sldLayoutId id="2147484088" r:id="rId8"/>
-    <p:sldLayoutId id="2147484089" r:id="rId9"/>
-    <p:sldLayoutId id="2147484090" r:id="rId10"/>
-    <p:sldLayoutId id="2147484091" r:id="rId11"/>
+    <p:sldLayoutId id="2147484094" r:id="rId1"/>
+    <p:sldLayoutId id="2147484095" r:id="rId2"/>
+    <p:sldLayoutId id="2147484096" r:id="rId3"/>
+    <p:sldLayoutId id="2147484097" r:id="rId4"/>
+    <p:sldLayoutId id="2147484098" r:id="rId5"/>
+    <p:sldLayoutId id="2147484099" r:id="rId6"/>
+    <p:sldLayoutId id="2147484100" r:id="rId7"/>
+    <p:sldLayoutId id="2147484101" r:id="rId8"/>
+    <p:sldLayoutId id="2147484102" r:id="rId9"/>
+    <p:sldLayoutId id="2147484103" r:id="rId10"/>
+    <p:sldLayoutId id="2147484104" r:id="rId11"/>
   </p:sldLayoutIdLst>
   <p:txStyles>
     <p:titleStyle>
@@ -3694,40 +3901,40 @@
           <a:spcPct val="0"/>
         </a:spcBef>
         <a:buNone/>
-        <a:defRPr sz="5400" kern="1200" cap="all" baseline="0">
-          <a:blipFill>
-            <a:blip r:embed="rId15">
-              <a:extLst>
-                <a:ext uri="{28A0092B-C50C-407E-A947-70E740481C1C}">
-                  <a14:useLocalDpi xmlns:a14="http://schemas.microsoft.com/office/drawing/2010/main" val="0"/>
-                </a:ext>
-              </a:extLst>
-            </a:blip>
-            <a:tile tx="6350" ty="-127000" sx="65000" sy="64000" flip="none" algn="tl"/>
-          </a:blipFill>
+        <a:defRPr lang="en-US" sz="4800" kern="1200" cap="none" spc="0" baseline="0" dirty="0">
+          <a:solidFill>
+            <a:schemeClr val="tx1">
+              <a:lumMod val="85000"/>
+              <a:lumOff val="15000"/>
+            </a:schemeClr>
+          </a:solidFill>
+          <a:effectLst/>
           <a:latin typeface="+mj-lt"/>
-          <a:ea typeface="+mj-ea"/>
-          <a:cs typeface="+mj-cs"/>
+          <a:ea typeface="+mn-ea"/>
+          <a:cs typeface="+mn-cs"/>
         </a:defRPr>
       </a:lvl1pPr>
     </p:titleStyle>
     <p:bodyStyle>
       <a:lvl1pPr marL="182880" indent="-182880" algn="l" defTabSz="914400" rtl="0" eaLnBrk="1" latinLnBrk="0" hangingPunct="1">
         <a:lnSpc>
-          <a:spcPct val="90000"/>
+          <a:spcPct val="100000"/>
         </a:lnSpc>
         <a:spcBef>
-          <a:spcPts val="1200"/>
+          <a:spcPts val="900"/>
         </a:spcBef>
+        <a:spcAft>
+          <a:spcPts val="0"/>
+        </a:spcAft>
         <a:buClr>
-          <a:schemeClr val="accent1">
-            <a:lumMod val="75000"/>
+          <a:schemeClr val="tx1">
+            <a:lumMod val="85000"/>
+            <a:lumOff val="15000"/>
           </a:schemeClr>
         </a:buClr>
-        <a:buSzPct val="85000"/>
-        <a:buFont typeface="Wingdings" pitchFamily="2" charset="2"/>
-        <a:buChar char="§"/>
-        <a:defRPr sz="2000" kern="1200">
+        <a:buFont typeface="Garamond" pitchFamily="18" charset="0"/>
+        <a:buChar char="◦"/>
+        <a:defRPr sz="1800" kern="1200">
           <a:solidFill>
             <a:schemeClr val="tx1"/>
           </a:solidFill>
@@ -3738,23 +3945,20 @@
       </a:lvl1pPr>
       <a:lvl2pPr marL="457200" indent="-182880" algn="l" defTabSz="914400" rtl="0" eaLnBrk="1" latinLnBrk="0" hangingPunct="1">
         <a:lnSpc>
-          <a:spcPct val="90000"/>
+          <a:spcPct val="100000"/>
         </a:lnSpc>
         <a:spcBef>
-          <a:spcPts val="400"/>
+          <a:spcPts val="500"/>
         </a:spcBef>
-        <a:spcAft>
-          <a:spcPts val="200"/>
-        </a:spcAft>
         <a:buClr>
-          <a:schemeClr val="accent1">
-            <a:lumMod val="75000"/>
+          <a:schemeClr val="tx1">
+            <a:lumMod val="85000"/>
+            <a:lumOff val="15000"/>
           </a:schemeClr>
         </a:buClr>
-        <a:buSzPct val="85000"/>
-        <a:buFont typeface="Wingdings" pitchFamily="2" charset="2"/>
-        <a:buChar char="§"/>
-        <a:defRPr sz="1800" kern="1200">
+        <a:buFont typeface="Garamond" pitchFamily="18" charset="0"/>
+        <a:buChar char="◦"/>
+        <a:defRPr sz="1600" kern="1200">
           <a:solidFill>
             <a:schemeClr val="tx1"/>
           </a:solidFill>
@@ -3765,23 +3969,20 @@
       </a:lvl2pPr>
       <a:lvl3pPr marL="731520" indent="-182880" algn="l" defTabSz="914400" rtl="0" eaLnBrk="1" latinLnBrk="0" hangingPunct="1">
         <a:lnSpc>
-          <a:spcPct val="90000"/>
+          <a:spcPct val="100000"/>
         </a:lnSpc>
         <a:spcBef>
-          <a:spcPts val="400"/>
+          <a:spcPts val="500"/>
         </a:spcBef>
-        <a:spcAft>
-          <a:spcPts val="200"/>
-        </a:spcAft>
         <a:buClr>
-          <a:schemeClr val="accent1">
-            <a:lumMod val="75000"/>
+          <a:schemeClr val="tx1">
+            <a:lumMod val="85000"/>
+            <a:lumOff val="15000"/>
           </a:schemeClr>
         </a:buClr>
-        <a:buSzPct val="85000"/>
-        <a:buFont typeface="Wingdings" pitchFamily="2" charset="2"/>
-        <a:buChar char="§"/>
-        <a:defRPr sz="1600" kern="1200">
+        <a:buFont typeface="Garamond" pitchFamily="18" charset="0"/>
+        <a:buChar char="◦"/>
+        <a:defRPr sz="1400" kern="1200">
           <a:solidFill>
             <a:schemeClr val="tx1"/>
           </a:solidFill>
@@ -3792,23 +3993,20 @@
       </a:lvl3pPr>
       <a:lvl4pPr marL="1005840" indent="-182880" algn="l" defTabSz="914400" rtl="0" eaLnBrk="1" latinLnBrk="0" hangingPunct="1">
         <a:lnSpc>
-          <a:spcPct val="90000"/>
+          <a:spcPct val="100000"/>
         </a:lnSpc>
         <a:spcBef>
-          <a:spcPts val="400"/>
+          <a:spcPts val="500"/>
         </a:spcBef>
-        <a:spcAft>
-          <a:spcPts val="200"/>
-        </a:spcAft>
         <a:buClr>
-          <a:schemeClr val="accent1">
-            <a:lumMod val="75000"/>
+          <a:schemeClr val="tx1">
+            <a:lumMod val="85000"/>
+            <a:lumOff val="15000"/>
           </a:schemeClr>
         </a:buClr>
-        <a:buSzPct val="85000"/>
-        <a:buFont typeface="Wingdings" pitchFamily="2" charset="2"/>
-        <a:buChar char="§"/>
-        <a:defRPr sz="1600" kern="1200">
+        <a:buFont typeface="Garamond" pitchFamily="18" charset="0"/>
+        <a:buChar char="◦"/>
+        <a:defRPr sz="1400" kern="1200">
           <a:solidFill>
             <a:schemeClr val="tx1"/>
           </a:solidFill>
@@ -3819,23 +4017,20 @@
       </a:lvl4pPr>
       <a:lvl5pPr marL="1280160" indent="-182880" algn="l" defTabSz="914400" rtl="0" eaLnBrk="1" latinLnBrk="0" hangingPunct="1">
         <a:lnSpc>
-          <a:spcPct val="90000"/>
+          <a:spcPct val="100000"/>
         </a:lnSpc>
         <a:spcBef>
-          <a:spcPts val="400"/>
+          <a:spcPts val="500"/>
         </a:spcBef>
-        <a:spcAft>
-          <a:spcPts val="200"/>
-        </a:spcAft>
         <a:buClr>
-          <a:schemeClr val="accent1">
-            <a:lumMod val="75000"/>
+          <a:schemeClr val="tx1">
+            <a:lumMod val="85000"/>
+            <a:lumOff val="15000"/>
           </a:schemeClr>
         </a:buClr>
-        <a:buSzPct val="85000"/>
-        <a:buFont typeface="Wingdings" pitchFamily="2" charset="2"/>
-        <a:buChar char="§"/>
-        <a:defRPr sz="1600" kern="1200">
+        <a:buFont typeface="Garamond" pitchFamily="18" charset="0"/>
+        <a:buChar char="◦"/>
+        <a:defRPr sz="1400" kern="1200">
           <a:solidFill>
             <a:schemeClr val="tx1"/>
           </a:solidFill>
@@ -3846,23 +4041,20 @@
       </a:lvl5pPr>
       <a:lvl6pPr marL="1600000" indent="-228600" algn="l" defTabSz="914400" rtl="0" eaLnBrk="1" latinLnBrk="0" hangingPunct="1">
         <a:lnSpc>
-          <a:spcPct val="90000"/>
+          <a:spcPct val="100000"/>
         </a:lnSpc>
         <a:spcBef>
-          <a:spcPts val="400"/>
+          <a:spcPts val="500"/>
         </a:spcBef>
-        <a:spcAft>
-          <a:spcPts val="200"/>
-        </a:spcAft>
         <a:buClr>
-          <a:schemeClr val="accent1">
-            <a:lumMod val="75000"/>
+          <a:schemeClr val="tx1">
+            <a:lumMod val="85000"/>
+            <a:lumOff val="15000"/>
           </a:schemeClr>
         </a:buClr>
-        <a:buSzPct val="85000"/>
-        <a:buFont typeface="Wingdings" pitchFamily="2" charset="2"/>
-        <a:buChar char="§"/>
-        <a:defRPr sz="1600" kern="1200">
+        <a:buFont typeface="Garamond" pitchFamily="18" charset="0"/>
+        <a:buChar char="◦"/>
+        <a:defRPr sz="1400" kern="1200">
           <a:solidFill>
             <a:schemeClr val="tx1"/>
           </a:solidFill>
@@ -3873,23 +4065,20 @@
       </a:lvl6pPr>
       <a:lvl7pPr marL="1900000" indent="-228600" algn="l" defTabSz="914400" rtl="0" eaLnBrk="1" latinLnBrk="0" hangingPunct="1">
         <a:lnSpc>
-          <a:spcPct val="90000"/>
+          <a:spcPct val="100000"/>
         </a:lnSpc>
         <a:spcBef>
-          <a:spcPts val="400"/>
+          <a:spcPts val="500"/>
         </a:spcBef>
-        <a:spcAft>
-          <a:spcPts val="200"/>
-        </a:spcAft>
         <a:buClr>
-          <a:schemeClr val="accent1">
-            <a:lumMod val="75000"/>
+          <a:schemeClr val="tx1">
+            <a:lumMod val="85000"/>
+            <a:lumOff val="15000"/>
           </a:schemeClr>
         </a:buClr>
-        <a:buSzPct val="85000"/>
-        <a:buFont typeface="Wingdings" pitchFamily="2" charset="2"/>
-        <a:buChar char="§"/>
-        <a:defRPr sz="1600" kern="1200">
+        <a:buFont typeface="Garamond" pitchFamily="18" charset="0"/>
+        <a:buChar char="◦"/>
+        <a:defRPr sz="1400" kern="1200">
           <a:solidFill>
             <a:schemeClr val="tx1"/>
           </a:solidFill>
@@ -3900,23 +4089,20 @@
       </a:lvl7pPr>
       <a:lvl8pPr marL="2200000" indent="-228600" algn="l" defTabSz="914400" rtl="0" eaLnBrk="1" latinLnBrk="0" hangingPunct="1">
         <a:lnSpc>
-          <a:spcPct val="90000"/>
+          <a:spcPct val="100000"/>
         </a:lnSpc>
         <a:spcBef>
-          <a:spcPts val="400"/>
+          <a:spcPts val="500"/>
         </a:spcBef>
-        <a:spcAft>
-          <a:spcPts val="200"/>
-        </a:spcAft>
         <a:buClr>
-          <a:schemeClr val="accent1">
-            <a:lumMod val="75000"/>
+          <a:schemeClr val="tx1">
+            <a:lumMod val="85000"/>
+            <a:lumOff val="15000"/>
           </a:schemeClr>
         </a:buClr>
-        <a:buSzPct val="85000"/>
-        <a:buFont typeface="Wingdings" pitchFamily="2" charset="2"/>
-        <a:buChar char="§"/>
-        <a:defRPr sz="1600" kern="1200">
+        <a:buFont typeface="Garamond" pitchFamily="18" charset="0"/>
+        <a:buChar char="◦"/>
+        <a:defRPr sz="1400" kern="1200">
           <a:solidFill>
             <a:schemeClr val="tx1"/>
           </a:solidFill>
@@ -3927,23 +4113,20 @@
       </a:lvl8pPr>
       <a:lvl9pPr marL="2500000" indent="-228600" algn="l" defTabSz="914400" rtl="0" eaLnBrk="1" latinLnBrk="0" hangingPunct="1">
         <a:lnSpc>
-          <a:spcPct val="90000"/>
+          <a:spcPct val="100000"/>
         </a:lnSpc>
         <a:spcBef>
-          <a:spcPts val="400"/>
+          <a:spcPts val="500"/>
         </a:spcBef>
-        <a:spcAft>
-          <a:spcPts val="200"/>
-        </a:spcAft>
         <a:buClr>
-          <a:schemeClr val="accent1">
-            <a:lumMod val="75000"/>
+          <a:schemeClr val="tx1">
+            <a:lumMod val="85000"/>
+            <a:lumOff val="15000"/>
           </a:schemeClr>
         </a:buClr>
-        <a:buSzPct val="85000"/>
-        <a:buFont typeface="Wingdings" pitchFamily="2" charset="2"/>
-        <a:buChar char="§"/>
-        <a:defRPr sz="1600" kern="1200">
+        <a:buFont typeface="Garamond" pitchFamily="18" charset="0"/>
+        <a:buChar char="◦"/>
+        <a:defRPr sz="1400" kern="1200">
           <a:solidFill>
             <a:schemeClr val="tx1"/>
           </a:solidFill>
@@ -4076,74 +4259,427 @@
       </p:grpSpPr>
       <p:sp>
         <p:nvSpPr>
-          <p:cNvPr id="2" name="Title 1"/>
-          <p:cNvSpPr>
-            <a:spLocks noGrp="1"/>
-          </p:cNvSpPr>
-          <p:nvPr>
-            <p:ph type="ctrTitle"/>
-          </p:nvPr>
-        </p:nvSpPr>
-        <p:spPr>
-          <a:xfrm>
-            <a:off x="1051560" y="2511846"/>
-            <a:ext cx="9966960" cy="1145754"/>
+          <p:cNvPr id="3" name="Content Placeholder 2"/>
+          <p:cNvSpPr>
+            <a:spLocks noGrp="1"/>
+          </p:cNvSpPr>
+          <p:nvPr>
+            <p:ph idx="1"/>
+          </p:nvPr>
+        </p:nvSpPr>
+        <p:spPr>
+          <a:xfrm>
+            <a:off x="782198" y="892366"/>
+            <a:ext cx="10346050" cy="5279834"/>
           </a:xfrm>
         </p:spPr>
         <p:txBody>
           <a:bodyPr/>
           <a:lstStyle/>
           <a:p>
-            <a:r>
-              <a:rPr lang="en-US" dirty="0" smtClean="0"/>
-              <a:t>120 years Olympic data analysis</a:t>
-            </a:r>
-            <a:endParaRPr lang="en-US" dirty="0"/>
-          </a:p>
-        </p:txBody>
-      </p:sp>
-      <p:sp>
-        <p:nvSpPr>
-          <p:cNvPr id="3" name="Subtitle 2"/>
-          <p:cNvSpPr>
-            <a:spLocks noGrp="1"/>
-          </p:cNvSpPr>
-          <p:nvPr>
-            <p:ph type="subTitle" idx="1"/>
-          </p:nvPr>
-        </p:nvSpPr>
-        <p:spPr>
-          <a:xfrm>
-            <a:off x="6775373" y="5607587"/>
-            <a:ext cx="5416628" cy="638978"/>
-          </a:xfrm>
-        </p:spPr>
-        <p:txBody>
-          <a:bodyPr>
-            <a:normAutofit/>
-          </a:bodyPr>
-          <a:lstStyle/>
-          <a:p>
-            <a:r>
-              <a:rPr lang="en-US" b="1" dirty="0" smtClean="0">
+            <a:pPr marL="0" indent="0">
+              <a:buNone/>
+            </a:pPr>
+            <a:r>
+              <a:rPr lang="en-US" sz="2000" b="1" dirty="0" smtClean="0">
+                <a:latin typeface="+mj-lt"/>
+              </a:rPr>
+              <a:t>Aim:</a:t>
+            </a:r>
+          </a:p>
+          <a:p>
+            <a:pPr marL="0" indent="0">
+              <a:buNone/>
+            </a:pPr>
+            <a:r>
+              <a:rPr lang="en-US" sz="1800" dirty="0">
                 <a:solidFill>
-                  <a:schemeClr val="tx1"/>
+                  <a:srgbClr val="324146"/>
                 </a:solidFill>
+                <a:latin typeface="Verdana"/>
+                <a:ea typeface="Playfair Display Black" charset="0"/>
+                <a:cs typeface="Arial" panose="020B0604020202020204" pitchFamily="34" charset="0"/>
               </a:rPr>
-              <a:t>SOWMYA.YALAVARTHI</a:t>
-            </a:r>
+              <a:t> </a:t>
+            </a:r>
+            <a:r>
+              <a:rPr lang="en-US" sz="1800" dirty="0" smtClean="0">
+                <a:solidFill>
+                  <a:srgbClr val="324146"/>
+                </a:solidFill>
+                <a:latin typeface="Verdana"/>
+                <a:ea typeface="Playfair Display Black" charset="0"/>
+                <a:cs typeface="Arial" panose="020B0604020202020204" pitchFamily="34" charset="0"/>
+              </a:rPr>
+              <a:t> To </a:t>
+            </a:r>
+            <a:r>
+              <a:rPr lang="en-US" sz="1800" dirty="0">
+                <a:solidFill>
+                  <a:srgbClr val="324146"/>
+                </a:solidFill>
+                <a:latin typeface="Verdana"/>
+                <a:ea typeface="Playfair Display Black" charset="0"/>
+                <a:cs typeface="Arial" panose="020B0604020202020204" pitchFamily="34" charset="0"/>
+              </a:rPr>
+              <a:t>Transform and Analyze the Olympic Data set converting into a practical implementable data model using the appropriate technologies. </a:t>
+            </a:r>
+            <a:endParaRPr lang="en-US" sz="1800" dirty="0" smtClean="0">
+              <a:solidFill>
+                <a:srgbClr val="324146"/>
+              </a:solidFill>
+              <a:latin typeface="Verdana"/>
+              <a:ea typeface="Playfair Display Black" charset="0"/>
+              <a:cs typeface="Arial" panose="020B0604020202020204" pitchFamily="34" charset="0"/>
+            </a:endParaRPr>
+          </a:p>
+          <a:p>
+            <a:pPr marL="0" indent="0">
+              <a:buNone/>
+            </a:pPr>
+            <a:r>
+              <a:rPr lang="en-US" sz="2000" b="1" dirty="0" smtClean="0">
+                <a:solidFill>
+                  <a:srgbClr val="324146"/>
+                </a:solidFill>
+                <a:latin typeface="+mj-lt"/>
+                <a:ea typeface="Playfair Display Black" charset="0"/>
+                <a:cs typeface="Arial" panose="020B0604020202020204" pitchFamily="34" charset="0"/>
+              </a:rPr>
+              <a:t>Steps:</a:t>
+            </a:r>
+          </a:p>
+          <a:p>
+            <a:pPr>
+              <a:buFont typeface="Arial" panose="020B0604020202020204" pitchFamily="34" charset="0"/>
+              <a:buChar char="•"/>
+            </a:pPr>
+            <a:r>
+              <a:rPr lang="en-US" dirty="0" smtClean="0">
+                <a:solidFill>
+                  <a:srgbClr val="324146"/>
+                </a:solidFill>
+                <a:latin typeface="Verdana" panose="020B0604030504040204" pitchFamily="34" charset="0"/>
+                <a:ea typeface="Verdana" panose="020B0604030504040204" pitchFamily="34" charset="0"/>
+                <a:cs typeface="Arial" panose="020B0604020202020204" pitchFamily="34" charset="0"/>
+              </a:rPr>
+              <a:t>Data Cleaning</a:t>
+            </a:r>
+          </a:p>
+          <a:p>
+            <a:pPr lvl="0">
+              <a:spcBef>
+                <a:spcPct val="0"/>
+              </a:spcBef>
+              <a:buClrTx/>
+              <a:buSzTx/>
+              <a:buFont typeface="Arial" panose="020B0604020202020204" pitchFamily="34" charset="0"/>
+              <a:buChar char="•"/>
+              <a:defRPr/>
+            </a:pPr>
+            <a:r>
+              <a:rPr lang="en-US" dirty="0" smtClean="0">
+                <a:solidFill>
+                  <a:srgbClr val="324146"/>
+                </a:solidFill>
+                <a:latin typeface="Verdana" panose="020B0604030504040204" pitchFamily="34" charset="0"/>
+                <a:ea typeface="Verdana" panose="020B0604030504040204" pitchFamily="34" charset="0"/>
+                <a:cs typeface="Arial" panose="020B0604020202020204" pitchFamily="34" charset="0"/>
+              </a:rPr>
+              <a:t>Data Modelling</a:t>
+            </a:r>
+          </a:p>
+          <a:p>
+            <a:pPr lvl="0">
+              <a:spcBef>
+                <a:spcPct val="0"/>
+              </a:spcBef>
+              <a:buClrTx/>
+              <a:buSzTx/>
+              <a:buFont typeface="Arial" panose="020B0604020202020204" pitchFamily="34" charset="0"/>
+              <a:buChar char="•"/>
+              <a:defRPr/>
+            </a:pPr>
+            <a:r>
+              <a:rPr lang="en-US" dirty="0" smtClean="0">
+                <a:solidFill>
+                  <a:srgbClr val="324146"/>
+                </a:solidFill>
+                <a:latin typeface="Verdana" panose="020B0604030504040204" pitchFamily="34" charset="0"/>
+                <a:ea typeface="Verdana" panose="020B0604030504040204" pitchFamily="34" charset="0"/>
+                <a:cs typeface="Arial" panose="020B0604020202020204" pitchFamily="34" charset="0"/>
+              </a:rPr>
+              <a:t>Data Loading</a:t>
+            </a:r>
+          </a:p>
+          <a:p>
+            <a:pPr lvl="0">
+              <a:spcBef>
+                <a:spcPct val="0"/>
+              </a:spcBef>
+              <a:buClrTx/>
+              <a:buSzTx/>
+              <a:buFont typeface="Arial" panose="020B0604020202020204" pitchFamily="34" charset="0"/>
+              <a:buChar char="•"/>
+              <a:defRPr/>
+            </a:pPr>
+            <a:r>
+              <a:rPr lang="en-US" dirty="0" smtClean="0">
+                <a:solidFill>
+                  <a:srgbClr val="324146"/>
+                </a:solidFill>
+                <a:latin typeface="Verdana" panose="020B0604030504040204" pitchFamily="34" charset="0"/>
+                <a:ea typeface="Verdana" panose="020B0604030504040204" pitchFamily="34" charset="0"/>
+                <a:cs typeface="Arial" panose="020B0604020202020204" pitchFamily="34" charset="0"/>
+              </a:rPr>
+              <a:t>Data Analysis</a:t>
+            </a:r>
+            <a:endParaRPr lang="en-US" dirty="0">
+              <a:solidFill>
+                <a:schemeClr val="tx1">
+                  <a:lumMod val="75000"/>
+                  <a:lumOff val="25000"/>
+                </a:schemeClr>
+              </a:solidFill>
+              <a:latin typeface="Verdana" panose="020B0604030504040204" pitchFamily="34" charset="0"/>
+              <a:ea typeface="Verdana" panose="020B0604030504040204" pitchFamily="34" charset="0"/>
+              <a:cs typeface="Arial" panose="020B0604020202020204" pitchFamily="34" charset="0"/>
+            </a:endParaRPr>
+          </a:p>
+          <a:p>
+            <a:pPr marL="0" indent="0">
+              <a:buNone/>
+            </a:pPr>
+            <a:r>
+              <a:rPr lang="en-US" sz="2000" b="1" dirty="0">
+                <a:solidFill>
+                  <a:schemeClr val="tx1">
+                    <a:lumMod val="95000"/>
+                    <a:lumOff val="5000"/>
+                  </a:schemeClr>
+                </a:solidFill>
+                <a:latin typeface="+mj-lt"/>
+                <a:ea typeface="Playfair Display Black" charset="0"/>
+                <a:cs typeface="Arial" panose="020B0604020202020204" pitchFamily="34" charset="0"/>
+              </a:rPr>
+              <a:t>Technologies Used</a:t>
+            </a:r>
+            <a:r>
+              <a:rPr lang="en-US" sz="2000" b="1" dirty="0" smtClean="0">
+                <a:solidFill>
+                  <a:schemeClr val="tx1">
+                    <a:lumMod val="95000"/>
+                    <a:lumOff val="5000"/>
+                  </a:schemeClr>
+                </a:solidFill>
+                <a:latin typeface="+mj-lt"/>
+                <a:ea typeface="Playfair Display Black" charset="0"/>
+                <a:cs typeface="Arial" panose="020B0604020202020204" pitchFamily="34" charset="0"/>
+              </a:rPr>
+              <a:t>:</a:t>
+            </a:r>
+          </a:p>
+          <a:p>
+            <a:pPr marL="0" indent="0">
+              <a:buNone/>
+            </a:pPr>
+            <a:endParaRPr lang="en-US" b="1" dirty="0" smtClean="0">
+              <a:solidFill>
+                <a:schemeClr val="tx1">
+                  <a:lumMod val="95000"/>
+                  <a:lumOff val="5000"/>
+                </a:schemeClr>
+              </a:solidFill>
+              <a:latin typeface="Verdana"/>
+              <a:ea typeface="Playfair Display Black" charset="0"/>
+              <a:cs typeface="Arial" panose="020B0604020202020204" pitchFamily="34" charset="0"/>
+            </a:endParaRPr>
+          </a:p>
+          <a:p>
+            <a:pPr marL="171450" lvl="0" indent="-171450">
+              <a:spcBef>
+                <a:spcPct val="0"/>
+              </a:spcBef>
+              <a:spcAft>
+                <a:spcPts val="800"/>
+              </a:spcAft>
+              <a:buClrTx/>
+              <a:buSzTx/>
+              <a:buFont typeface="Arial" panose="020B0604020202020204" pitchFamily="34" charset="0"/>
+              <a:buChar char="•"/>
+              <a:defRPr/>
+            </a:pPr>
+            <a:r>
+              <a:rPr lang="en-US" sz="1800" dirty="0" smtClean="0">
+                <a:solidFill>
+                  <a:srgbClr val="324146"/>
+                </a:solidFill>
+                <a:latin typeface="Verdana" panose="020B0604030504040204" pitchFamily="34" charset="0"/>
+                <a:ea typeface="Verdana" panose="020B0604030504040204" pitchFamily="34" charset="0"/>
+                <a:cs typeface="Arial" panose="020B0604020202020204" pitchFamily="34" charset="0"/>
+              </a:rPr>
+              <a:t>ETL Tool- Talend</a:t>
+            </a:r>
+          </a:p>
+          <a:p>
+            <a:pPr marL="171450" lvl="0" indent="-171450" algn="just">
+              <a:spcBef>
+                <a:spcPct val="0"/>
+              </a:spcBef>
+              <a:spcAft>
+                <a:spcPts val="800"/>
+              </a:spcAft>
+              <a:buClrTx/>
+              <a:buSzTx/>
+              <a:buFont typeface="Arial" panose="020B0604020202020204" pitchFamily="34" charset="0"/>
+              <a:buChar char="•"/>
+              <a:defRPr/>
+            </a:pPr>
+            <a:r>
+              <a:rPr lang="en-US" sz="1800" dirty="0" smtClean="0">
+                <a:solidFill>
+                  <a:srgbClr val="324146"/>
+                </a:solidFill>
+                <a:latin typeface="Verdana" panose="020B0604030504040204" pitchFamily="34" charset="0"/>
+                <a:ea typeface="Verdana" panose="020B0604030504040204" pitchFamily="34" charset="0"/>
+                <a:cs typeface="Arial" panose="020B0604020202020204" pitchFamily="34" charset="0"/>
+              </a:rPr>
+              <a:t>Apache Hive</a:t>
+            </a:r>
+          </a:p>
+          <a:p>
+            <a:pPr marL="171450" lvl="0" indent="-171450">
+              <a:spcBef>
+                <a:spcPct val="0"/>
+              </a:spcBef>
+              <a:spcAft>
+                <a:spcPts val="800"/>
+              </a:spcAft>
+              <a:buClrTx/>
+              <a:buSzTx/>
+              <a:buFont typeface="Arial" panose="020B0604020202020204" pitchFamily="34" charset="0"/>
+              <a:buChar char="•"/>
+              <a:defRPr/>
+            </a:pPr>
+            <a:r>
+              <a:rPr lang="en-US" sz="1800" dirty="0" smtClean="0">
+                <a:solidFill>
+                  <a:srgbClr val="324146"/>
+                </a:solidFill>
+                <a:latin typeface="Verdana" panose="020B0604030504040204" pitchFamily="34" charset="0"/>
+                <a:ea typeface="Verdana" panose="020B0604030504040204" pitchFamily="34" charset="0"/>
+                <a:cs typeface="Arial" panose="020B0604020202020204" pitchFamily="34" charset="0"/>
+              </a:rPr>
+              <a:t>Data bricks</a:t>
+            </a:r>
+          </a:p>
+          <a:p>
+            <a:pPr marL="0" lvl="0" indent="0">
+              <a:lnSpc>
+                <a:spcPct val="85000"/>
+              </a:lnSpc>
+              <a:spcBef>
+                <a:spcPct val="0"/>
+              </a:spcBef>
+              <a:spcAft>
+                <a:spcPts val="800"/>
+              </a:spcAft>
+              <a:buClrTx/>
+              <a:buSzTx/>
+              <a:buNone/>
+              <a:defRPr/>
+            </a:pPr>
+            <a:endParaRPr lang="en-US" sz="1800" dirty="0">
+              <a:solidFill>
+                <a:srgbClr val="324146"/>
+              </a:solidFill>
+              <a:latin typeface="Verdana" panose="020B0604030504040204" pitchFamily="34" charset="0"/>
+              <a:ea typeface="Verdana" panose="020B0604030504040204" pitchFamily="34" charset="0"/>
+              <a:cs typeface="Arial" panose="020B0604020202020204" pitchFamily="34" charset="0"/>
+            </a:endParaRPr>
+          </a:p>
+          <a:p>
+            <a:pPr marL="0" indent="0">
+              <a:buNone/>
+            </a:pPr>
             <a:endParaRPr lang="en-US" b="1" dirty="0">
               <a:solidFill>
-                <a:schemeClr val="tx1"/>
+                <a:schemeClr val="tx1">
+                  <a:lumMod val="95000"/>
+                  <a:lumOff val="5000"/>
+                </a:schemeClr>
               </a:solidFill>
+              <a:latin typeface="Verdana"/>
+              <a:ea typeface="Playfair Display Black" charset="0"/>
+              <a:cs typeface="Arial" panose="020B0604020202020204" pitchFamily="34" charset="0"/>
             </a:endParaRPr>
           </a:p>
-        </p:txBody>
-      </p:sp>
+          <a:p>
+            <a:pPr marL="0" indent="0">
+              <a:buNone/>
+            </a:pPr>
+            <a:endParaRPr lang="en-US" dirty="0"/>
+          </a:p>
+        </p:txBody>
+      </p:sp>
+      <p:pic>
+        <p:nvPicPr>
+          <p:cNvPr id="4" name="Content Placeholder 3"/>
+          <p:cNvPicPr>
+            <a:picLocks noChangeAspect="1"/>
+          </p:cNvPicPr>
+          <p:nvPr/>
+        </p:nvPicPr>
+        <p:blipFill>
+          <a:blip r:embed="rId2" cstate="print">
+            <a:extLst>
+              <a:ext uri="{28A0092B-C50C-407E-A947-70E740481C1C}">
+                <a14:useLocalDpi xmlns:a14="http://schemas.microsoft.com/office/drawing/2010/main" val="0"/>
+              </a:ext>
+            </a:extLst>
+          </a:blip>
+          <a:stretch>
+            <a:fillRect/>
+          </a:stretch>
+        </p:blipFill>
+        <p:spPr>
+          <a:xfrm>
+            <a:off x="6037243" y="2468988"/>
+            <a:ext cx="4598385" cy="3273554"/>
+          </a:xfrm>
+          <a:prstGeom prst="roundRect">
+            <a:avLst>
+              <a:gd name="adj" fmla="val 16667"/>
+            </a:avLst>
+          </a:prstGeom>
+          <a:ln>
+            <a:noFill/>
+          </a:ln>
+          <a:effectLst>
+            <a:outerShdw blurRad="152400" dist="12000" dir="900000" sy="98000" kx="110000" ky="200000" algn="tl" rotWithShape="0">
+              <a:srgbClr val="000000">
+                <a:alpha val="30000"/>
+              </a:srgbClr>
+            </a:outerShdw>
+          </a:effectLst>
+          <a:scene3d>
+            <a:camera prst="perspectiveRelaxed">
+              <a:rot lat="19800000" lon="1200000" rev="20820000"/>
+            </a:camera>
+            <a:lightRig rig="threePt" dir="t"/>
+          </a:scene3d>
+          <a:sp3d contourW="6350" prstMaterial="matte">
+            <a:bevelT w="101600" h="101600"/>
+            <a:contourClr>
+              <a:srgbClr val="969696"/>
+            </a:contourClr>
+          </a:sp3d>
+        </p:spPr>
+      </p:pic>
     </p:spTree>
     <p:extLst>
       <p:ext uri="{BB962C8B-B14F-4D97-AF65-F5344CB8AC3E}">
-        <p14:creationId xmlns:p14="http://schemas.microsoft.com/office/powerpoint/2010/main" val="616845845"/>
+        <p14:creationId xmlns:p14="http://schemas.microsoft.com/office/powerpoint/2010/main" val="3360298964"/>
       </p:ext>
     </p:extLst>
   </p:cSld>
@@ -4194,7 +4730,7 @@
           <a:p>
             <a:r>
               <a:rPr lang="en-US" dirty="0" smtClean="0"/>
-              <a:t>Loading data into hive</a:t>
+              <a:t>Loading Data into Hive</a:t>
             </a:r>
             <a:endParaRPr lang="en-US" dirty="0"/>
           </a:p>
@@ -4283,7 +4819,7 @@
           <a:p>
             <a:r>
               <a:rPr lang="en-US" dirty="0" smtClean="0"/>
-              <a:t>Analysis of data</a:t>
+              <a:t>Analysis of Data</a:t>
             </a:r>
             <a:endParaRPr lang="en-US" dirty="0"/>
           </a:p>
@@ -4304,6 +4840,13 @@
           <a:bodyPr/>
           <a:lstStyle/>
           <a:p>
+            <a:pPr marL="0" indent="0">
+              <a:buNone/>
+            </a:pPr>
+            <a:r>
+              <a:rPr lang="en-US" b="1" dirty="0" smtClean="0"/>
+              <a:t>1.</a:t>
+            </a:r>
             <a:r>
               <a:rPr lang="en-US" dirty="0" smtClean="0"/>
               <a:t>How many gold has a particular country won till date?</a:t>
@@ -4468,7 +5011,7 @@
       </p:sp>
       <p:pic>
         <p:nvPicPr>
-          <p:cNvPr id="4" name="Content Placeholder 3"/>
+          <p:cNvPr id="5" name="Content Placeholder 4"/>
           <p:cNvPicPr>
             <a:picLocks noGrp="1" noChangeAspect="1"/>
           </p:cNvPicPr>
@@ -4490,8 +5033,8 @@
         </p:blipFill>
         <p:spPr>
           <a:xfrm>
-            <a:off x="2780557" y="2120900"/>
-            <a:ext cx="6637236" cy="4051300"/>
+            <a:off x="1894901" y="2093976"/>
+            <a:ext cx="6731305" cy="4053435"/>
           </a:xfrm>
         </p:spPr>
       </p:pic>
@@ -4552,9 +5095,16 @@
           <a:bodyPr/>
           <a:lstStyle/>
           <a:p>
+            <a:pPr marL="0" indent="0">
+              <a:buNone/>
+            </a:pPr>
+            <a:r>
+              <a:rPr lang="en-US" b="1" dirty="0" smtClean="0"/>
+              <a:t>2</a:t>
+            </a:r>
             <a:r>
               <a:rPr lang="en-US" dirty="0" smtClean="0"/>
-              <a:t>List of all countries who had participated in a particular year?</a:t>
+              <a:t>.List of all countries who had participated in a particular year?</a:t>
             </a:r>
           </a:p>
           <a:p>
@@ -4802,7 +5352,12 @@
             <p:ph type="title"/>
           </p:nvPr>
         </p:nvSpPr>
-        <p:spPr/>
+        <p:spPr>
+          <a:xfrm>
+            <a:off x="1066800" y="642594"/>
+            <a:ext cx="10058400" cy="1131615"/>
+          </a:xfrm>
+        </p:spPr>
         <p:txBody>
           <a:bodyPr>
             <a:normAutofit/>
@@ -4819,7 +5374,7 @@
       </p:sp>
       <p:pic>
         <p:nvPicPr>
-          <p:cNvPr id="4" name="Content Placeholder 3"/>
+          <p:cNvPr id="5" name="Content Placeholder 4"/>
           <p:cNvPicPr>
             <a:picLocks noGrp="1" noChangeAspect="1"/>
           </p:cNvPicPr>
@@ -4841,8 +5396,8 @@
         </p:blipFill>
         <p:spPr>
           <a:xfrm>
-            <a:off x="1333041" y="2120900"/>
-            <a:ext cx="9452471" cy="4051300"/>
+            <a:off x="1549761" y="1774209"/>
+            <a:ext cx="8119431" cy="4615574"/>
           </a:xfrm>
         </p:spPr>
       </p:pic>
@@ -4895,17 +5450,28 @@
         </p:nvSpPr>
         <p:spPr>
           <a:xfrm>
-            <a:off x="1069848" y="1299990"/>
-            <a:ext cx="10058400" cy="4872210"/>
+            <a:off x="1069848" y="1311007"/>
+            <a:ext cx="10058400" cy="4861193"/>
           </a:xfrm>
         </p:spPr>
         <p:txBody>
           <a:bodyPr/>
           <a:lstStyle/>
           <a:p>
+            <a:pPr marL="0" indent="0">
+              <a:buNone/>
+            </a:pPr>
+            <a:r>
+              <a:rPr lang="en-US" b="1" dirty="0"/>
+              <a:t>3</a:t>
+            </a:r>
+            <a:r>
+              <a:rPr lang="en-US" b="1" dirty="0" smtClean="0"/>
+              <a:t>.</a:t>
+            </a:r>
             <a:r>
               <a:rPr lang="en-US" dirty="0" smtClean="0"/>
-              <a:t>Which countries have won the gold along with year and sport?</a:t>
+              <a:t>Top 10 countries who have won gold?</a:t>
             </a:r>
           </a:p>
           <a:p>
@@ -4938,8 +5504,8 @@
         </p:blipFill>
         <p:spPr>
           <a:xfrm>
-            <a:off x="1399142" y="2331008"/>
-            <a:ext cx="7669073" cy="2296076"/>
+            <a:off x="1366093" y="2385185"/>
+            <a:ext cx="7921228" cy="2010545"/>
           </a:xfrm>
           <a:prstGeom prst="rect">
             <a:avLst/>
@@ -4949,7 +5515,7 @@
     </p:spTree>
     <p:extLst>
       <p:ext uri="{BB962C8B-B14F-4D97-AF65-F5344CB8AC3E}">
-        <p14:creationId xmlns:p14="http://schemas.microsoft.com/office/powerpoint/2010/main" val="228823376"/>
+        <p14:creationId xmlns:p14="http://schemas.microsoft.com/office/powerpoint/2010/main" val="4044644176"/>
       </p:ext>
     </p:extLst>
   </p:cSld>
@@ -4996,7 +5562,7 @@
         <p:spPr>
           <a:xfrm>
             <a:off x="1069848" y="484632"/>
-            <a:ext cx="10058400" cy="804341"/>
+            <a:ext cx="10058400" cy="517903"/>
           </a:xfrm>
         </p:spPr>
         <p:txBody>
@@ -5037,15 +5603,15 @@
         </p:blipFill>
         <p:spPr>
           <a:xfrm>
-            <a:off x="991518" y="1498294"/>
-            <a:ext cx="6059278" cy="4673906"/>
+            <a:off x="1277957" y="1465243"/>
+            <a:ext cx="8984224" cy="3986414"/>
           </a:xfrm>
         </p:spPr>
       </p:pic>
     </p:spTree>
     <p:extLst>
       <p:ext uri="{BB962C8B-B14F-4D97-AF65-F5344CB8AC3E}">
-        <p14:creationId xmlns:p14="http://schemas.microsoft.com/office/powerpoint/2010/main" val="4260072753"/>
+        <p14:creationId xmlns:p14="http://schemas.microsoft.com/office/powerpoint/2010/main" val="3973497180"/>
       </p:ext>
     </p:extLst>
   </p:cSld>
@@ -5081,44 +5647,38 @@
       </p:grpSpPr>
       <p:sp>
         <p:nvSpPr>
-          <p:cNvPr id="3" name="Content Placeholder 2"/>
-          <p:cNvSpPr>
-            <a:spLocks noGrp="1"/>
-          </p:cNvSpPr>
-          <p:nvPr>
-            <p:ph idx="1"/>
-          </p:nvPr>
-        </p:nvSpPr>
-        <p:spPr>
-          <a:xfrm>
-            <a:off x="1069848" y="1311007"/>
-            <a:ext cx="10058400" cy="4861193"/>
-          </a:xfrm>
-        </p:spPr>
-        <p:txBody>
-          <a:bodyPr/>
+          <p:cNvPr id="2" name="Title 1"/>
+          <p:cNvSpPr>
+            <a:spLocks noGrp="1"/>
+          </p:cNvSpPr>
+          <p:nvPr>
+            <p:ph type="title"/>
+          </p:nvPr>
+        </p:nvSpPr>
+        <p:spPr/>
+        <p:txBody>
+          <a:bodyPr>
+            <a:normAutofit/>
+          </a:bodyPr>
           <a:lstStyle/>
           <a:p>
             <a:r>
-              <a:rPr lang="en-US" dirty="0" smtClean="0"/>
-              <a:t>Top 10 countries who have won gold?</a:t>
-            </a:r>
-          </a:p>
-          <a:p>
-            <a:pPr marL="0" indent="0">
-              <a:buNone/>
-            </a:pPr>
-            <a:endParaRPr lang="en-US" dirty="0"/>
+              <a:rPr lang="en-US" sz="2800" dirty="0" smtClean="0"/>
+              <a:t>Graph represents top 10 countries who have won gold </a:t>
+            </a:r>
+            <a:endParaRPr lang="en-US" sz="2800" dirty="0"/>
           </a:p>
         </p:txBody>
       </p:sp>
       <p:pic>
         <p:nvPicPr>
-          <p:cNvPr id="4" name="Picture 3"/>
+          <p:cNvPr id="4" name="Content Placeholder 3"/>
           <p:cNvPicPr>
-            <a:picLocks noChangeAspect="1"/>
+            <a:picLocks noGrp="1" noChangeAspect="1"/>
           </p:cNvPicPr>
-          <p:nvPr/>
+          <p:nvPr>
+            <p:ph idx="1"/>
+          </p:nvPr>
         </p:nvPicPr>
         <p:blipFill>
           <a:blip r:embed="rId2">
@@ -5134,18 +5694,15 @@
         </p:blipFill>
         <p:spPr>
           <a:xfrm>
-            <a:off x="1366093" y="2385185"/>
-            <a:ext cx="7921228" cy="2010545"/>
-          </a:xfrm>
-          <a:prstGeom prst="rect">
-            <a:avLst/>
-          </a:prstGeom>
+            <a:off x="2647666" y="2014194"/>
+            <a:ext cx="6496334" cy="3840696"/>
+          </a:xfrm>
         </p:spPr>
       </p:pic>
     </p:spTree>
     <p:extLst>
       <p:ext uri="{BB962C8B-B14F-4D97-AF65-F5344CB8AC3E}">
-        <p14:creationId xmlns:p14="http://schemas.microsoft.com/office/powerpoint/2010/main" val="4044644176"/>
+        <p14:creationId xmlns:p14="http://schemas.microsoft.com/office/powerpoint/2010/main" val="1610416662"/>
       </p:ext>
     </p:extLst>
   </p:cSld>
@@ -5181,43 +5738,51 @@
       </p:grpSpPr>
       <p:sp>
         <p:nvSpPr>
-          <p:cNvPr id="2" name="Title 1"/>
-          <p:cNvSpPr>
-            <a:spLocks noGrp="1"/>
-          </p:cNvSpPr>
-          <p:nvPr>
-            <p:ph type="title"/>
-          </p:nvPr>
-        </p:nvSpPr>
-        <p:spPr>
-          <a:xfrm>
-            <a:off x="1069848" y="484632"/>
-            <a:ext cx="10058400" cy="517903"/>
-          </a:xfrm>
-        </p:spPr>
-        <p:txBody>
-          <a:bodyPr>
-            <a:normAutofit/>
-          </a:bodyPr>
+          <p:cNvPr id="3" name="Content Placeholder 2"/>
+          <p:cNvSpPr>
+            <a:spLocks noGrp="1"/>
+          </p:cNvSpPr>
+          <p:nvPr>
+            <p:ph idx="1"/>
+          </p:nvPr>
+        </p:nvSpPr>
+        <p:spPr>
+          <a:xfrm>
+            <a:off x="1069848" y="1233889"/>
+            <a:ext cx="10058400" cy="4938311"/>
+          </a:xfrm>
+        </p:spPr>
+        <p:txBody>
+          <a:bodyPr/>
           <a:lstStyle/>
           <a:p>
-            <a:r>
-              <a:rPr lang="en-US" sz="2800" dirty="0" smtClean="0"/>
-              <a:t>Query Output:</a:t>
-            </a:r>
-            <a:endParaRPr lang="en-US" sz="2800" dirty="0"/>
+            <a:pPr marL="0" indent="0">
+              <a:buNone/>
+            </a:pPr>
+            <a:r>
+              <a:rPr lang="en-US" b="1" dirty="0"/>
+              <a:t>4</a:t>
+            </a:r>
+            <a:r>
+              <a:rPr lang="en-US" dirty="0" smtClean="0"/>
+              <a:t>.Top 10 countries , who have participated in Olympics the maximum time</a:t>
+            </a:r>
+          </a:p>
+          <a:p>
+            <a:pPr marL="0" indent="0">
+              <a:buNone/>
+            </a:pPr>
+            <a:endParaRPr lang="en-US" dirty="0"/>
           </a:p>
         </p:txBody>
       </p:sp>
       <p:pic>
         <p:nvPicPr>
-          <p:cNvPr id="4" name="Content Placeholder 3"/>
+          <p:cNvPr id="4" name="Picture 3"/>
           <p:cNvPicPr>
-            <a:picLocks noGrp="1" noChangeAspect="1"/>
+            <a:picLocks noChangeAspect="1"/>
           </p:cNvPicPr>
-          <p:nvPr>
-            <p:ph idx="1"/>
-          </p:nvPr>
+          <p:nvPr/>
         </p:nvPicPr>
         <p:blipFill>
           <a:blip r:embed="rId2">
@@ -5233,15 +5798,18 @@
         </p:blipFill>
         <p:spPr>
           <a:xfrm>
-            <a:off x="1277957" y="1465243"/>
-            <a:ext cx="8984224" cy="3986414"/>
-          </a:xfrm>
+            <a:off x="1586430" y="2493959"/>
+            <a:ext cx="7135856" cy="2418169"/>
+          </a:xfrm>
+          <a:prstGeom prst="rect">
+            <a:avLst/>
+          </a:prstGeom>
         </p:spPr>
       </p:pic>
     </p:spTree>
     <p:extLst>
       <p:ext uri="{BB962C8B-B14F-4D97-AF65-F5344CB8AC3E}">
-        <p14:creationId xmlns:p14="http://schemas.microsoft.com/office/powerpoint/2010/main" val="3973497180"/>
+        <p14:creationId xmlns:p14="http://schemas.microsoft.com/office/powerpoint/2010/main" val="2639854032"/>
       </p:ext>
     </p:extLst>
   </p:cSld>
@@ -5277,6 +5845,45 @@
       </p:grpSpPr>
       <p:sp>
         <p:nvSpPr>
+          <p:cNvPr id="2" name="Title 1"/>
+          <p:cNvSpPr>
+            <a:spLocks noGrp="1"/>
+          </p:cNvSpPr>
+          <p:nvPr>
+            <p:ph type="title"/>
+          </p:nvPr>
+        </p:nvSpPr>
+        <p:spPr/>
+        <p:txBody>
+          <a:bodyPr>
+            <a:normAutofit fontScale="90000"/>
+          </a:bodyPr>
+          <a:lstStyle/>
+          <a:p>
+            <a:r>
+              <a:rPr lang="en-US" dirty="0">
+                <a:solidFill>
+                  <a:schemeClr val="tx1">
+                    <a:lumMod val="95000"/>
+                    <a:lumOff val="5000"/>
+                  </a:schemeClr>
+                </a:solidFill>
+              </a:rPr>
+              <a:t>INTRODUCTION ABOUT DATASET</a:t>
+            </a:r>
+            <a:r>
+              <a:rPr lang="en-US" dirty="0"/>
+              <a:t/>
+            </a:r>
+            <a:br>
+              <a:rPr lang="en-US" dirty="0"/>
+            </a:br>
+            <a:endParaRPr lang="en-US" dirty="0"/>
+          </a:p>
+        </p:txBody>
+      </p:sp>
+      <p:sp>
+        <p:nvSpPr>
           <p:cNvPr id="3" name="Content Placeholder 2"/>
           <p:cNvSpPr>
             <a:spLocks noGrp="1"/>
@@ -5287,104 +5894,161 @@
         </p:nvSpPr>
         <p:spPr>
           <a:xfrm>
-            <a:off x="782198" y="892366"/>
-            <a:ext cx="10346050" cy="5279834"/>
-          </a:xfrm>
-        </p:spPr>
-        <p:txBody>
-          <a:bodyPr/>
+            <a:off x="1069848" y="1916935"/>
+            <a:ext cx="10058400" cy="4255265"/>
+          </a:xfrm>
+        </p:spPr>
+        <p:txBody>
+          <a:bodyPr>
+            <a:normAutofit/>
+          </a:bodyPr>
           <a:lstStyle/>
           <a:p>
             <a:pPr marL="0" indent="0">
               <a:buNone/>
             </a:pPr>
-            <a:r>
-              <a:rPr lang="en-US" b="1" dirty="0" smtClean="0"/>
-              <a:t>Aim:</a:t>
-            </a:r>
-          </a:p>
-          <a:p>
-            <a:pPr marL="0" indent="0">
-              <a:buNone/>
-            </a:pPr>
-            <a:r>
-              <a:rPr lang="en-US" sz="1800" dirty="0">
-                <a:solidFill>
-                  <a:srgbClr val="324146"/>
-                </a:solidFill>
-                <a:latin typeface="Verdana"/>
-                <a:ea typeface="Playfair Display Black" charset="0"/>
-                <a:cs typeface="Arial" panose="020B0604020202020204" pitchFamily="34" charset="0"/>
+            <a:endParaRPr lang="en-US" sz="1800" cap="none" dirty="0" smtClean="0">
+              <a:latin typeface="Verdana" panose="020B0604030504040204" pitchFamily="34" charset="0"/>
+              <a:ea typeface="Verdana" panose="020B0604030504040204" pitchFamily="34" charset="0"/>
+            </a:endParaRPr>
+          </a:p>
+          <a:p>
+            <a:r>
+              <a:rPr lang="en-US" sz="1800" cap="none" dirty="0" smtClean="0">
+                <a:latin typeface="Verdana" panose="020B0604030504040204" pitchFamily="34" charset="0"/>
+                <a:ea typeface="Verdana" panose="020B0604030504040204" pitchFamily="34" charset="0"/>
               </a:rPr>
-              <a:t>To Transform and Analyze the Olympic Data set converting into a practical implementable data model using the appropriate technologies. </a:t>
-            </a:r>
-          </a:p>
-          <a:p>
-            <a:pPr marL="0" indent="0">
-              <a:buNone/>
-            </a:pPr>
-            <a:endParaRPr lang="en-US" dirty="0"/>
-          </a:p>
-        </p:txBody>
-      </p:sp>
-      <p:pic>
-        <p:nvPicPr>
-          <p:cNvPr id="4" name="Content Placeholder 3"/>
-          <p:cNvPicPr>
-            <a:picLocks noChangeAspect="1"/>
-          </p:cNvPicPr>
-          <p:nvPr/>
-        </p:nvPicPr>
-        <p:blipFill>
-          <a:blip r:embed="rId2" cstate="print">
-            <a:extLst>
-              <a:ext uri="{28A0092B-C50C-407E-A947-70E740481C1C}">
-                <a14:useLocalDpi xmlns:a14="http://schemas.microsoft.com/office/drawing/2010/main" val="0"/>
-              </a:ext>
-            </a:extLst>
-          </a:blip>
-          <a:stretch>
-            <a:fillRect/>
-          </a:stretch>
-        </p:blipFill>
-        <p:spPr>
-          <a:xfrm>
-            <a:off x="892366" y="2016855"/>
-            <a:ext cx="8553441" cy="3273554"/>
-          </a:xfrm>
-          <a:prstGeom prst="roundRect">
-            <a:avLst>
-              <a:gd name="adj" fmla="val 16667"/>
-            </a:avLst>
-          </a:prstGeom>
-          <a:ln>
-            <a:noFill/>
-          </a:ln>
-          <a:effectLst>
-            <a:outerShdw blurRad="152400" dist="12000" dir="900000" sy="98000" kx="110000" ky="200000" algn="tl" rotWithShape="0">
-              <a:srgbClr val="000000">
-                <a:alpha val="30000"/>
-              </a:srgbClr>
-            </a:outerShdw>
-          </a:effectLst>
-          <a:scene3d>
-            <a:camera prst="perspectiveRelaxed">
-              <a:rot lat="19800000" lon="1200000" rev="20820000"/>
-            </a:camera>
-            <a:lightRig rig="threePt" dir="t"/>
-          </a:scene3d>
-          <a:sp3d contourW="6350" prstMaterial="matte">
-            <a:bevelT w="101600" h="101600"/>
-            <a:contourClr>
-              <a:srgbClr val="969696"/>
-            </a:contourClr>
-          </a:sp3d>
-        </p:spPr>
-      </p:pic>
+              <a:t>It </a:t>
+            </a:r>
+            <a:r>
+              <a:rPr lang="en-US" sz="1800" cap="none" dirty="0">
+                <a:latin typeface="Verdana" panose="020B0604030504040204" pitchFamily="34" charset="0"/>
+                <a:ea typeface="Verdana" panose="020B0604030504040204" pitchFamily="34" charset="0"/>
+              </a:rPr>
+              <a:t>contains details of every event held and the athletes who competed</a:t>
+            </a:r>
+            <a:r>
+              <a:rPr lang="en-US" sz="1800" cap="none" dirty="0" smtClean="0">
+                <a:latin typeface="Verdana" panose="020B0604030504040204" pitchFamily="34" charset="0"/>
+                <a:ea typeface="Verdana" panose="020B0604030504040204" pitchFamily="34" charset="0"/>
+              </a:rPr>
+              <a:t>.</a:t>
+            </a:r>
+          </a:p>
+          <a:p>
+            <a:r>
+              <a:rPr lang="en-US" sz="1800" cap="none" dirty="0" smtClean="0">
+                <a:latin typeface="Verdana" panose="020B0604030504040204" pitchFamily="34" charset="0"/>
+                <a:ea typeface="Verdana" panose="020B0604030504040204" pitchFamily="34" charset="0"/>
+              </a:rPr>
+              <a:t> </a:t>
+            </a:r>
+            <a:r>
+              <a:rPr lang="en-US" sz="1800" cap="none" dirty="0">
+                <a:latin typeface="Verdana" panose="020B0604030504040204" pitchFamily="34" charset="0"/>
+                <a:ea typeface="Verdana" panose="020B0604030504040204" pitchFamily="34" charset="0"/>
+              </a:rPr>
+              <a:t>Each athlete has a unique ID number, with some athletes participating at multiple events and across different </a:t>
+            </a:r>
+            <a:r>
+              <a:rPr lang="en-US" sz="1800" cap="none" dirty="0" err="1">
+                <a:latin typeface="Verdana" panose="020B0604030504040204" pitchFamily="34" charset="0"/>
+                <a:ea typeface="Verdana" panose="020B0604030504040204" pitchFamily="34" charset="0"/>
+              </a:rPr>
+              <a:t>olympics</a:t>
+            </a:r>
+            <a:r>
+              <a:rPr lang="en-US" sz="1800" cap="none" dirty="0" smtClean="0">
+                <a:latin typeface="Verdana" panose="020B0604030504040204" pitchFamily="34" charset="0"/>
+                <a:ea typeface="Verdana" panose="020B0604030504040204" pitchFamily="34" charset="0"/>
+              </a:rPr>
+              <a:t>.</a:t>
+            </a:r>
+          </a:p>
+          <a:p>
+            <a:r>
+              <a:rPr lang="en-US" sz="1800" cap="none" dirty="0" smtClean="0">
+                <a:latin typeface="Verdana" panose="020B0604030504040204" pitchFamily="34" charset="0"/>
+                <a:ea typeface="Verdana" panose="020B0604030504040204" pitchFamily="34" charset="0"/>
+              </a:rPr>
+              <a:t>The </a:t>
+            </a:r>
+            <a:r>
+              <a:rPr lang="en-US" sz="1800" cap="none" dirty="0">
+                <a:latin typeface="Verdana" panose="020B0604030504040204" pitchFamily="34" charset="0"/>
+                <a:ea typeface="Verdana" panose="020B0604030504040204" pitchFamily="34" charset="0"/>
+              </a:rPr>
+              <a:t>full dataset consists of 271,116 rows and 15 </a:t>
+            </a:r>
+            <a:r>
+              <a:rPr lang="en-US" sz="1800" cap="none" dirty="0" err="1">
+                <a:latin typeface="Verdana" panose="020B0604030504040204" pitchFamily="34" charset="0"/>
+                <a:ea typeface="Verdana" panose="020B0604030504040204" pitchFamily="34" charset="0"/>
+              </a:rPr>
+              <a:t>columns.The</a:t>
+            </a:r>
+            <a:r>
+              <a:rPr lang="en-US" sz="1800" cap="none" dirty="0">
+                <a:latin typeface="Verdana" panose="020B0604030504040204" pitchFamily="34" charset="0"/>
+                <a:ea typeface="Verdana" panose="020B0604030504040204" pitchFamily="34" charset="0"/>
+              </a:rPr>
+              <a:t> columns consist of: athlete ID, name, gender, age, height, weight, team, national </a:t>
+            </a:r>
+            <a:r>
+              <a:rPr lang="en-US" sz="1800" cap="none" dirty="0" err="1">
+                <a:latin typeface="Verdana" panose="020B0604030504040204" pitchFamily="34" charset="0"/>
+                <a:ea typeface="Verdana" panose="020B0604030504040204" pitchFamily="34" charset="0"/>
+              </a:rPr>
+              <a:t>olympic</a:t>
+            </a:r>
+            <a:r>
+              <a:rPr lang="en-US" sz="1800" cap="none" dirty="0">
+                <a:latin typeface="Verdana" panose="020B0604030504040204" pitchFamily="34" charset="0"/>
+                <a:ea typeface="Verdana" panose="020B0604030504040204" pitchFamily="34" charset="0"/>
+              </a:rPr>
+              <a:t> committee 3-letter code, name of games, year held, season, host city, sport, event, and medal won</a:t>
+            </a:r>
+            <a:r>
+              <a:rPr lang="en-US" sz="1800" cap="none" dirty="0" smtClean="0">
+                <a:latin typeface="Verdana" panose="020B0604030504040204" pitchFamily="34" charset="0"/>
+                <a:ea typeface="Verdana" panose="020B0604030504040204" pitchFamily="34" charset="0"/>
+              </a:rPr>
+              <a:t>.</a:t>
+            </a:r>
+          </a:p>
+          <a:p>
+            <a:r>
+              <a:rPr lang="en-US" sz="1800" cap="none" dirty="0" smtClean="0">
+                <a:latin typeface="Verdana" panose="020B0604030504040204" pitchFamily="34" charset="0"/>
+                <a:ea typeface="Verdana" panose="020B0604030504040204" pitchFamily="34" charset="0"/>
+              </a:rPr>
+              <a:t> </a:t>
+            </a:r>
+            <a:r>
+              <a:rPr lang="en-US" sz="1800" cap="none" dirty="0">
+                <a:latin typeface="Verdana" panose="020B0604030504040204" pitchFamily="34" charset="0"/>
+                <a:ea typeface="Verdana" panose="020B0604030504040204" pitchFamily="34" charset="0"/>
+              </a:rPr>
+              <a:t>Missing data or if an athlete failed to win a medal are stored as </a:t>
+            </a:r>
+            <a:r>
+              <a:rPr lang="en-US" sz="1800" dirty="0" smtClean="0">
+                <a:latin typeface="Verdana" panose="020B0604030504040204" pitchFamily="34" charset="0"/>
+                <a:ea typeface="Verdana" panose="020B0604030504040204" pitchFamily="34" charset="0"/>
+              </a:rPr>
+              <a:t>NA.</a:t>
+            </a:r>
+            <a:endParaRPr lang="en-US" sz="1800" dirty="0">
+              <a:latin typeface="Verdana" panose="020B0604030504040204" pitchFamily="34" charset="0"/>
+              <a:ea typeface="Verdana" panose="020B0604030504040204" pitchFamily="34" charset="0"/>
+            </a:endParaRPr>
+          </a:p>
+        </p:txBody>
+      </p:sp>
     </p:spTree>
     <p:extLst>
       <p:ext uri="{BB962C8B-B14F-4D97-AF65-F5344CB8AC3E}">
-        <p14:creationId xmlns:p14="http://schemas.microsoft.com/office/powerpoint/2010/main" val="3360298964"/>
+        <p14:creationId xmlns:p14="http://schemas.microsoft.com/office/powerpoint/2010/main" val="4061497245"/>
       </p:ext>
     </p:extLst>
   </p:cSld>
@@ -5430,26 +6094,20 @@
         </p:nvSpPr>
         <p:spPr/>
         <p:txBody>
-          <a:bodyPr>
-            <a:normAutofit/>
-          </a:bodyPr>
+          <a:bodyPr/>
           <a:lstStyle/>
           <a:p>
             <a:r>
               <a:rPr lang="en-US" sz="2800" dirty="0" smtClean="0"/>
-              <a:t>Graph </a:t>
-            </a:r>
-            <a:r>
-              <a:rPr lang="en-US" sz="2800" dirty="0" smtClean="0"/>
-              <a:t>represents top 10 countries who have won gold </a:t>
-            </a:r>
-            <a:endParaRPr lang="en-US" sz="2800" dirty="0"/>
+              <a:t>Query output :</a:t>
+            </a:r>
+            <a:endParaRPr lang="en-US" dirty="0"/>
           </a:p>
         </p:txBody>
       </p:sp>
       <p:pic>
         <p:nvPicPr>
-          <p:cNvPr id="6" name="Content Placeholder 5"/>
+          <p:cNvPr id="4" name="Content Placeholder 3"/>
           <p:cNvPicPr>
             <a:picLocks noGrp="1" noChangeAspect="1"/>
           </p:cNvPicPr>
@@ -5471,15 +6129,15 @@
         </p:blipFill>
         <p:spPr>
           <a:xfrm>
-            <a:off x="1773716" y="2093976"/>
-            <a:ext cx="7039777" cy="4051300"/>
+            <a:off x="1069848" y="2286161"/>
+            <a:ext cx="8795447" cy="2905530"/>
           </a:xfrm>
         </p:spPr>
       </p:pic>
     </p:spTree>
     <p:extLst>
       <p:ext uri="{BB962C8B-B14F-4D97-AF65-F5344CB8AC3E}">
-        <p14:creationId xmlns:p14="http://schemas.microsoft.com/office/powerpoint/2010/main" val="1610416662"/>
+        <p14:creationId xmlns:p14="http://schemas.microsoft.com/office/powerpoint/2010/main" val="3775434418"/>
       </p:ext>
     </p:extLst>
   </p:cSld>
@@ -5515,44 +6173,38 @@
       </p:grpSpPr>
       <p:sp>
         <p:nvSpPr>
-          <p:cNvPr id="3" name="Content Placeholder 2"/>
-          <p:cNvSpPr>
-            <a:spLocks noGrp="1"/>
-          </p:cNvSpPr>
-          <p:nvPr>
-            <p:ph idx="1"/>
-          </p:nvPr>
-        </p:nvSpPr>
-        <p:spPr>
-          <a:xfrm>
-            <a:off x="1069848" y="1233889"/>
-            <a:ext cx="10058400" cy="4938311"/>
-          </a:xfrm>
-        </p:spPr>
-        <p:txBody>
-          <a:bodyPr/>
+          <p:cNvPr id="2" name="Title 1"/>
+          <p:cNvSpPr>
+            <a:spLocks noGrp="1"/>
+          </p:cNvSpPr>
+          <p:nvPr>
+            <p:ph type="title"/>
+          </p:nvPr>
+        </p:nvSpPr>
+        <p:spPr/>
+        <p:txBody>
+          <a:bodyPr>
+            <a:noAutofit/>
+          </a:bodyPr>
           <a:lstStyle/>
           <a:p>
             <a:r>
-              <a:rPr lang="en-US" dirty="0" smtClean="0"/>
-              <a:t>Top 10 countries , who have participated in Olympics the maximum time</a:t>
-            </a:r>
-          </a:p>
-          <a:p>
-            <a:pPr marL="0" indent="0">
-              <a:buNone/>
-            </a:pPr>
-            <a:endParaRPr lang="en-US" dirty="0"/>
+              <a:rPr lang="en-US" sz="2800" dirty="0" smtClean="0"/>
+              <a:t>Graph represents top 10 countries who have participated in Olympics the maximum time</a:t>
+            </a:r>
+            <a:endParaRPr lang="en-US" sz="2800" dirty="0"/>
           </a:p>
         </p:txBody>
       </p:sp>
       <p:pic>
         <p:nvPicPr>
-          <p:cNvPr id="4" name="Picture 3"/>
+          <p:cNvPr id="5" name="Content Placeholder 4"/>
           <p:cNvPicPr>
-            <a:picLocks noChangeAspect="1"/>
+            <a:picLocks noGrp="1" noChangeAspect="1"/>
           </p:cNvPicPr>
-          <p:nvPr/>
+          <p:nvPr>
+            <p:ph idx="1"/>
+          </p:nvPr>
         </p:nvPicPr>
         <p:blipFill>
           <a:blip r:embed="rId2">
@@ -5568,102 +6220,8 @@
         </p:blipFill>
         <p:spPr>
           <a:xfrm>
-            <a:off x="1586430" y="2493959"/>
-            <a:ext cx="7135856" cy="2418169"/>
-          </a:xfrm>
-          <a:prstGeom prst="rect">
-            <a:avLst/>
-          </a:prstGeom>
-        </p:spPr>
-      </p:pic>
-    </p:spTree>
-    <p:extLst>
-      <p:ext uri="{BB962C8B-B14F-4D97-AF65-F5344CB8AC3E}">
-        <p14:creationId xmlns:p14="http://schemas.microsoft.com/office/powerpoint/2010/main" val="2639854032"/>
-      </p:ext>
-    </p:extLst>
-  </p:cSld>
-  <p:clrMapOvr>
-    <a:masterClrMapping/>
-  </p:clrMapOvr>
-  <p:timing>
-    <p:tnLst>
-      <p:par>
-        <p:cTn id="1" dur="indefinite" restart="never" nodeType="tmRoot"/>
-      </p:par>
-    </p:tnLst>
-  </p:timing>
-</p:sld>
-</file>
-
-<file path=ppt/slides/slide22.xml><?xml version="1.0" encoding="utf-8"?>
-<p:sld xmlns:a="http://schemas.openxmlformats.org/drawingml/2006/main" xmlns:r="http://schemas.openxmlformats.org/officeDocument/2006/relationships" xmlns:p="http://schemas.openxmlformats.org/presentationml/2006/main">
-  <p:cSld>
-    <p:spTree>
-      <p:nvGrpSpPr>
-        <p:cNvPr id="1" name=""/>
-        <p:cNvGrpSpPr/>
-        <p:nvPr/>
-      </p:nvGrpSpPr>
-      <p:grpSpPr>
-        <a:xfrm>
-          <a:off x="0" y="0"/>
-          <a:ext cx="0" cy="0"/>
-          <a:chOff x="0" y="0"/>
-          <a:chExt cx="0" cy="0"/>
-        </a:xfrm>
-      </p:grpSpPr>
-      <p:sp>
-        <p:nvSpPr>
-          <p:cNvPr id="2" name="Title 1"/>
-          <p:cNvSpPr>
-            <a:spLocks noGrp="1"/>
-          </p:cNvSpPr>
-          <p:nvPr>
-            <p:ph type="title"/>
-          </p:nvPr>
-        </p:nvSpPr>
-        <p:spPr/>
-        <p:txBody>
-          <a:bodyPr>
-            <a:noAutofit/>
-          </a:bodyPr>
-          <a:lstStyle/>
-          <a:p>
-            <a:r>
-              <a:rPr lang="en-US" sz="2800" dirty="0" smtClean="0"/>
-              <a:t>Graph represents top 10 countries who have participated in Olympics the maximum time</a:t>
-            </a:r>
-            <a:endParaRPr lang="en-US" sz="2800" dirty="0"/>
-          </a:p>
-        </p:txBody>
-      </p:sp>
-      <p:pic>
-        <p:nvPicPr>
-          <p:cNvPr id="4" name="Content Placeholder 3"/>
-          <p:cNvPicPr>
-            <a:picLocks noGrp="1" noChangeAspect="1"/>
-          </p:cNvPicPr>
-          <p:nvPr>
-            <p:ph idx="1"/>
-          </p:nvPr>
-        </p:nvPicPr>
-        <p:blipFill>
-          <a:blip r:embed="rId2">
-            <a:extLst>
-              <a:ext uri="{28A0092B-C50C-407E-A947-70E740481C1C}">
-                <a14:useLocalDpi xmlns:a14="http://schemas.microsoft.com/office/drawing/2010/main" val="0"/>
-              </a:ext>
-            </a:extLst>
-          </a:blip>
-          <a:stretch>
-            <a:fillRect/>
-          </a:stretch>
-        </p:blipFill>
-        <p:spPr>
-          <a:xfrm>
-            <a:off x="2622013" y="2120900"/>
-            <a:ext cx="6004193" cy="4051300"/>
+            <a:off x="2538484" y="2126185"/>
+            <a:ext cx="6441743" cy="3886742"/>
           </a:xfrm>
         </p:spPr>
       </p:pic>
@@ -5687,7 +6245,7 @@
 </p:sld>
 </file>
 
-<file path=ppt/slides/slide23.xml><?xml version="1.0" encoding="utf-8"?>
+<file path=ppt/slides/slide22.xml><?xml version="1.0" encoding="utf-8"?>
 <p:sld xmlns:a="http://schemas.openxmlformats.org/drawingml/2006/main" xmlns:r="http://schemas.openxmlformats.org/officeDocument/2006/relationships" xmlns:p="http://schemas.openxmlformats.org/presentationml/2006/main">
   <p:cSld>
     <p:spTree>
@@ -5794,44 +6352,12 @@
             <p:ph type="title"/>
           </p:nvPr>
         </p:nvSpPr>
-        <p:spPr/>
-        <p:txBody>
-          <a:bodyPr/>
-          <a:lstStyle/>
-          <a:p>
-            <a:r>
-              <a:rPr lang="en-US" dirty="0">
-                <a:solidFill>
-                  <a:schemeClr val="tx1">
-                    <a:lumMod val="95000"/>
-                    <a:lumOff val="5000"/>
-                  </a:schemeClr>
-                </a:solidFill>
-              </a:rPr>
-              <a:t>INTRODUCTION ABOUT DATASET</a:t>
-            </a:r>
-            <a:r>
-              <a:rPr lang="en-US" dirty="0"/>
-              <a:t/>
-            </a:r>
-            <a:br>
-              <a:rPr lang="en-US" dirty="0"/>
-            </a:br>
-            <a:endParaRPr lang="en-US" dirty="0"/>
-          </a:p>
-        </p:txBody>
-      </p:sp>
-      <p:sp>
-        <p:nvSpPr>
-          <p:cNvPr id="3" name="Content Placeholder 2"/>
-          <p:cNvSpPr>
-            <a:spLocks noGrp="1"/>
-          </p:cNvSpPr>
-          <p:nvPr>
-            <p:ph idx="1"/>
-          </p:nvPr>
-        </p:nvSpPr>
-        <p:spPr/>
+        <p:spPr>
+          <a:xfrm>
+            <a:off x="1069848" y="484632"/>
+            <a:ext cx="10058400" cy="892612"/>
+          </a:xfrm>
+        </p:spPr>
         <p:txBody>
           <a:bodyPr>
             <a:normAutofit/>
@@ -5839,109 +6365,43 @@
           <a:lstStyle/>
           <a:p>
             <a:r>
-              <a:rPr lang="en-US" cap="none" dirty="0"/>
-              <a:t>The dataset </a:t>
-            </a:r>
-            <a:r>
-              <a:rPr lang="en-US" cap="none" dirty="0" err="1"/>
-              <a:t>analysed</a:t>
-            </a:r>
-            <a:r>
-              <a:rPr lang="en-US" cap="none" dirty="0"/>
-              <a:t> here spans both summer and winter </a:t>
-            </a:r>
-            <a:r>
-              <a:rPr lang="en-US" cap="none" dirty="0" err="1"/>
-              <a:t>olympics</a:t>
-            </a:r>
-            <a:r>
-              <a:rPr lang="en-US" cap="none" dirty="0"/>
-              <a:t> held between 1896 and 2016</a:t>
-            </a:r>
-            <a:r>
-              <a:rPr lang="en-US" cap="none" dirty="0" smtClean="0"/>
-              <a:t>.</a:t>
-            </a:r>
-          </a:p>
-          <a:p>
-            <a:r>
-              <a:rPr lang="en-US" cap="none" dirty="0" smtClean="0"/>
-              <a:t>It </a:t>
-            </a:r>
-            <a:r>
-              <a:rPr lang="en-US" cap="none" dirty="0"/>
-              <a:t>contains details of every event held and the athletes who competed</a:t>
-            </a:r>
-            <a:r>
-              <a:rPr lang="en-US" cap="none" dirty="0" smtClean="0"/>
-              <a:t>.</a:t>
-            </a:r>
-          </a:p>
-          <a:p>
-            <a:r>
-              <a:rPr lang="en-US" cap="none" dirty="0" smtClean="0"/>
-              <a:t> </a:t>
-            </a:r>
-            <a:r>
-              <a:rPr lang="en-US" cap="none" dirty="0"/>
-              <a:t>Each athlete has a unique ID number, with some athletes participating at multiple events and across different </a:t>
-            </a:r>
-            <a:r>
-              <a:rPr lang="en-US" cap="none" dirty="0" err="1"/>
-              <a:t>olympics</a:t>
-            </a:r>
-            <a:r>
-              <a:rPr lang="en-US" cap="none" dirty="0" smtClean="0"/>
-              <a:t>.</a:t>
-            </a:r>
-          </a:p>
-          <a:p>
-            <a:r>
-              <a:rPr lang="en-US" cap="none" dirty="0" smtClean="0"/>
-              <a:t>The </a:t>
-            </a:r>
-            <a:r>
-              <a:rPr lang="en-US" cap="none" dirty="0"/>
-              <a:t>full dataset consists of 271,116 rows and 15 </a:t>
-            </a:r>
-            <a:r>
-              <a:rPr lang="en-US" cap="none" dirty="0" err="1"/>
-              <a:t>columns.The</a:t>
-            </a:r>
-            <a:r>
-              <a:rPr lang="en-US" cap="none" dirty="0"/>
-              <a:t> columns consist of: athlete ID, name, gender, age, height, weight, team, national </a:t>
-            </a:r>
-            <a:r>
-              <a:rPr lang="en-US" cap="none" dirty="0" err="1"/>
-              <a:t>olympic</a:t>
-            </a:r>
-            <a:r>
-              <a:rPr lang="en-US" cap="none" dirty="0"/>
-              <a:t> committee 3-letter code, name of games, year held, season, host city, sport, event, and medal won</a:t>
-            </a:r>
-            <a:r>
-              <a:rPr lang="en-US" cap="none" dirty="0" smtClean="0"/>
-              <a:t>.</a:t>
-            </a:r>
-          </a:p>
-          <a:p>
-            <a:r>
-              <a:rPr lang="en-US" cap="none" dirty="0" smtClean="0"/>
-              <a:t> </a:t>
-            </a:r>
-            <a:r>
-              <a:rPr lang="en-US" cap="none" dirty="0"/>
-              <a:t>Missing data or if an athlete failed to win a medal are stored as nan</a:t>
+              <a:rPr lang="en-US" dirty="0" smtClean="0"/>
+              <a:t> Work Flow</a:t>
             </a:r>
             <a:endParaRPr lang="en-US" dirty="0"/>
           </a:p>
         </p:txBody>
       </p:sp>
+      <p:pic>
+        <p:nvPicPr>
+          <p:cNvPr id="5" name="Content Placeholder 4"/>
+          <p:cNvPicPr>
+            <a:picLocks noGrp="1" noChangeAspect="1"/>
+          </p:cNvPicPr>
+          <p:nvPr>
+            <p:ph idx="1"/>
+          </p:nvPr>
+        </p:nvPicPr>
+        <p:blipFill>
+          <a:blip r:embed="rId2"/>
+          <a:stretch>
+            <a:fillRect/>
+          </a:stretch>
+        </p:blipFill>
+        <p:spPr>
+          <a:xfrm>
+            <a:off x="1069849" y="2120900"/>
+            <a:ext cx="9711040" cy="4051300"/>
+          </a:xfrm>
+          <a:prstGeom prst="rect">
+            <a:avLst/>
+          </a:prstGeom>
+        </p:spPr>
+      </p:pic>
     </p:spTree>
     <p:extLst>
       <p:ext uri="{BB962C8B-B14F-4D97-AF65-F5344CB8AC3E}">
-        <p14:creationId xmlns:p14="http://schemas.microsoft.com/office/powerpoint/2010/main" val="4061497245"/>
+        <p14:creationId xmlns:p14="http://schemas.microsoft.com/office/powerpoint/2010/main" val="3304528852"/>
       </p:ext>
     </p:extLst>
   </p:cSld>
@@ -5985,21 +6445,14 @@
             <p:ph type="title"/>
           </p:nvPr>
         </p:nvSpPr>
-        <p:spPr>
-          <a:xfrm>
-            <a:off x="1069848" y="484632"/>
-            <a:ext cx="10058400" cy="892612"/>
-          </a:xfrm>
-        </p:spPr>
-        <p:txBody>
-          <a:bodyPr>
-            <a:normAutofit/>
-          </a:bodyPr>
+        <p:spPr/>
+        <p:txBody>
+          <a:bodyPr/>
           <a:lstStyle/>
           <a:p>
             <a:r>
               <a:rPr lang="en-US" dirty="0" smtClean="0"/>
-              <a:t>            Flow chart</a:t>
+              <a:t>Data Cleaning</a:t>
             </a:r>
             <a:endParaRPr lang="en-US" dirty="0"/>
           </a:p>
@@ -6007,7 +6460,7 @@
       </p:sp>
       <p:pic>
         <p:nvPicPr>
-          <p:cNvPr id="5" name="Content Placeholder 4"/>
+          <p:cNvPr id="4" name="Content Placeholder 3"/>
           <p:cNvPicPr>
             <a:picLocks noGrp="1" noChangeAspect="1"/>
           </p:cNvPicPr>
@@ -6016,25 +6469,28 @@
           </p:nvPr>
         </p:nvPicPr>
         <p:blipFill>
-          <a:blip r:embed="rId2"/>
+          <a:blip r:embed="rId2">
+            <a:extLst>
+              <a:ext uri="{28A0092B-C50C-407E-A947-70E740481C1C}">
+                <a14:useLocalDpi xmlns:a14="http://schemas.microsoft.com/office/drawing/2010/main" val="0"/>
+              </a:ext>
+            </a:extLst>
+          </a:blip>
           <a:stretch>
             <a:fillRect/>
           </a:stretch>
         </p:blipFill>
         <p:spPr>
           <a:xfrm>
-            <a:off x="1069849" y="2120900"/>
-            <a:ext cx="9711040" cy="4051300"/>
-          </a:xfrm>
-          <a:prstGeom prst="rect">
-            <a:avLst/>
-          </a:prstGeom>
+            <a:off x="1177073" y="2644048"/>
+            <a:ext cx="8561837" cy="2181340"/>
+          </a:xfrm>
         </p:spPr>
       </p:pic>
     </p:spTree>
     <p:extLst>
       <p:ext uri="{BB962C8B-B14F-4D97-AF65-F5344CB8AC3E}">
-        <p14:creationId xmlns:p14="http://schemas.microsoft.com/office/powerpoint/2010/main" val="3304528852"/>
+        <p14:creationId xmlns:p14="http://schemas.microsoft.com/office/powerpoint/2010/main" val="2651216559"/>
       </p:ext>
     </p:extLst>
   </p:cSld>
@@ -6085,7 +6541,7 @@
           <a:p>
             <a:r>
               <a:rPr lang="en-US" dirty="0" smtClean="0"/>
-              <a:t>Data model</a:t>
+              <a:t>Data Model</a:t>
             </a:r>
             <a:endParaRPr lang="en-US" dirty="0"/>
           </a:p>
@@ -6174,7 +6630,15 @@
           <a:p>
             <a:r>
               <a:rPr lang="en-US" dirty="0" smtClean="0"/>
-              <a:t>Creating dimensional tables</a:t>
+              <a:t>Creating Dimensional </a:t>
+            </a:r>
+            <a:r>
+              <a:rPr lang="en-US" dirty="0"/>
+              <a:t>T</a:t>
+            </a:r>
+            <a:r>
+              <a:rPr lang="en-US" dirty="0" smtClean="0"/>
+              <a:t>ables</a:t>
             </a:r>
             <a:endParaRPr lang="en-US" dirty="0"/>
           </a:p>
@@ -6263,7 +6727,15 @@
           <a:p>
             <a:r>
               <a:rPr lang="en-US" dirty="0" smtClean="0"/>
-              <a:t>Creating fact table</a:t>
+              <a:t>Creating Fact </a:t>
+            </a:r>
+            <a:r>
+              <a:rPr lang="en-US" dirty="0"/>
+              <a:t>T</a:t>
+            </a:r>
+            <a:r>
+              <a:rPr lang="en-US" dirty="0" smtClean="0"/>
+              <a:t>able</a:t>
             </a:r>
             <a:endParaRPr lang="en-US" dirty="0"/>
           </a:p>
@@ -6293,7 +6765,7 @@
         </p:blipFill>
         <p:spPr>
           <a:xfrm>
-            <a:off x="1069975" y="2349202"/>
+            <a:off x="1066800" y="2272208"/>
             <a:ext cx="10058400" cy="3594696"/>
           </a:xfrm>
         </p:spPr>
@@ -6352,7 +6824,7 @@
           <a:p>
             <a:r>
               <a:rPr lang="en-US" dirty="0" smtClean="0"/>
-              <a:t>Loading data into </a:t>
+              <a:t>Loading Data into </a:t>
             </a:r>
             <a:r>
               <a:rPr lang="en-US" dirty="0" err="1" smtClean="0"/>
@@ -6475,7 +6947,7 @@
           <a:p>
             <a:r>
               <a:rPr lang="en-US" dirty="0" smtClean="0"/>
-              <a:t>Creating tables in hive:</a:t>
+              <a:t>Creating Tables in Hive</a:t>
             </a:r>
             <a:endParaRPr lang="en-US" dirty="0"/>
           </a:p>
@@ -6531,9 +7003,9 @@
 </file>
 
 <file path=ppt/theme/theme1.xml><?xml version="1.0" encoding="utf-8"?>
-<a:theme xmlns:a="http://schemas.openxmlformats.org/drawingml/2006/main" name="Wood Type">
+<a:theme xmlns:a="http://schemas.openxmlformats.org/drawingml/2006/main" name="Savon">
   <a:themeElements>
-    <a:clrScheme name="Wood Type">
+    <a:clrScheme name="Savon">
       <a:dk1>
         <a:sysClr val="windowText" lastClr="000000"/>
       </a:dk1>
@@ -6541,54 +7013,52 @@
         <a:sysClr val="window" lastClr="FFFFFF"/>
       </a:lt1>
       <a:dk2>
-        <a:srgbClr val="696464"/>
+        <a:srgbClr val="1485A4"/>
       </a:dk2>
       <a:lt2>
-        <a:srgbClr val="E9E5DC"/>
+        <a:srgbClr val="E3DED1"/>
       </a:lt2>
       <a:accent1>
-        <a:srgbClr val="D34817"/>
+        <a:srgbClr val="1CADE4"/>
       </a:accent1>
       <a:accent2>
-        <a:srgbClr val="9B2D1F"/>
+        <a:srgbClr val="2683C6"/>
       </a:accent2>
       <a:accent3>
-        <a:srgbClr val="A28E6A"/>
+        <a:srgbClr val="27CED7"/>
       </a:accent3>
       <a:accent4>
-        <a:srgbClr val="956251"/>
+        <a:srgbClr val="42BA97"/>
       </a:accent4>
       <a:accent5>
-        <a:srgbClr val="918485"/>
+        <a:srgbClr val="3E8853"/>
       </a:accent5>
       <a:accent6>
-        <a:srgbClr val="855D5D"/>
+        <a:srgbClr val="62A39F"/>
       </a:accent6>
       <a:hlink>
-        <a:srgbClr val="CC9900"/>
+        <a:srgbClr val="F49100"/>
       </a:hlink>
       <a:folHlink>
-        <a:srgbClr val="96A9A9"/>
+        <a:srgbClr val="739D9B"/>
       </a:folHlink>
     </a:clrScheme>
-    <a:fontScheme name="Wood Type">
+    <a:fontScheme name="Savon">
       <a:majorFont>
-        <a:latin typeface="Rockwell Condensed" panose="02060603050405020104"/>
+        <a:latin typeface="Century Gothic" panose="020B0502020202020204"/>
         <a:ea typeface=""/>
         <a:cs typeface=""/>
-        <a:font script="Grek" typeface="Cambria"/>
-        <a:font script="Cyrl" typeface="Cambria"/>
-        <a:font script="Jpan" typeface="HG明朝B"/>
-        <a:font script="Hang" typeface="바탕"/>
-        <a:font script="Hans" typeface="方正姚体"/>
-        <a:font script="Hant" typeface="微軟正黑體"/>
-        <a:font script="Arab" typeface="Times New Roman"/>
-        <a:font script="Hebr" typeface="David"/>
-        <a:font script="Thai" typeface="JasmineUPC"/>
+        <a:font script="Jpan" typeface="ＭＳ ゴシック"/>
+        <a:font script="Hang" typeface="맑은 고딕"/>
+        <a:font script="Hans" typeface="宋体"/>
+        <a:font script="Hant" typeface="新細明體"/>
+        <a:font script="Arab" typeface="Tahoma"/>
+        <a:font script="Hebr" typeface="Gisha"/>
+        <a:font script="Thai" typeface="DilleniaUPC"/>
         <a:font script="Ethi" typeface="Nyala"/>
         <a:font script="Beng" typeface="Vrinda"/>
         <a:font script="Gujr" typeface="Shruti"/>
-        <a:font script="Khmr" typeface="MoolBoran"/>
+        <a:font script="Khmr" typeface="DaunPenh"/>
         <a:font script="Knda" typeface="Tunga"/>
         <a:font script="Guru" typeface="Raavi"/>
         <a:font script="Cans" typeface="Euphemia"/>
@@ -6605,26 +7075,25 @@
         <a:font script="Laoo" typeface="DokChampa"/>
         <a:font script="Sinh" typeface="Iskoola Pota"/>
         <a:font script="Mong" typeface="Mongolian Baiti"/>
-        <a:font script="Viet" typeface="Arial"/>
+        <a:font script="Viet" typeface="Tahoma"/>
         <a:font script="Uigh" typeface="Microsoft Uighur"/>
+        <a:font script="Geor" typeface="Sylfaen"/>
       </a:majorFont>
       <a:minorFont>
-        <a:latin typeface="Rockwell" panose="02060603020205020403"/>
+        <a:latin typeface="Century Gothic" panose="020B0502020202020204"/>
         <a:ea typeface=""/>
         <a:cs typeface=""/>
-        <a:font script="Grek" typeface="Cambria"/>
-        <a:font script="Cyrl" typeface="Cambria"/>
-        <a:font script="Jpan" typeface="HG明朝B"/>
-        <a:font script="Hang" typeface="바탕"/>
-        <a:font script="Hans" typeface="方正姚体"/>
-        <a:font script="Hant" typeface="標楷體"/>
-        <a:font script="Arab" typeface="Times New Roman"/>
-        <a:font script="Hebr" typeface="David"/>
-        <a:font script="Thai" typeface="JasmineUPC"/>
+        <a:font script="Jpan" typeface="ＭＳ ゴシック"/>
+        <a:font script="Hang" typeface="맑은 고딕"/>
+        <a:font script="Hans" typeface="宋体"/>
+        <a:font script="Hant" typeface="新細明體"/>
+        <a:font script="Arab" typeface="Tahoma"/>
+        <a:font script="Hebr" typeface="Gisha"/>
+        <a:font script="Thai" typeface="DilleniaUPC"/>
         <a:font script="Ethi" typeface="Nyala"/>
         <a:font script="Beng" typeface="Vrinda"/>
         <a:font script="Gujr" typeface="Shruti"/>
-        <a:font script="Khmr" typeface="MoolBoran"/>
+        <a:font script="Khmr" typeface="DaunPenh"/>
         <a:font script="Knda" typeface="Tunga"/>
         <a:font script="Guru" typeface="Raavi"/>
         <a:font script="Cans" typeface="Euphemia"/>
@@ -6641,44 +7110,67 @@
         <a:font script="Laoo" typeface="DokChampa"/>
         <a:font script="Sinh" typeface="Iskoola Pota"/>
         <a:font script="Mong" typeface="Mongolian Baiti"/>
-        <a:font script="Viet" typeface="Times New Roman"/>
+        <a:font script="Viet" typeface="Verdana"/>
         <a:font script="Uigh" typeface="Microsoft Uighur"/>
+        <a:font script="Geor" typeface="Sylfaen"/>
       </a:minorFont>
     </a:fontScheme>
-    <a:fmtScheme name="Wood Type">
+    <a:fmtScheme name="Savon">
       <a:fillStyleLst>
         <a:solidFill>
           <a:schemeClr val="phClr"/>
         </a:solidFill>
-        <a:blipFill rotWithShape="1">
-          <a:blip xmlns:r="http://schemas.openxmlformats.org/officeDocument/2006/relationships" r:embed="rId1">
-            <a:duotone>
+        <a:gradFill rotWithShape="1">
+          <a:gsLst>
+            <a:gs pos="0">
+              <a:schemeClr val="phClr">
+                <a:tint val="60000"/>
+                <a:satMod val="105000"/>
+                <a:lumMod val="105000"/>
+              </a:schemeClr>
+            </a:gs>
+            <a:gs pos="100000">
+              <a:schemeClr val="phClr">
+                <a:tint val="65000"/>
+                <a:satMod val="100000"/>
+                <a:lumMod val="100000"/>
+              </a:schemeClr>
+            </a:gs>
+            <a:gs pos="100000">
               <a:schemeClr val="phClr">
                 <a:tint val="70000"/>
-                <a:shade val="63000"/>
+                <a:satMod val="100000"/>
+                <a:lumMod val="100000"/>
               </a:schemeClr>
+            </a:gs>
+          </a:gsLst>
+          <a:lin ang="5400000" scaled="0"/>
+        </a:gradFill>
+        <a:gradFill rotWithShape="1">
+          <a:gsLst>
+            <a:gs pos="0">
               <a:schemeClr val="phClr">
-                <a:tint val="10000"/>
-                <a:satMod val="150000"/>
+                <a:satMod val="100000"/>
+                <a:lumMod val="100000"/>
               </a:schemeClr>
-            </a:duotone>
-          </a:blip>
-          <a:tile tx="0" ty="0" sx="60000" sy="59000" flip="none" algn="tl"/>
-        </a:blipFill>
-        <a:blipFill rotWithShape="1">
-          <a:blip xmlns:r="http://schemas.openxmlformats.org/officeDocument/2006/relationships" r:embed="rId1">
-            <a:duotone>
+            </a:gs>
+            <a:gs pos="50000">
               <a:schemeClr val="phClr">
-                <a:shade val="36000"/>
-                <a:satMod val="120000"/>
+                <a:shade val="99000"/>
+                <a:satMod val="105000"/>
+                <a:lumMod val="100000"/>
               </a:schemeClr>
+            </a:gs>
+            <a:gs pos="100000">
               <a:schemeClr val="phClr">
-                <a:tint val="40000"/>
+                <a:shade val="98000"/>
+                <a:satMod val="105000"/>
+                <a:lumMod val="100000"/>
               </a:schemeClr>
-            </a:duotone>
-          </a:blip>
-          <a:tile tx="0" ty="0" sx="60000" sy="59000" flip="none" algn="tl"/>
-        </a:blipFill>
+            </a:gs>
+          </a:gsLst>
+          <a:lin ang="5400000" scaled="0"/>
+        </a:gradFill>
       </a:fillStyleLst>
       <a:lnStyleLst>
         <a:ln w="6350" cap="flat" cmpd="sng" algn="ctr">
@@ -6706,45 +7198,77 @@
         </a:effectStyle>
         <a:effectStyle>
           <a:effectLst>
-            <a:softEdge rad="12700"/>
+            <a:outerShdw blurRad="38100" dist="12700" dir="5400000" algn="ctr" rotWithShape="0">
+              <a:srgbClr val="000000">
+                <a:alpha val="63000"/>
+              </a:srgbClr>
+            </a:outerShdw>
           </a:effectLst>
         </a:effectStyle>
         <a:effectStyle>
           <a:effectLst>
-            <a:outerShdw blurRad="50800" dist="19050" dir="5400000" algn="tl" rotWithShape="0">
+            <a:outerShdw blurRad="57150" dist="19050" dir="5400000" algn="ctr" rotWithShape="0">
               <a:srgbClr val="000000">
-                <a:alpha val="60000"/>
+                <a:alpha val="63000"/>
               </a:srgbClr>
             </a:outerShdw>
-            <a:softEdge rad="12700"/>
           </a:effectLst>
+          <a:scene3d>
+            <a:camera prst="orthographicFront">
+              <a:rot lat="0" lon="0" rev="0"/>
+            </a:camera>
+            <a:lightRig rig="flat" dir="tl">
+              <a:rot lat="0" lon="0" rev="4200000"/>
+            </a:lightRig>
+          </a:scene3d>
+          <a:sp3d prstMaterial="flat">
+            <a:bevelT w="50800" h="63500" prst="riblet"/>
+          </a:sp3d>
         </a:effectStyle>
       </a:effectStyleLst>
       <a:bgFillStyleLst>
         <a:solidFill>
           <a:schemeClr val="phClr"/>
         </a:solidFill>
-        <a:solidFill>
-          <a:schemeClr val="phClr">
-            <a:shade val="97000"/>
-            <a:satMod val="150000"/>
-          </a:schemeClr>
-        </a:solidFill>
+        <a:gradFill rotWithShape="1">
+          <a:gsLst>
+            <a:gs pos="0">
+              <a:schemeClr val="phClr">
+                <a:tint val="90000"/>
+                <a:shade val="92000"/>
+                <a:satMod val="160000"/>
+              </a:schemeClr>
+            </a:gs>
+            <a:gs pos="77000">
+              <a:schemeClr val="phClr">
+                <a:tint val="100000"/>
+                <a:shade val="73000"/>
+                <a:satMod val="155000"/>
+              </a:schemeClr>
+            </a:gs>
+            <a:gs pos="100000">
+              <a:schemeClr val="phClr">
+                <a:tint val="100000"/>
+                <a:shade val="67000"/>
+                <a:satMod val="145000"/>
+              </a:schemeClr>
+            </a:gs>
+          </a:gsLst>
+          <a:lin ang="5400000" scaled="0"/>
+        </a:gradFill>
         <a:blipFill rotWithShape="1">
           <a:blip xmlns:r="http://schemas.openxmlformats.org/officeDocument/2006/relationships" r:embed="rId1">
             <a:duotone>
               <a:schemeClr val="phClr">
-                <a:tint val="75000"/>
-                <a:shade val="58000"/>
-                <a:satMod val="120000"/>
+                <a:tint val="95000"/>
               </a:schemeClr>
               <a:schemeClr val="phClr">
-                <a:tint val="50000"/>
-                <a:shade val="96000"/>
+                <a:shade val="92000"/>
+                <a:satMod val="115000"/>
               </a:schemeClr>
             </a:duotone>
           </a:blip>
-          <a:tile tx="0" ty="0" sx="100000" sy="100000" flip="none" algn="tl"/>
+          <a:tile tx="0" ty="0" sx="60000" sy="60000" flip="none" algn="tl"/>
         </a:blipFill>
       </a:bgFillStyleLst>
     </a:fmtScheme>
@@ -6753,7 +7277,7 @@
   <a:extraClrSchemeLst/>
   <a:extLst>
     <a:ext uri="{05A4C25C-085E-4340-85A3-A5531E510DB2}">
-      <thm15:themeFamily xmlns:thm15="http://schemas.microsoft.com/office/thememl/2012/main" name="Wood Type" id="{7ACABC62-BF99-48CF-A9DC-4DB89C7B13DC}" vid="{142A1326-48AB-42A9-8428-CB14AA30176D}"/>
+      <thm15:themeFamily xmlns:thm15="http://schemas.microsoft.com/office/thememl/2012/main" name="Savon" id="{1306E473-ED32-493B-A2D0-240A757EDD34}" vid="{C20BADFE-D095-436F-9677-9264042809F0}"/>
     </a:ext>
   </a:extLst>
 </a:theme>
